--- a/Vehicle Identification Draft.pptx
+++ b/Vehicle Identification Draft.pptx
@@ -17,23 +17,24 @@
     <p:sldId id="262" r:id="rId13"/>
     <p:sldId id="263" r:id="rId14"/>
     <p:sldId id="264" r:id="rId15"/>
+    <p:sldId id="265" r:id="rId16"/>
   </p:sldIdLst>
   <p:sldSz cy="5143500" cx="9144000"/>
   <p:notesSz cx="6858000" cy="9144000"/>
   <p:embeddedFontLst>
     <p:embeddedFont>
       <p:font typeface="Montserrat"/>
-      <p:regular r:id="rId16"/>
-      <p:bold r:id="rId17"/>
-      <p:italic r:id="rId18"/>
-      <p:boldItalic r:id="rId19"/>
+      <p:regular r:id="rId17"/>
+      <p:bold r:id="rId18"/>
+      <p:italic r:id="rId19"/>
+      <p:boldItalic r:id="rId20"/>
     </p:embeddedFont>
     <p:embeddedFont>
       <p:font typeface="Lato"/>
-      <p:regular r:id="rId20"/>
-      <p:bold r:id="rId21"/>
-      <p:italic r:id="rId22"/>
-      <p:boldItalic r:id="rId23"/>
+      <p:regular r:id="rId21"/>
+      <p:bold r:id="rId22"/>
+      <p:italic r:id="rId23"/>
+      <p:boldItalic r:id="rId24"/>
     </p:embeddedFont>
   </p:embeddedFontLst>
   <p:defaultTextStyle>
@@ -833,6 +834,105 @@
 </p:notes>
 </file>
 
+<file path=ppt/notesSlides/notesSlide10.xml><?xml version="1.0" encoding="utf-8"?>
+<p:notes xmlns:a="http://schemas.openxmlformats.org/drawingml/2006/main" xmlns:r="http://schemas.openxmlformats.org/officeDocument/2006/relationships" xmlns:mc="http://schemas.openxmlformats.org/markup-compatibility/2006" xmlns:mv="urn:schemas-microsoft-com:mac:vml" xmlns:p="http://schemas.openxmlformats.org/presentationml/2006/main" xmlns:c="http://schemas.openxmlformats.org/drawingml/2006/chart" xmlns:dgm="http://schemas.openxmlformats.org/drawingml/2006/diagram" xmlns:o="urn:schemas-microsoft-com:office:office" xmlns:v="urn:schemas-microsoft-com:vml" xmlns:pvml="urn:schemas-microsoft-com:office:powerpoint" xmlns:com="http://schemas.openxmlformats.org/drawingml/2006/compatibility" xmlns:p14="http://schemas.microsoft.com/office/powerpoint/2010/main" xmlns:p15="http://schemas.microsoft.com/office/powerpoint/2012/main" xmlns:ahyp="http://schemas.microsoft.com/office/drawing/2018/hyperlinkcolor" showMasterPhAnim="0" showMasterSp="0">
+  <p:cSld>
+    <p:spTree>
+      <p:nvGrpSpPr>
+        <p:cNvPr id="213" name="Shape 213"/>
+        <p:cNvGrpSpPr/>
+        <p:nvPr/>
+      </p:nvGrpSpPr>
+      <p:grpSpPr>
+        <a:xfrm>
+          <a:off x="0" y="0"/>
+          <a:ext cx="0" cy="0"/>
+          <a:chOff x="0" y="0"/>
+          <a:chExt cx="0" cy="0"/>
+        </a:xfrm>
+      </p:grpSpPr>
+      <p:sp>
+        <p:nvSpPr>
+          <p:cNvPr id="214" name="Google Shape;214;g111578a744d_1_2:notes"/>
+          <p:cNvSpPr/>
+          <p:nvPr>
+            <p:ph idx="2" type="sldImg"/>
+          </p:nvPr>
+        </p:nvSpPr>
+        <p:spPr>
+          <a:xfrm>
+            <a:off x="381300" y="685800"/>
+            <a:ext cx="6096000" cy="3429000"/>
+          </a:xfrm>
+          <a:custGeom>
+            <a:rect b="b" l="l" r="r" t="t"/>
+            <a:pathLst>
+              <a:path extrusionOk="0" h="120000" w="120000">
+                <a:moveTo>
+                  <a:pt x="0" y="0"/>
+                </a:moveTo>
+                <a:lnTo>
+                  <a:pt x="120000" y="0"/>
+                </a:lnTo>
+                <a:lnTo>
+                  <a:pt x="120000" y="120000"/>
+                </a:lnTo>
+                <a:lnTo>
+                  <a:pt x="0" y="120000"/>
+                </a:lnTo>
+                <a:close/>
+              </a:path>
+            </a:pathLst>
+          </a:custGeom>
+        </p:spPr>
+      </p:sp>
+      <p:sp>
+        <p:nvSpPr>
+          <p:cNvPr id="215" name="Google Shape;215;g111578a744d_1_2:notes"/>
+          <p:cNvSpPr txBox="1"/>
+          <p:nvPr>
+            <p:ph idx="1" type="body"/>
+          </p:nvPr>
+        </p:nvSpPr>
+        <p:spPr>
+          <a:xfrm>
+            <a:off x="685800" y="4343400"/>
+            <a:ext cx="5486400" cy="4114800"/>
+          </a:xfrm>
+          <a:prstGeom prst="rect">
+            <a:avLst/>
+          </a:prstGeom>
+        </p:spPr>
+        <p:txBody>
+          <a:bodyPr anchorCtr="0" anchor="t" bIns="91425" lIns="91425" spcFirstLastPara="1" rIns="91425" wrap="square" tIns="91425">
+            <a:noAutofit/>
+          </a:bodyPr>
+          <a:lstStyle/>
+          <a:p>
+            <a:pPr indent="0" lvl="0" marL="0" rtl="0" algn="l">
+              <a:spcBef>
+                <a:spcPts val="0"/>
+              </a:spcBef>
+              <a:spcAft>
+                <a:spcPts val="0"/>
+              </a:spcAft>
+              <a:buNone/>
+            </a:pPr>
+            <a:r>
+              <a:t/>
+            </a:r>
+            <a:endParaRPr/>
+          </a:p>
+        </p:txBody>
+      </p:sp>
+    </p:spTree>
+  </p:cSld>
+  <p:clrMapOvr>
+    <a:masterClrMapping/>
+  </p:clrMapOvr>
+</p:notes>
+</file>
+
 <file path=ppt/notesSlides/notesSlide2.xml><?xml version="1.0" encoding="utf-8"?>
 <p:notes xmlns:a="http://schemas.openxmlformats.org/drawingml/2006/main" xmlns:r="http://schemas.openxmlformats.org/officeDocument/2006/relationships" xmlns:mc="http://schemas.openxmlformats.org/markup-compatibility/2006" xmlns:mv="urn:schemas-microsoft-com:mac:vml" xmlns:p="http://schemas.openxmlformats.org/presentationml/2006/main" xmlns:c="http://schemas.openxmlformats.org/drawingml/2006/chart" xmlns:dgm="http://schemas.openxmlformats.org/drawingml/2006/diagram" xmlns:o="urn:schemas-microsoft-com:office:office" xmlns:v="urn:schemas-microsoft-com:vml" xmlns:pvml="urn:schemas-microsoft-com:office:powerpoint" xmlns:com="http://schemas.openxmlformats.org/drawingml/2006/compatibility" xmlns:p14="http://schemas.microsoft.com/office/powerpoint/2010/main" xmlns:p15="http://schemas.microsoft.com/office/powerpoint/2012/main" xmlns:ahyp="http://schemas.microsoft.com/office/drawing/2018/hyperlinkcolor" showMasterPhAnim="0" showMasterSp="0">
   <p:cSld>
@@ -1198,7 +1298,8 @@
               <a:buNone/>
             </a:pPr>
             <a:r>
-              <a:t/>
+              <a:rPr lang="en"/>
+              <a:t>https://www.forbes.com/sites/jarretjackson/2020/08/12/as-a-leader-are-you-asking-the-right-questions/?sh=5bba78826e7d</a:t>
             </a:r>
             <a:endParaRPr/>
           </a:p>
@@ -1231,7 +1332,7 @@
       </p:grpSpPr>
       <p:sp>
         <p:nvSpPr>
-          <p:cNvPr id="164" name="Google Shape;164;g111578a744d_1_2:notes"/>
+          <p:cNvPr id="164" name="Google Shape;164;g110aab948cd_0_804:notes"/>
           <p:cNvSpPr/>
           <p:nvPr>
             <p:ph idx="2" type="sldImg"/>
@@ -1266,7 +1367,7 @@
       </p:sp>
       <p:sp>
         <p:nvSpPr>
-          <p:cNvPr id="165" name="Google Shape;165;g111578a744d_1_2:notes"/>
+          <p:cNvPr id="165" name="Google Shape;165;g110aab948cd_0_804:notes"/>
           <p:cNvSpPr txBox="1"/>
           <p:nvPr>
             <p:ph idx="1" type="body"/>
@@ -1316,7 +1417,7 @@
   <p:cSld>
     <p:spTree>
       <p:nvGrpSpPr>
-        <p:cNvPr id="169" name="Shape 169"/>
+        <p:cNvPr id="186" name="Shape 186"/>
         <p:cNvGrpSpPr/>
         <p:nvPr/>
       </p:nvGrpSpPr>
@@ -1330,7 +1431,7 @@
       </p:grpSpPr>
       <p:sp>
         <p:nvSpPr>
-          <p:cNvPr id="170" name="Google Shape;170;g110aab948cd_0_804:notes"/>
+          <p:cNvPr id="187" name="Google Shape;187;g110aab948cd_0_809:notes"/>
           <p:cNvSpPr/>
           <p:nvPr>
             <p:ph idx="2" type="sldImg"/>
@@ -1365,7 +1466,7 @@
       </p:sp>
       <p:sp>
         <p:nvSpPr>
-          <p:cNvPr id="171" name="Google Shape;171;g110aab948cd_0_804:notes"/>
+          <p:cNvPr id="188" name="Google Shape;188;g110aab948cd_0_809:notes"/>
           <p:cNvSpPr txBox="1"/>
           <p:nvPr>
             <p:ph idx="1" type="body"/>
@@ -1396,7 +1497,8 @@
               <a:buNone/>
             </a:pPr>
             <a:r>
-              <a:t/>
+              <a:rPr lang="en"/>
+              <a:t>https://www.vectorstock.com/royalty-free-vector/to-do-list-icon-checklist-task-list-vector-19800745</a:t>
             </a:r>
             <a:endParaRPr/>
           </a:p>
@@ -1415,7 +1517,7 @@
   <p:cSld>
     <p:spTree>
       <p:nvGrpSpPr>
-        <p:cNvPr id="177" name="Shape 177"/>
+        <p:cNvPr id="193" name="Shape 193"/>
         <p:cNvGrpSpPr/>
         <p:nvPr/>
       </p:nvGrpSpPr>
@@ -1429,7 +1531,7 @@
       </p:grpSpPr>
       <p:sp>
         <p:nvSpPr>
-          <p:cNvPr id="178" name="Google Shape;178;g110aab948cd_0_809:notes"/>
+          <p:cNvPr id="194" name="Google Shape;194;g110aab948cd_0_815:notes"/>
           <p:cNvSpPr/>
           <p:nvPr>
             <p:ph idx="2" type="sldImg"/>
@@ -1464,7 +1566,7 @@
       </p:sp>
       <p:sp>
         <p:nvSpPr>
-          <p:cNvPr id="179" name="Google Shape;179;g110aab948cd_0_809:notes"/>
+          <p:cNvPr id="195" name="Google Shape;195;g110aab948cd_0_815:notes"/>
           <p:cNvSpPr txBox="1"/>
           <p:nvPr>
             <p:ph idx="1" type="body"/>
@@ -1514,7 +1616,7 @@
   <p:cSld>
     <p:spTree>
       <p:nvGrpSpPr>
-        <p:cNvPr id="183" name="Shape 183"/>
+        <p:cNvPr id="199" name="Shape 199"/>
         <p:cNvGrpSpPr/>
         <p:nvPr/>
       </p:nvGrpSpPr>
@@ -1528,7 +1630,7 @@
       </p:grpSpPr>
       <p:sp>
         <p:nvSpPr>
-          <p:cNvPr id="184" name="Google Shape;184;g110aab948cd_0_815:notes"/>
+          <p:cNvPr id="200" name="Google Shape;200;g111578a744d_2_0:notes"/>
           <p:cNvSpPr/>
           <p:nvPr>
             <p:ph idx="2" type="sldImg"/>
@@ -1563,7 +1665,7 @@
       </p:sp>
       <p:sp>
         <p:nvSpPr>
-          <p:cNvPr id="185" name="Google Shape;185;g110aab948cd_0_815:notes"/>
+          <p:cNvPr id="201" name="Google Shape;201;g111578a744d_2_0:notes"/>
           <p:cNvSpPr txBox="1"/>
           <p:nvPr>
             <p:ph idx="1" type="body"/>
@@ -1613,7 +1715,7 @@
   <p:cSld>
     <p:spTree>
       <p:nvGrpSpPr>
-        <p:cNvPr id="189" name="Shape 189"/>
+        <p:cNvPr id="205" name="Shape 205"/>
         <p:cNvGrpSpPr/>
         <p:nvPr/>
       </p:nvGrpSpPr>
@@ -1627,7 +1729,7 @@
       </p:grpSpPr>
       <p:sp>
         <p:nvSpPr>
-          <p:cNvPr id="190" name="Google Shape;190;g111578a744d_2_0:notes"/>
+          <p:cNvPr id="206" name="Google Shape;206;g1119d9a5c0a_0_0:notes"/>
           <p:cNvSpPr/>
           <p:nvPr>
             <p:ph idx="2" type="sldImg"/>
@@ -1662,7 +1764,7 @@
       </p:sp>
       <p:sp>
         <p:nvSpPr>
-          <p:cNvPr id="191" name="Google Shape;191;g111578a744d_2_0:notes"/>
+          <p:cNvPr id="207" name="Google Shape;207;g1119d9a5c0a_0_0:notes"/>
           <p:cNvSpPr txBox="1"/>
           <p:nvPr>
             <p:ph idx="1" type="body"/>
@@ -10172,6 +10274,292 @@
 </p:sld>
 </file>
 
+<file path=ppt/slides/slide10.xml><?xml version="1.0" encoding="utf-8"?>
+<p:sld xmlns:a="http://schemas.openxmlformats.org/drawingml/2006/main" xmlns:r="http://schemas.openxmlformats.org/officeDocument/2006/relationships" xmlns:mc="http://schemas.openxmlformats.org/markup-compatibility/2006" xmlns:mv="urn:schemas-microsoft-com:mac:vml" xmlns:p="http://schemas.openxmlformats.org/presentationml/2006/main" xmlns:c="http://schemas.openxmlformats.org/drawingml/2006/chart" xmlns:dgm="http://schemas.openxmlformats.org/drawingml/2006/diagram" xmlns:o="urn:schemas-microsoft-com:office:office" xmlns:v="urn:schemas-microsoft-com:vml" xmlns:pvml="urn:schemas-microsoft-com:office:powerpoint" xmlns:com="http://schemas.openxmlformats.org/drawingml/2006/compatibility" xmlns:p14="http://schemas.microsoft.com/office/powerpoint/2010/main" xmlns:p15="http://schemas.microsoft.com/office/powerpoint/2012/main" xmlns:ahyp="http://schemas.microsoft.com/office/drawing/2018/hyperlinkcolor">
+  <p:cSld>
+    <p:spTree>
+      <p:nvGrpSpPr>
+        <p:cNvPr id="216" name="Shape 216"/>
+        <p:cNvGrpSpPr/>
+        <p:nvPr/>
+      </p:nvGrpSpPr>
+      <p:grpSpPr>
+        <a:xfrm>
+          <a:off x="0" y="0"/>
+          <a:ext cx="0" cy="0"/>
+          <a:chOff x="0" y="0"/>
+          <a:chExt cx="0" cy="0"/>
+        </a:xfrm>
+      </p:grpSpPr>
+      <p:sp>
+        <p:nvSpPr>
+          <p:cNvPr id="217" name="Google Shape;217;p22"/>
+          <p:cNvSpPr txBox="1"/>
+          <p:nvPr/>
+        </p:nvSpPr>
+        <p:spPr>
+          <a:xfrm>
+            <a:off x="1928400" y="415975"/>
+            <a:ext cx="5622000" cy="923400"/>
+          </a:xfrm>
+          <a:prstGeom prst="rect">
+            <a:avLst/>
+          </a:prstGeom>
+          <a:noFill/>
+          <a:ln>
+            <a:noFill/>
+          </a:ln>
+        </p:spPr>
+        <p:txBody>
+          <a:bodyPr anchorCtr="0" anchor="t" bIns="91425" lIns="91425" spcFirstLastPara="1" rIns="91425" wrap="square" tIns="91425">
+            <a:spAutoFit/>
+          </a:bodyPr>
+          <a:lstStyle/>
+          <a:p>
+            <a:pPr indent="0" lvl="0" marL="0" rtl="0" algn="ctr">
+              <a:spcBef>
+                <a:spcPts val="0"/>
+              </a:spcBef>
+              <a:spcAft>
+                <a:spcPts val="0"/>
+              </a:spcAft>
+              <a:buNone/>
+            </a:pPr>
+            <a:r>
+              <a:rPr lang="en" sz="2400">
+                <a:solidFill>
+                  <a:schemeClr val="lt1"/>
+                </a:solidFill>
+                <a:latin typeface="Calibri"/>
+                <a:ea typeface="Calibri"/>
+                <a:cs typeface="Calibri"/>
+                <a:sym typeface="Calibri"/>
+              </a:rPr>
+              <a:t>(provisional) Our</a:t>
+            </a:r>
+            <a:r>
+              <a:rPr lang="en" sz="2400">
+                <a:solidFill>
+                  <a:schemeClr val="lt1"/>
+                </a:solidFill>
+                <a:latin typeface="Calibri"/>
+                <a:ea typeface="Calibri"/>
+                <a:cs typeface="Calibri"/>
+                <a:sym typeface="Calibri"/>
+              </a:rPr>
+              <a:t> team hopes to answer - Question Two </a:t>
+            </a:r>
+            <a:endParaRPr sz="2400"/>
+          </a:p>
+        </p:txBody>
+      </p:sp>
+      <p:sp>
+        <p:nvSpPr>
+          <p:cNvPr id="218" name="Google Shape;218;p22"/>
+          <p:cNvSpPr txBox="1"/>
+          <p:nvPr>
+            <p:ph idx="1" type="body"/>
+          </p:nvPr>
+        </p:nvSpPr>
+        <p:spPr>
+          <a:xfrm>
+            <a:off x="1010675" y="1284125"/>
+            <a:ext cx="6674700" cy="3315300"/>
+          </a:xfrm>
+          <a:prstGeom prst="rect">
+            <a:avLst/>
+          </a:prstGeom>
+        </p:spPr>
+        <p:txBody>
+          <a:bodyPr anchorCtr="0" anchor="t" bIns="91425" lIns="91425" spcFirstLastPara="1" rIns="91425" wrap="square" tIns="91425">
+            <a:normAutofit fontScale="77500" lnSpcReduction="20000"/>
+          </a:bodyPr>
+          <a:lstStyle/>
+          <a:p>
+            <a:pPr indent="-292576" lvl="0" marL="457200" rtl="0" algn="l">
+              <a:spcBef>
+                <a:spcPts val="0"/>
+              </a:spcBef>
+              <a:spcAft>
+                <a:spcPts val="0"/>
+              </a:spcAft>
+              <a:buSzPct val="65895"/>
+              <a:buChar char="➔"/>
+            </a:pPr>
+            <a:r>
+              <a:rPr lang="en" sz="1972"/>
+              <a:t>How do we connect our data to the model</a:t>
+            </a:r>
+            <a:r>
+              <a:rPr lang="en" sz="1972"/>
+              <a:t>?</a:t>
+            </a:r>
+            <a:br>
+              <a:rPr lang="en"/>
+            </a:br>
+            <a:endParaRPr/>
+          </a:p>
+          <a:p>
+            <a:pPr indent="-310904" lvl="1" marL="914400" rtl="0" algn="l">
+              <a:spcBef>
+                <a:spcPts val="0"/>
+              </a:spcBef>
+              <a:spcAft>
+                <a:spcPts val="0"/>
+              </a:spcAft>
+              <a:buSzPct val="100000"/>
+              <a:buChar char="◆"/>
+            </a:pPr>
+            <a:r>
+              <a:rPr lang="en" sz="1672"/>
+              <a:t>Read in database and create dataframe </a:t>
+            </a:r>
+            <a:endParaRPr sz="1672"/>
+          </a:p>
+          <a:p>
+            <a:pPr indent="-310904" lvl="2" marL="1371600" rtl="0" algn="l">
+              <a:spcBef>
+                <a:spcPts val="0"/>
+              </a:spcBef>
+              <a:spcAft>
+                <a:spcPts val="0"/>
+              </a:spcAft>
+              <a:buSzPct val="100000"/>
+              <a:buChar char="●"/>
+            </a:pPr>
+            <a:r>
+              <a:rPr lang="en" sz="1672"/>
+              <a:t>Query merging images </a:t>
+            </a:r>
+            <a:endParaRPr sz="1672"/>
+          </a:p>
+          <a:p>
+            <a:pPr indent="-310904" lvl="2" marL="1371600" rtl="0" algn="l">
+              <a:spcBef>
+                <a:spcPts val="0"/>
+              </a:spcBef>
+              <a:spcAft>
+                <a:spcPts val="0"/>
+              </a:spcAft>
+              <a:buSzPct val="100000"/>
+              <a:buChar char="●"/>
+            </a:pPr>
+            <a:r>
+              <a:rPr lang="en" sz="1672"/>
+              <a:t>Import dataset into model through query merging </a:t>
+            </a:r>
+            <a:endParaRPr sz="1672"/>
+          </a:p>
+          <a:p>
+            <a:pPr indent="0" lvl="0" marL="0" rtl="0" algn="l">
+              <a:spcBef>
+                <a:spcPts val="1200"/>
+              </a:spcBef>
+              <a:spcAft>
+                <a:spcPts val="0"/>
+              </a:spcAft>
+              <a:buNone/>
+            </a:pPr>
+            <a:r>
+              <a:t/>
+            </a:r>
+            <a:endParaRPr sz="1672"/>
+          </a:p>
+          <a:p>
+            <a:pPr indent="-310904" lvl="0" marL="457200" rtl="0" algn="l">
+              <a:spcBef>
+                <a:spcPts val="1200"/>
+              </a:spcBef>
+              <a:spcAft>
+                <a:spcPts val="0"/>
+              </a:spcAft>
+              <a:buSzPct val="100000"/>
+              <a:buChar char="➔"/>
+            </a:pPr>
+            <a:r>
+              <a:rPr lang="en" sz="1672"/>
+              <a:t>Is there a vehicle present?</a:t>
+            </a:r>
+            <a:br>
+              <a:rPr lang="en" sz="1672"/>
+            </a:br>
+            <a:endParaRPr sz="1672"/>
+          </a:p>
+          <a:p>
+            <a:pPr indent="-310904" lvl="1" marL="914400" rtl="0" algn="l">
+              <a:spcBef>
+                <a:spcPts val="0"/>
+              </a:spcBef>
+              <a:spcAft>
+                <a:spcPts val="0"/>
+              </a:spcAft>
+              <a:buSzPct val="100000"/>
+              <a:buChar char="◆"/>
+            </a:pPr>
+            <a:r>
+              <a:rPr lang="en" sz="1672"/>
+              <a:t>That is the question.</a:t>
+            </a:r>
+            <a:br>
+              <a:rPr lang="en" sz="1672"/>
+            </a:br>
+            <a:endParaRPr sz="1672"/>
+          </a:p>
+          <a:p>
+            <a:pPr indent="0" lvl="0" marL="0" rtl="0" algn="l">
+              <a:spcBef>
+                <a:spcPts val="1200"/>
+              </a:spcBef>
+              <a:spcAft>
+                <a:spcPts val="0"/>
+              </a:spcAft>
+              <a:buNone/>
+            </a:pPr>
+            <a:r>
+              <a:t/>
+            </a:r>
+            <a:endParaRPr/>
+          </a:p>
+          <a:p>
+            <a:pPr indent="0" lvl="0" marL="0" rtl="0" algn="l">
+              <a:spcBef>
+                <a:spcPts val="1200"/>
+              </a:spcBef>
+              <a:spcAft>
+                <a:spcPts val="0"/>
+              </a:spcAft>
+              <a:buNone/>
+            </a:pPr>
+            <a:r>
+              <a:t/>
+            </a:r>
+            <a:endParaRPr/>
+          </a:p>
+          <a:p>
+            <a:pPr indent="0" lvl="0" marL="0" rtl="0" algn="l">
+              <a:spcBef>
+                <a:spcPts val="1200"/>
+              </a:spcBef>
+              <a:spcAft>
+                <a:spcPts val="1200"/>
+              </a:spcAft>
+              <a:buNone/>
+            </a:pPr>
+            <a:r>
+              <a:t/>
+            </a:r>
+            <a:endParaRPr/>
+          </a:p>
+        </p:txBody>
+      </p:sp>
+    </p:spTree>
+  </p:cSld>
+  <p:clrMapOvr>
+    <a:masterClrMapping/>
+  </p:clrMapOvr>
+</p:sld>
+</file>
+
 <file path=ppt/slides/slide2.xml><?xml version="1.0" encoding="utf-8"?>
 <p:sld xmlns:a="http://schemas.openxmlformats.org/drawingml/2006/main" xmlns:r="http://schemas.openxmlformats.org/officeDocument/2006/relationships" xmlns:mc="http://schemas.openxmlformats.org/markup-compatibility/2006" xmlns:mv="urn:schemas-microsoft-com:mac:vml" xmlns:p="http://schemas.openxmlformats.org/presentationml/2006/main" xmlns:c="http://schemas.openxmlformats.org/drawingml/2006/chart" xmlns:dgm="http://schemas.openxmlformats.org/drawingml/2006/diagram" xmlns:o="urn:schemas-microsoft-com:office:office" xmlns:v="urn:schemas-microsoft-com:vml" xmlns:pvml="urn:schemas-microsoft-com:office:powerpoint" xmlns:com="http://schemas.openxmlformats.org/drawingml/2006/compatibility" xmlns:p14="http://schemas.microsoft.com/office/powerpoint/2010/main" xmlns:p15="http://schemas.microsoft.com/office/powerpoint/2012/main" xmlns:ahyp="http://schemas.microsoft.com/office/drawing/2018/hyperlinkcolor">
   <p:cSld>
@@ -11003,15 +11391,15 @@
         </p:nvSpPr>
         <p:spPr>
           <a:xfrm>
-            <a:off x="1052550" y="377775"/>
-            <a:ext cx="7038900" cy="526200"/>
+            <a:off x="449400" y="-65900"/>
+            <a:ext cx="8245200" cy="1432500"/>
           </a:xfrm>
           <a:prstGeom prst="rect">
             <a:avLst/>
           </a:prstGeom>
         </p:spPr>
         <p:txBody>
-          <a:bodyPr anchorCtr="0" anchor="t" bIns="91425" lIns="91425" spcFirstLastPara="1" rIns="91425" wrap="square" tIns="91425">
+          <a:bodyPr anchorCtr="0" anchor="ctr" bIns="91425" lIns="91425" spcFirstLastPara="1" rIns="91425" wrap="square" tIns="91425">
             <a:noAutofit/>
           </a:bodyPr>
           <a:lstStyle/>
@@ -11026,15 +11414,24 @@
               <a:buNone/>
             </a:pPr>
             <a:r>
-              <a:rPr lang="en">
+              <a:rPr lang="en" sz="1900">
                 <a:latin typeface="Calibri"/>
                 <a:ea typeface="Calibri"/>
                 <a:cs typeface="Calibri"/>
                 <a:sym typeface="Calibri"/>
               </a:rPr>
-              <a:t>Questions team hopes to answer (Part One)</a:t>
-            </a:r>
-            <a:endParaRPr>
+              <a:t>The primary question our team </a:t>
+            </a:r>
+            <a:r>
+              <a:rPr lang="en" sz="1900">
+                <a:latin typeface="Calibri"/>
+                <a:ea typeface="Calibri"/>
+                <a:cs typeface="Calibri"/>
+                <a:sym typeface="Calibri"/>
+              </a:rPr>
+              <a:t>hopes to answer throughout the project:</a:t>
+            </a:r>
+            <a:endParaRPr sz="1900">
               <a:latin typeface="Calibri"/>
               <a:ea typeface="Calibri"/>
               <a:cs typeface="Calibri"/>
@@ -11053,164 +11450,32 @@
         </p:nvSpPr>
         <p:spPr>
           <a:xfrm>
-            <a:off x="503575" y="1284125"/>
-            <a:ext cx="6674700" cy="3315300"/>
+            <a:off x="1005800" y="1490400"/>
+            <a:ext cx="5574600" cy="2499600"/>
           </a:xfrm>
           <a:prstGeom prst="rect">
             <a:avLst/>
           </a:prstGeom>
         </p:spPr>
         <p:txBody>
-          <a:bodyPr anchorCtr="0" anchor="t" bIns="91425" lIns="91425" spcFirstLastPara="1" rIns="91425" wrap="square" tIns="91425">
-            <a:normAutofit fontScale="77500" lnSpcReduction="10000"/>
+          <a:bodyPr anchorCtr="0" anchor="b" bIns="91425" lIns="91425" spcFirstLastPara="1" rIns="91425" wrap="square" tIns="91425">
+            <a:normAutofit/>
           </a:bodyPr>
           <a:lstStyle/>
           <a:p>
-            <a:pPr indent="-292576" lvl="0" marL="457200" rtl="0" algn="l">
-              <a:spcBef>
-                <a:spcPts val="0"/>
-              </a:spcBef>
-              <a:spcAft>
-                <a:spcPts val="0"/>
-              </a:spcAft>
-              <a:buSzPct val="65895"/>
+            <a:pPr indent="-353873" lvl="0" marL="457200" rtl="0" algn="l">
+              <a:spcBef>
+                <a:spcPts val="0"/>
+              </a:spcBef>
+              <a:spcAft>
+                <a:spcPts val="0"/>
+              </a:spcAft>
+              <a:buSzPts val="1973"/>
               <a:buChar char="➔"/>
             </a:pPr>
             <a:r>
               <a:rPr lang="en" sz="1972"/>
-              <a:t>What are the steps to prep the raw data &amp; upload it to the database?</a:t>
-            </a:r>
-            <a:br>
-              <a:rPr lang="en"/>
-            </a:br>
-            <a:endParaRPr/>
-          </a:p>
-          <a:p>
-            <a:pPr indent="-310904" lvl="1" marL="914400" rtl="0" algn="l">
-              <a:spcBef>
-                <a:spcPts val="0"/>
-              </a:spcBef>
-              <a:spcAft>
-                <a:spcPts val="0"/>
-              </a:spcAft>
-              <a:buSzPct val="100000"/>
-              <a:buChar char="◆"/>
-            </a:pPr>
-            <a:r>
-              <a:rPr lang="en" sz="1672"/>
-              <a:t>Conversion of MatLab </a:t>
-            </a:r>
-            <a:r>
-              <a:rPr lang="en" sz="1672"/>
-              <a:t>metadata</a:t>
-            </a:r>
-            <a:r>
-              <a:rPr lang="en" sz="1672"/>
-              <a:t> files into Pandas DataFrames</a:t>
-            </a:r>
-            <a:br>
-              <a:rPr lang="en" sz="1672"/>
-            </a:br>
-            <a:endParaRPr sz="1672"/>
-          </a:p>
-          <a:p>
-            <a:pPr indent="-310904" lvl="1" marL="914400" rtl="0" algn="l">
-              <a:spcBef>
-                <a:spcPts val="0"/>
-              </a:spcBef>
-              <a:spcAft>
-                <a:spcPts val="0"/>
-              </a:spcAft>
-              <a:buSzPct val="100000"/>
-              <a:buChar char="◆"/>
-            </a:pPr>
-            <a:r>
-              <a:rPr lang="en" sz="1672"/>
-              <a:t>Adjusting DataFrames to reflect accurate </a:t>
-            </a:r>
-            <a:r>
-              <a:rPr lang="en" sz="1672"/>
-              <a:t>data types</a:t>
-            </a:r>
-            <a:r>
-              <a:rPr lang="en" sz="1672"/>
-              <a:t> </a:t>
-            </a:r>
-            <a:br>
-              <a:rPr lang="en" sz="1672"/>
-            </a:br>
-            <a:endParaRPr sz="1672"/>
-          </a:p>
-          <a:p>
-            <a:pPr indent="-310904" lvl="1" marL="914400" rtl="0" algn="l">
-              <a:spcBef>
-                <a:spcPts val="0"/>
-              </a:spcBef>
-              <a:spcAft>
-                <a:spcPts val="0"/>
-              </a:spcAft>
-              <a:buSzPct val="100000"/>
-              <a:buChar char="◆"/>
-            </a:pPr>
-            <a:r>
-              <a:rPr lang="en" sz="1672"/>
-              <a:t>Creation of AWS PostgreSQL Database</a:t>
-            </a:r>
-            <a:br>
-              <a:rPr lang="en" sz="1672"/>
-            </a:br>
-            <a:endParaRPr sz="1672"/>
-          </a:p>
-          <a:p>
-            <a:pPr indent="-310904" lvl="1" marL="914400" rtl="0" algn="l">
-              <a:spcBef>
-                <a:spcPts val="0"/>
-              </a:spcBef>
-              <a:spcAft>
-                <a:spcPts val="0"/>
-              </a:spcAft>
-              <a:buSzPct val="100000"/>
-              <a:buChar char="◆"/>
-            </a:pPr>
-            <a:r>
-              <a:rPr lang="en" sz="1672"/>
-              <a:t>Move contents from Pandas DataFrames into AWS </a:t>
-            </a:r>
-            <a:r>
-              <a:rPr lang="en" sz="1672"/>
-              <a:t>PostgreSQL Database</a:t>
-            </a:r>
-            <a:endParaRPr sz="1672"/>
-          </a:p>
-          <a:p>
-            <a:pPr indent="-310904" lvl="2" marL="1371600" rtl="0" algn="l">
-              <a:spcBef>
-                <a:spcPts val="0"/>
-              </a:spcBef>
-              <a:spcAft>
-                <a:spcPts val="0"/>
-              </a:spcAft>
-              <a:buSzPct val="100000"/>
-              <a:buChar char="●"/>
-            </a:pPr>
-            <a:r>
-              <a:rPr lang="en" sz="1672"/>
-              <a:t>Table creation &amp; population</a:t>
-            </a:r>
-            <a:endParaRPr sz="1672"/>
-          </a:p>
-          <a:p>
-            <a:pPr indent="0" lvl="0" marL="0" rtl="0" algn="l">
-              <a:spcBef>
-                <a:spcPts val="1200"/>
-              </a:spcBef>
-              <a:spcAft>
-                <a:spcPts val="0"/>
-              </a:spcAft>
-              <a:buNone/>
-            </a:pPr>
-            <a:r>
-              <a:t/>
+              <a:t>Can we take a dataset containing thousands of images, and create a model using machine learning in order to identify whether or not a vehicle is present in an image? </a:t>
             </a:r>
             <a:endParaRPr/>
           </a:p>
@@ -11252,18 +11517,17 @@
           <p:cNvPicPr preferRelativeResize="0"/>
           <p:nvPr/>
         </p:nvPicPr>
-        <p:blipFill>
+        <p:blipFill rotWithShape="1">
           <a:blip r:embed="rId3">
             <a:alphaModFix/>
           </a:blip>
-          <a:stretch>
-            <a:fillRect/>
-          </a:stretch>
+          <a:srcRect b="0" l="41540" r="3829" t="0"/>
+          <a:stretch/>
         </p:blipFill>
         <p:spPr>
           <a:xfrm>
-            <a:off x="6900900" y="1911825"/>
-            <a:ext cx="2037125" cy="1719823"/>
+            <a:off x="6580400" y="1596375"/>
+            <a:ext cx="1608624" cy="1950750"/>
           </a:xfrm>
           <a:prstGeom prst="rect">
             <a:avLst/>
@@ -11309,12 +11573,353 @@
         <p:nvSpPr>
           <p:cNvPr id="167" name="Google Shape;167;p17"/>
           <p:cNvSpPr txBox="1"/>
+          <p:nvPr>
+            <p:ph type="title"/>
+          </p:nvPr>
+        </p:nvSpPr>
+        <p:spPr>
+          <a:xfrm>
+            <a:off x="1919250" y="302500"/>
+            <a:ext cx="5305500" cy="693900"/>
+          </a:xfrm>
+          <a:prstGeom prst="rect">
+            <a:avLst/>
+          </a:prstGeom>
+        </p:spPr>
+        <p:txBody>
+          <a:bodyPr anchorCtr="0" anchor="t" bIns="91425" lIns="91425" spcFirstLastPara="1" rIns="91425" wrap="square" tIns="91425">
+            <a:normAutofit/>
+          </a:bodyPr>
+          <a:lstStyle/>
+          <a:p>
+            <a:pPr indent="0" lvl="0" marL="0" rtl="0" algn="ctr">
+              <a:spcBef>
+                <a:spcPts val="0"/>
+              </a:spcBef>
+              <a:spcAft>
+                <a:spcPts val="0"/>
+              </a:spcAft>
+              <a:buNone/>
+            </a:pPr>
+            <a:r>
+              <a:rPr lang="en">
+                <a:latin typeface="Calibri"/>
+                <a:ea typeface="Calibri"/>
+                <a:cs typeface="Calibri"/>
+                <a:sym typeface="Calibri"/>
+              </a:rPr>
+              <a:t>Data Exploration </a:t>
+            </a:r>
+            <a:endParaRPr>
+              <a:latin typeface="Calibri"/>
+              <a:ea typeface="Calibri"/>
+              <a:cs typeface="Calibri"/>
+              <a:sym typeface="Calibri"/>
+            </a:endParaRPr>
+          </a:p>
+        </p:txBody>
+      </p:sp>
+      <p:sp>
+        <p:nvSpPr>
+          <p:cNvPr id="168" name="Google Shape;168;p17"/>
+          <p:cNvSpPr txBox="1"/>
+          <p:nvPr>
+            <p:ph idx="1" type="body"/>
+          </p:nvPr>
+        </p:nvSpPr>
+        <p:spPr>
+          <a:xfrm>
+            <a:off x="1024500" y="1477075"/>
+            <a:ext cx="7887300" cy="1024500"/>
+          </a:xfrm>
+          <a:prstGeom prst="rect">
+            <a:avLst/>
+          </a:prstGeom>
+        </p:spPr>
+        <p:txBody>
+          <a:bodyPr anchorCtr="0" anchor="ctr" bIns="91425" lIns="91425" spcFirstLastPara="1" rIns="91425" wrap="square" tIns="91425">
+            <a:noAutofit/>
+          </a:bodyPr>
+          <a:lstStyle/>
+          <a:p>
+            <a:pPr indent="0" lvl="0" marL="0" rtl="0" algn="l">
+              <a:lnSpc>
+                <a:spcPct val="85000"/>
+              </a:lnSpc>
+              <a:spcBef>
+                <a:spcPts val="0"/>
+              </a:spcBef>
+              <a:spcAft>
+                <a:spcPts val="0"/>
+              </a:spcAft>
+              <a:buSzPts val="852"/>
+              <a:buNone/>
+            </a:pPr>
+            <a:r>
+              <a:rPr lang="en" sz="975"/>
+              <a:t>Unlike previous datasets we’ve </a:t>
+            </a:r>
+            <a:r>
+              <a:rPr lang="en" sz="975"/>
+              <a:t>encountered </a:t>
+            </a:r>
+            <a:r>
+              <a:rPr lang="en" sz="975"/>
+              <a:t>that were in CSV or Panda formats, this time our data came in MatLab format. </a:t>
+            </a:r>
+            <a:br>
+              <a:rPr lang="en" sz="975"/>
+            </a:br>
+            <a:r>
+              <a:rPr lang="en" sz="975"/>
+              <a:t>The team</a:t>
+            </a:r>
+            <a:r>
+              <a:rPr lang="en" sz="975"/>
+              <a:t> had to find a way and transform this format into Pandas DataFrames. This would: </a:t>
+            </a:r>
+            <a:endParaRPr sz="975"/>
+          </a:p>
+          <a:p>
+            <a:pPr indent="-290512" lvl="0" marL="457200" rtl="0" algn="l">
+              <a:lnSpc>
+                <a:spcPct val="85000"/>
+              </a:lnSpc>
+              <a:spcBef>
+                <a:spcPts val="1200"/>
+              </a:spcBef>
+              <a:spcAft>
+                <a:spcPts val="0"/>
+              </a:spcAft>
+              <a:buSzPts val="975"/>
+              <a:buAutoNum type="arabicPeriod"/>
+            </a:pPr>
+            <a:r>
+              <a:rPr lang="en" sz="975"/>
+              <a:t>Allow its introduction into the AWS database </a:t>
+            </a:r>
+            <a:endParaRPr sz="975"/>
+          </a:p>
+          <a:p>
+            <a:pPr indent="-290512" lvl="0" marL="457200" rtl="0" algn="l">
+              <a:lnSpc>
+                <a:spcPct val="85000"/>
+              </a:lnSpc>
+              <a:spcBef>
+                <a:spcPts val="0"/>
+              </a:spcBef>
+              <a:spcAft>
+                <a:spcPts val="0"/>
+              </a:spcAft>
+              <a:buSzPts val="975"/>
+              <a:buAutoNum type="arabicPeriod"/>
+            </a:pPr>
+            <a:r>
+              <a:rPr lang="en" sz="975"/>
+              <a:t>Allow effective use by our neural network model to process the images in an accurate and timely manner  </a:t>
+            </a:r>
+            <a:endParaRPr sz="975"/>
+          </a:p>
+          <a:p>
+            <a:pPr indent="0" lvl="0" marL="0" rtl="0" algn="l">
+              <a:lnSpc>
+                <a:spcPct val="85000"/>
+              </a:lnSpc>
+              <a:spcBef>
+                <a:spcPts val="1200"/>
+              </a:spcBef>
+              <a:spcAft>
+                <a:spcPts val="1200"/>
+              </a:spcAft>
+              <a:buSzPts val="852"/>
+              <a:buNone/>
+            </a:pPr>
+            <a:r>
+              <a:rPr lang="en" sz="975"/>
+              <a:t>The following outline explains the steps taken in order to clean, organize and set up our datasource that it can be used for analysis in our model</a:t>
+            </a:r>
+            <a:endParaRPr sz="975"/>
+          </a:p>
+        </p:txBody>
+      </p:sp>
+      <p:sp>
+        <p:nvSpPr>
+          <p:cNvPr id="169" name="Google Shape;169;p17"/>
+          <p:cNvSpPr txBox="1"/>
           <p:nvPr/>
         </p:nvSpPr>
         <p:spPr>
           <a:xfrm>
-            <a:off x="1928400" y="415975"/>
-            <a:ext cx="5287200" cy="492600"/>
+            <a:off x="1024500" y="1109488"/>
+            <a:ext cx="1494600" cy="338700"/>
+          </a:xfrm>
+          <a:prstGeom prst="rect">
+            <a:avLst/>
+          </a:prstGeom>
+          <a:noFill/>
+          <a:ln>
+            <a:noFill/>
+          </a:ln>
+        </p:spPr>
+        <p:txBody>
+          <a:bodyPr anchorCtr="0" anchor="t" bIns="91425" lIns="91425" spcFirstLastPara="1" rIns="91425" wrap="square" tIns="91425">
+            <a:spAutoFit/>
+          </a:bodyPr>
+          <a:lstStyle/>
+          <a:p>
+            <a:pPr indent="0" lvl="0" marL="0" rtl="0" algn="l">
+              <a:lnSpc>
+                <a:spcPct val="105000"/>
+              </a:lnSpc>
+              <a:spcBef>
+                <a:spcPts val="0"/>
+              </a:spcBef>
+              <a:spcAft>
+                <a:spcPts val="1200"/>
+              </a:spcAft>
+              <a:buNone/>
+            </a:pPr>
+            <a:r>
+              <a:rPr b="1" lang="en" sz="1000" u="sng">
+                <a:solidFill>
+                  <a:schemeClr val="lt1"/>
+                </a:solidFill>
+                <a:latin typeface="Lato"/>
+                <a:ea typeface="Lato"/>
+                <a:cs typeface="Lato"/>
+                <a:sym typeface="Lato"/>
+              </a:rPr>
+              <a:t> The Challenge</a:t>
+            </a:r>
+            <a:endParaRPr b="1" u="sng">
+              <a:latin typeface="Lato"/>
+              <a:ea typeface="Lato"/>
+              <a:cs typeface="Lato"/>
+              <a:sym typeface="Lato"/>
+            </a:endParaRPr>
+          </a:p>
+        </p:txBody>
+      </p:sp>
+      <p:sp>
+        <p:nvSpPr>
+          <p:cNvPr id="170" name="Google Shape;170;p17"/>
+          <p:cNvSpPr txBox="1"/>
+          <p:nvPr/>
+        </p:nvSpPr>
+        <p:spPr>
+          <a:xfrm>
+            <a:off x="1024500" y="2530450"/>
+            <a:ext cx="1666500" cy="338700"/>
+          </a:xfrm>
+          <a:prstGeom prst="rect">
+            <a:avLst/>
+          </a:prstGeom>
+          <a:noFill/>
+          <a:ln>
+            <a:noFill/>
+          </a:ln>
+        </p:spPr>
+        <p:txBody>
+          <a:bodyPr anchorCtr="0" anchor="t" bIns="91425" lIns="91425" spcFirstLastPara="1" rIns="91425" wrap="square" tIns="91425">
+            <a:spAutoFit/>
+          </a:bodyPr>
+          <a:lstStyle/>
+          <a:p>
+            <a:pPr indent="0" lvl="0" marL="0" rtl="0" algn="l">
+              <a:lnSpc>
+                <a:spcPct val="105000"/>
+              </a:lnSpc>
+              <a:spcBef>
+                <a:spcPts val="0"/>
+              </a:spcBef>
+              <a:spcAft>
+                <a:spcPts val="1200"/>
+              </a:spcAft>
+              <a:buNone/>
+            </a:pPr>
+            <a:r>
+              <a:rPr b="1" lang="en" sz="1000" u="sng">
+                <a:solidFill>
+                  <a:schemeClr val="lt1"/>
+                </a:solidFill>
+                <a:latin typeface="Lato"/>
+                <a:ea typeface="Lato"/>
+                <a:cs typeface="Lato"/>
+                <a:sym typeface="Lato"/>
+              </a:rPr>
+              <a:t> Data Preparation Outline</a:t>
+            </a:r>
+            <a:endParaRPr b="1" u="sng">
+              <a:latin typeface="Lato"/>
+              <a:ea typeface="Lato"/>
+              <a:cs typeface="Lato"/>
+              <a:sym typeface="Lato"/>
+            </a:endParaRPr>
+          </a:p>
+        </p:txBody>
+      </p:sp>
+      <p:sp>
+        <p:nvSpPr>
+          <p:cNvPr id="171" name="Google Shape;171;p17"/>
+          <p:cNvSpPr/>
+          <p:nvPr/>
+        </p:nvSpPr>
+        <p:spPr>
+          <a:xfrm flipH="1">
+            <a:off x="1433950" y="2926125"/>
+            <a:ext cx="1349100" cy="750900"/>
+          </a:xfrm>
+          <a:prstGeom prst="round2DiagRect">
+            <a:avLst>
+              <a:gd fmla="val 16667" name="adj1"/>
+              <a:gd fmla="val 0" name="adj2"/>
+            </a:avLst>
+          </a:prstGeom>
+          <a:solidFill>
+            <a:srgbClr val="FFFFFF"/>
+          </a:solidFill>
+          <a:ln cap="flat" cmpd="sng" w="19050">
+            <a:solidFill>
+              <a:srgbClr val="4A86E8"/>
+            </a:solidFill>
+            <a:prstDash val="solid"/>
+            <a:round/>
+            <a:headEnd len="sm" w="sm" type="none"/>
+            <a:tailEnd len="sm" w="sm" type="none"/>
+          </a:ln>
+        </p:spPr>
+        <p:txBody>
+          <a:bodyPr anchorCtr="0" anchor="ctr" bIns="91425" lIns="91425" spcFirstLastPara="1" rIns="91425" wrap="square" tIns="91425">
+            <a:noAutofit/>
+          </a:bodyPr>
+          <a:lstStyle/>
+          <a:p>
+            <a:pPr indent="0" lvl="0" marL="0" rtl="0" algn="l">
+              <a:spcBef>
+                <a:spcPts val="0"/>
+              </a:spcBef>
+              <a:spcAft>
+                <a:spcPts val="0"/>
+              </a:spcAft>
+              <a:buNone/>
+            </a:pPr>
+            <a:r>
+              <a:t/>
+            </a:r>
+            <a:endParaRPr/>
+          </a:p>
+        </p:txBody>
+      </p:sp>
+      <p:sp>
+        <p:nvSpPr>
+          <p:cNvPr id="172" name="Google Shape;172;p17"/>
+          <p:cNvSpPr txBox="1"/>
+          <p:nvPr/>
+        </p:nvSpPr>
+        <p:spPr>
+          <a:xfrm>
+            <a:off x="1477450" y="3001425"/>
+            <a:ext cx="1262100" cy="600300"/>
           </a:xfrm>
           <a:prstGeom prst="rect">
             <a:avLst/>
@@ -11340,16 +11945,95 @@
               <a:buNone/>
             </a:pPr>
             <a:r>
-              <a:rPr lang="en" sz="2000">
-                <a:solidFill>
-                  <a:schemeClr val="lt1"/>
-                </a:solidFill>
+              <a:rPr b="1" lang="en" sz="900">
                 <a:latin typeface="Calibri"/>
                 <a:ea typeface="Calibri"/>
                 <a:cs typeface="Calibri"/>
                 <a:sym typeface="Calibri"/>
               </a:rPr>
-              <a:t>Questions team hopes to answer (Part Two)</a:t>
+              <a:t>Choose Data Source</a:t>
+            </a:r>
+            <a:br>
+              <a:rPr lang="en" sz="900">
+                <a:latin typeface="Calibri"/>
+                <a:ea typeface="Calibri"/>
+                <a:cs typeface="Calibri"/>
+                <a:sym typeface="Calibri"/>
+              </a:rPr>
+            </a:br>
+            <a:br>
+              <a:rPr lang="en" sz="900">
+                <a:latin typeface="Calibri"/>
+                <a:ea typeface="Calibri"/>
+                <a:cs typeface="Calibri"/>
+                <a:sym typeface="Calibri"/>
+              </a:rPr>
+            </a:br>
+            <a:r>
+              <a:rPr i="1" lang="en" sz="900">
+                <a:latin typeface="Calibri"/>
+                <a:ea typeface="Calibri"/>
+                <a:cs typeface="Calibri"/>
+                <a:sym typeface="Calibri"/>
+              </a:rPr>
+              <a:t>Stanford Dataset</a:t>
+            </a:r>
+            <a:endParaRPr i="1" sz="900">
+              <a:latin typeface="Calibri"/>
+              <a:ea typeface="Calibri"/>
+              <a:cs typeface="Calibri"/>
+              <a:sym typeface="Calibri"/>
+            </a:endParaRPr>
+          </a:p>
+        </p:txBody>
+      </p:sp>
+      <p:sp>
+        <p:nvSpPr>
+          <p:cNvPr id="173" name="Google Shape;173;p17"/>
+          <p:cNvSpPr/>
+          <p:nvPr/>
+        </p:nvSpPr>
+        <p:spPr>
+          <a:xfrm flipH="1">
+            <a:off x="3080963" y="2926125"/>
+            <a:ext cx="1349100" cy="750900"/>
+          </a:xfrm>
+          <a:prstGeom prst="round2DiagRect">
+            <a:avLst>
+              <a:gd fmla="val 16667" name="adj1"/>
+              <a:gd fmla="val 0" name="adj2"/>
+            </a:avLst>
+          </a:prstGeom>
+          <a:solidFill>
+            <a:srgbClr val="FFFFFF"/>
+          </a:solidFill>
+          <a:ln cap="flat" cmpd="sng" w="19050">
+            <a:solidFill>
+              <a:srgbClr val="4A86E8"/>
+            </a:solidFill>
+            <a:prstDash val="solid"/>
+            <a:round/>
+            <a:headEnd len="sm" w="sm" type="none"/>
+            <a:tailEnd len="sm" w="sm" type="none"/>
+          </a:ln>
+        </p:spPr>
+        <p:txBody>
+          <a:bodyPr anchorCtr="0" anchor="ctr" bIns="91425" lIns="91425" spcFirstLastPara="1" rIns="91425" wrap="square" tIns="91425">
+            <a:noAutofit/>
+          </a:bodyPr>
+          <a:lstStyle/>
+          <a:p>
+            <a:pPr indent="0" lvl="0" marL="0" rtl="0" algn="l">
+              <a:spcBef>
+                <a:spcPts val="0"/>
+              </a:spcBef>
+              <a:spcAft>
+                <a:spcPts val="0"/>
+              </a:spcAft>
+              <a:buNone/>
+            </a:pPr>
+            <a:r>
+              <a:t/>
             </a:r>
             <a:endParaRPr/>
           </a:p>
@@ -11357,124 +12041,158 @@
       </p:sp>
       <p:sp>
         <p:nvSpPr>
-          <p:cNvPr id="168" name="Google Shape;168;p17"/>
+          <p:cNvPr id="174" name="Google Shape;174;p17"/>
           <p:cNvSpPr txBox="1"/>
-          <p:nvPr>
-            <p:ph idx="1" type="body"/>
-          </p:nvPr>
+          <p:nvPr/>
         </p:nvSpPr>
         <p:spPr>
           <a:xfrm>
-            <a:off x="1010675" y="1284125"/>
-            <a:ext cx="6674700" cy="3315300"/>
+            <a:off x="3124463" y="2982250"/>
+            <a:ext cx="1262100" cy="615600"/>
           </a:xfrm>
           <a:prstGeom prst="rect">
             <a:avLst/>
           </a:prstGeom>
+          <a:noFill/>
+          <a:ln>
+            <a:noFill/>
+          </a:ln>
         </p:spPr>
         <p:txBody>
           <a:bodyPr anchorCtr="0" anchor="t" bIns="91425" lIns="91425" spcFirstLastPara="1" rIns="91425" wrap="square" tIns="91425">
-            <a:normAutofit/>
+            <a:spAutoFit/>
           </a:bodyPr>
           <a:lstStyle/>
           <a:p>
-            <a:pPr indent="-311150" lvl="0" marL="457200" rtl="0" algn="l">
-              <a:spcBef>
-                <a:spcPts val="0"/>
-              </a:spcBef>
-              <a:spcAft>
-                <a:spcPts val="0"/>
-              </a:spcAft>
-              <a:buSzPts val="1300"/>
-              <a:buChar char="➔"/>
+            <a:pPr indent="0" lvl="0" marL="0" rtl="0" algn="ctr">
+              <a:spcBef>
+                <a:spcPts val="0"/>
+              </a:spcBef>
+              <a:spcAft>
+                <a:spcPts val="0"/>
+              </a:spcAft>
+              <a:buNone/>
             </a:pPr>
             <a:r>
-              <a:rPr lang="en" sz="1972"/>
-              <a:t>How do we connect our data to the model</a:t>
-            </a:r>
-            <a:r>
-              <a:rPr lang="en" sz="1972"/>
-              <a:t>?</a:t>
+              <a:rPr b="1" lang="en" sz="900">
+                <a:latin typeface="Calibri"/>
+                <a:ea typeface="Calibri"/>
+                <a:cs typeface="Calibri"/>
+                <a:sym typeface="Calibri"/>
+              </a:rPr>
+              <a:t>Process Matlab Files</a:t>
             </a:r>
             <a:br>
-              <a:rPr lang="en"/>
+              <a:rPr lang="en" sz="900">
+                <a:latin typeface="Calibri"/>
+                <a:ea typeface="Calibri"/>
+                <a:cs typeface="Calibri"/>
+                <a:sym typeface="Calibri"/>
+              </a:rPr>
             </a:br>
-            <a:endParaRPr/>
+            <a:endParaRPr sz="300">
+              <a:latin typeface="Calibri"/>
+              <a:ea typeface="Calibri"/>
+              <a:cs typeface="Calibri"/>
+              <a:sym typeface="Calibri"/>
+            </a:endParaRPr>
           </a:p>
           <a:p>
-            <a:pPr indent="-334799" lvl="1" marL="914400" rtl="0" algn="l">
-              <a:spcBef>
-                <a:spcPts val="0"/>
-              </a:spcBef>
-              <a:spcAft>
-                <a:spcPts val="0"/>
-              </a:spcAft>
-              <a:buSzPts val="1672"/>
-              <a:buChar char="◆"/>
+            <a:pPr indent="0" lvl="0" marL="0" rtl="0" algn="ctr">
+              <a:spcBef>
+                <a:spcPts val="0"/>
+              </a:spcBef>
+              <a:spcAft>
+                <a:spcPts val="0"/>
+              </a:spcAft>
+              <a:buNone/>
             </a:pPr>
-            <a:r>
-              <a:rPr lang="en" sz="1672"/>
-              <a:t>Read in database and create dataframe </a:t>
-            </a:r>
-            <a:endParaRPr sz="1672"/>
+            <a:br>
+              <a:rPr lang="en" sz="900">
+                <a:latin typeface="Calibri"/>
+                <a:ea typeface="Calibri"/>
+                <a:cs typeface="Calibri"/>
+                <a:sym typeface="Calibri"/>
+              </a:rPr>
+            </a:br>
+            <a:r>
+              <a:rPr i="1" lang="en" sz="700">
+                <a:latin typeface="Calibri"/>
+                <a:ea typeface="Calibri"/>
+                <a:cs typeface="Calibri"/>
+                <a:sym typeface="Calibri"/>
+              </a:rPr>
+              <a:t>Pandas</a:t>
+            </a:r>
+            <a:r>
+              <a:rPr lang="en" sz="700">
+                <a:latin typeface="Calibri"/>
+                <a:ea typeface="Calibri"/>
+                <a:cs typeface="Calibri"/>
+                <a:sym typeface="Calibri"/>
+              </a:rPr>
+              <a:t> </a:t>
+            </a:r>
+            <a:r>
+              <a:rPr i="1" lang="en" sz="700">
+                <a:latin typeface="Calibri"/>
+                <a:ea typeface="Calibri"/>
+                <a:cs typeface="Calibri"/>
+                <a:sym typeface="Calibri"/>
+              </a:rPr>
+              <a:t>DataFrame Creation</a:t>
+            </a:r>
+            <a:endParaRPr i="1" sz="700">
+              <a:latin typeface="Calibri"/>
+              <a:ea typeface="Calibri"/>
+              <a:cs typeface="Calibri"/>
+              <a:sym typeface="Calibri"/>
+            </a:endParaRPr>
           </a:p>
-          <a:p>
-            <a:pPr indent="-334799" lvl="2" marL="1371600" rtl="0" algn="l">
-              <a:spcBef>
-                <a:spcPts val="0"/>
-              </a:spcBef>
-              <a:spcAft>
-                <a:spcPts val="0"/>
-              </a:spcAft>
-              <a:buSzPts val="1672"/>
-              <a:buChar char="●"/>
-            </a:pPr>
-            <a:r>
-              <a:rPr lang="en" sz="1672"/>
-              <a:t>Query merging images Import dataset into model through query merging </a:t>
-            </a:r>
-            <a:br>
-              <a:rPr lang="en" sz="1672"/>
-            </a:br>
-            <a:endParaRPr sz="1672"/>
-          </a:p>
+        </p:txBody>
+      </p:sp>
+      <p:sp>
+        <p:nvSpPr>
+          <p:cNvPr id="175" name="Google Shape;175;p17"/>
+          <p:cNvSpPr/>
+          <p:nvPr/>
+        </p:nvSpPr>
+        <p:spPr>
+          <a:xfrm flipH="1">
+            <a:off x="4727975" y="2926125"/>
+            <a:ext cx="1349100" cy="750900"/>
+          </a:xfrm>
+          <a:prstGeom prst="round2DiagRect">
+            <a:avLst>
+              <a:gd fmla="val 16667" name="adj1"/>
+              <a:gd fmla="val 0" name="adj2"/>
+            </a:avLst>
+          </a:prstGeom>
+          <a:solidFill>
+            <a:srgbClr val="FFFFFF"/>
+          </a:solidFill>
+          <a:ln cap="flat" cmpd="sng" w="19050">
+            <a:solidFill>
+              <a:srgbClr val="4A86E8"/>
+            </a:solidFill>
+            <a:prstDash val="solid"/>
+            <a:round/>
+            <a:headEnd len="sm" w="sm" type="none"/>
+            <a:tailEnd len="sm" w="sm" type="none"/>
+          </a:ln>
+        </p:spPr>
+        <p:txBody>
+          <a:bodyPr anchorCtr="0" anchor="ctr" bIns="91425" lIns="91425" spcFirstLastPara="1" rIns="91425" wrap="square" tIns="91425">
+            <a:noAutofit/>
+          </a:bodyPr>
+          <a:lstStyle/>
           <a:p>
             <a:pPr indent="0" lvl="0" marL="0" rtl="0" algn="l">
               <a:spcBef>
-                <a:spcPts val="1200"/>
-              </a:spcBef>
-              <a:spcAft>
-                <a:spcPts val="0"/>
-              </a:spcAft>
-              <a:buNone/>
-            </a:pPr>
-            <a:r>
-              <a:t/>
-            </a:r>
-            <a:endParaRPr/>
-          </a:p>
-          <a:p>
-            <a:pPr indent="0" lvl="0" marL="0" rtl="0" algn="l">
-              <a:spcBef>
-                <a:spcPts val="1200"/>
-              </a:spcBef>
-              <a:spcAft>
-                <a:spcPts val="0"/>
-              </a:spcAft>
-              <a:buNone/>
-            </a:pPr>
-            <a:r>
-              <a:t/>
-            </a:r>
-            <a:endParaRPr/>
-          </a:p>
-          <a:p>
-            <a:pPr indent="0" lvl="0" marL="0" rtl="0" algn="l">
-              <a:spcBef>
-                <a:spcPts val="1200"/>
-              </a:spcBef>
-              <a:spcAft>
-                <a:spcPts val="1200"/>
+                <a:spcPts val="0"/>
+              </a:spcBef>
+              <a:spcAft>
+                <a:spcPts val="0"/>
               </a:spcAft>
               <a:buNone/>
             </a:pPr>
@@ -11485,6 +12203,541 @@
           </a:p>
         </p:txBody>
       </p:sp>
+      <p:sp>
+        <p:nvSpPr>
+          <p:cNvPr id="176" name="Google Shape;176;p17"/>
+          <p:cNvSpPr txBox="1"/>
+          <p:nvPr/>
+        </p:nvSpPr>
+        <p:spPr>
+          <a:xfrm>
+            <a:off x="4771475" y="3004925"/>
+            <a:ext cx="1262100" cy="600300"/>
+          </a:xfrm>
+          <a:prstGeom prst="rect">
+            <a:avLst/>
+          </a:prstGeom>
+          <a:noFill/>
+          <a:ln>
+            <a:noFill/>
+          </a:ln>
+        </p:spPr>
+        <p:txBody>
+          <a:bodyPr anchorCtr="0" anchor="t" bIns="91425" lIns="91425" spcFirstLastPara="1" rIns="91425" wrap="square" tIns="91425">
+            <a:spAutoFit/>
+          </a:bodyPr>
+          <a:lstStyle/>
+          <a:p>
+            <a:pPr indent="0" lvl="0" marL="0" rtl="0" algn="ctr">
+              <a:spcBef>
+                <a:spcPts val="0"/>
+              </a:spcBef>
+              <a:spcAft>
+                <a:spcPts val="0"/>
+              </a:spcAft>
+              <a:buNone/>
+            </a:pPr>
+            <a:r>
+              <a:rPr b="1" lang="en" sz="900">
+                <a:latin typeface="Calibri"/>
+                <a:ea typeface="Calibri"/>
+                <a:cs typeface="Calibri"/>
+                <a:sym typeface="Calibri"/>
+              </a:rPr>
+              <a:t>Create AWS Buckets</a:t>
+            </a:r>
+            <a:br>
+              <a:rPr lang="en" sz="900">
+                <a:latin typeface="Calibri"/>
+                <a:ea typeface="Calibri"/>
+                <a:cs typeface="Calibri"/>
+                <a:sym typeface="Calibri"/>
+              </a:rPr>
+            </a:br>
+            <a:br>
+              <a:rPr lang="en" sz="900">
+                <a:latin typeface="Calibri"/>
+                <a:ea typeface="Calibri"/>
+                <a:cs typeface="Calibri"/>
+                <a:sym typeface="Calibri"/>
+              </a:rPr>
+            </a:br>
+            <a:r>
+              <a:rPr i="1" lang="en" sz="900">
+                <a:latin typeface="Calibri"/>
+                <a:ea typeface="Calibri"/>
+                <a:cs typeface="Calibri"/>
+                <a:sym typeface="Calibri"/>
+              </a:rPr>
+              <a:t>Data Image Storage</a:t>
+            </a:r>
+            <a:endParaRPr i="1" sz="900">
+              <a:latin typeface="Calibri"/>
+              <a:ea typeface="Calibri"/>
+              <a:cs typeface="Calibri"/>
+              <a:sym typeface="Calibri"/>
+            </a:endParaRPr>
+          </a:p>
+        </p:txBody>
+      </p:sp>
+      <p:sp>
+        <p:nvSpPr>
+          <p:cNvPr id="177" name="Google Shape;177;p17"/>
+          <p:cNvSpPr/>
+          <p:nvPr/>
+        </p:nvSpPr>
+        <p:spPr>
+          <a:xfrm flipH="1">
+            <a:off x="6360950" y="2926125"/>
+            <a:ext cx="1349100" cy="750900"/>
+          </a:xfrm>
+          <a:prstGeom prst="round2DiagRect">
+            <a:avLst>
+              <a:gd fmla="val 16667" name="adj1"/>
+              <a:gd fmla="val 0" name="adj2"/>
+            </a:avLst>
+          </a:prstGeom>
+          <a:solidFill>
+            <a:srgbClr val="FFFFFF"/>
+          </a:solidFill>
+          <a:ln cap="flat" cmpd="sng" w="19050">
+            <a:solidFill>
+              <a:srgbClr val="4A86E8"/>
+            </a:solidFill>
+            <a:prstDash val="solid"/>
+            <a:round/>
+            <a:headEnd len="sm" w="sm" type="none"/>
+            <a:tailEnd len="sm" w="sm" type="none"/>
+          </a:ln>
+        </p:spPr>
+        <p:txBody>
+          <a:bodyPr anchorCtr="0" anchor="ctr" bIns="91425" lIns="91425" spcFirstLastPara="1" rIns="91425" wrap="square" tIns="91425">
+            <a:noAutofit/>
+          </a:bodyPr>
+          <a:lstStyle/>
+          <a:p>
+            <a:pPr indent="0" lvl="0" marL="0" rtl="0" algn="l">
+              <a:spcBef>
+                <a:spcPts val="0"/>
+              </a:spcBef>
+              <a:spcAft>
+                <a:spcPts val="0"/>
+              </a:spcAft>
+              <a:buNone/>
+            </a:pPr>
+            <a:r>
+              <a:t/>
+            </a:r>
+            <a:endParaRPr/>
+          </a:p>
+        </p:txBody>
+      </p:sp>
+      <p:sp>
+        <p:nvSpPr>
+          <p:cNvPr id="178" name="Google Shape;178;p17"/>
+          <p:cNvSpPr txBox="1"/>
+          <p:nvPr/>
+        </p:nvSpPr>
+        <p:spPr>
+          <a:xfrm>
+            <a:off x="6288200" y="3012575"/>
+            <a:ext cx="1494600" cy="585000"/>
+          </a:xfrm>
+          <a:prstGeom prst="rect">
+            <a:avLst/>
+          </a:prstGeom>
+          <a:noFill/>
+          <a:ln>
+            <a:noFill/>
+          </a:ln>
+        </p:spPr>
+        <p:txBody>
+          <a:bodyPr anchorCtr="0" anchor="t" bIns="91425" lIns="91425" spcFirstLastPara="1" rIns="91425" wrap="square" tIns="91425">
+            <a:spAutoFit/>
+          </a:bodyPr>
+          <a:lstStyle/>
+          <a:p>
+            <a:pPr indent="0" lvl="0" marL="0" rtl="0" algn="ctr">
+              <a:spcBef>
+                <a:spcPts val="0"/>
+              </a:spcBef>
+              <a:spcAft>
+                <a:spcPts val="0"/>
+              </a:spcAft>
+              <a:buNone/>
+            </a:pPr>
+            <a:r>
+              <a:rPr b="1" lang="en" sz="900">
+                <a:latin typeface="Calibri"/>
+                <a:ea typeface="Calibri"/>
+                <a:cs typeface="Calibri"/>
+                <a:sym typeface="Calibri"/>
+              </a:rPr>
+              <a:t>AWS PostgreSQL</a:t>
+            </a:r>
+            <a:br>
+              <a:rPr lang="en" sz="900">
+                <a:latin typeface="Calibri"/>
+                <a:ea typeface="Calibri"/>
+                <a:cs typeface="Calibri"/>
+                <a:sym typeface="Calibri"/>
+              </a:rPr>
+            </a:br>
+            <a:br>
+              <a:rPr lang="en" sz="900">
+                <a:latin typeface="Calibri"/>
+                <a:ea typeface="Calibri"/>
+                <a:cs typeface="Calibri"/>
+                <a:sym typeface="Calibri"/>
+              </a:rPr>
+            </a:br>
+            <a:r>
+              <a:rPr i="1" lang="en" sz="800">
+                <a:latin typeface="Calibri"/>
+                <a:ea typeface="Calibri"/>
+                <a:cs typeface="Calibri"/>
+                <a:sym typeface="Calibri"/>
+              </a:rPr>
+              <a:t>Table Creation &amp; Population</a:t>
+            </a:r>
+            <a:endParaRPr i="1" sz="800">
+              <a:latin typeface="Calibri"/>
+              <a:ea typeface="Calibri"/>
+              <a:cs typeface="Calibri"/>
+              <a:sym typeface="Calibri"/>
+            </a:endParaRPr>
+          </a:p>
+        </p:txBody>
+      </p:sp>
+      <p:sp>
+        <p:nvSpPr>
+          <p:cNvPr id="179" name="Google Shape;179;p17"/>
+          <p:cNvSpPr txBox="1"/>
+          <p:nvPr/>
+        </p:nvSpPr>
+        <p:spPr>
+          <a:xfrm>
+            <a:off x="1361200" y="3740988"/>
+            <a:ext cx="1494600" cy="437100"/>
+          </a:xfrm>
+          <a:prstGeom prst="rect">
+            <a:avLst/>
+          </a:prstGeom>
+          <a:noFill/>
+          <a:ln>
+            <a:noFill/>
+          </a:ln>
+        </p:spPr>
+        <p:txBody>
+          <a:bodyPr anchorCtr="0" anchor="t" bIns="91425" lIns="91425" spcFirstLastPara="1" rIns="91425" wrap="square" tIns="91425">
+            <a:spAutoFit/>
+          </a:bodyPr>
+          <a:lstStyle/>
+          <a:p>
+            <a:pPr indent="0" lvl="0" marL="0" rtl="0" algn="ctr">
+              <a:lnSpc>
+                <a:spcPct val="105000"/>
+              </a:lnSpc>
+              <a:spcBef>
+                <a:spcPts val="0"/>
+              </a:spcBef>
+              <a:spcAft>
+                <a:spcPts val="1200"/>
+              </a:spcAft>
+              <a:buNone/>
+            </a:pPr>
+            <a:r>
+              <a:rPr lang="en" sz="800">
+                <a:solidFill>
+                  <a:schemeClr val="lt1"/>
+                </a:solidFill>
+                <a:latin typeface="Lato"/>
+                <a:ea typeface="Lato"/>
+                <a:cs typeface="Lato"/>
+                <a:sym typeface="Lato"/>
+              </a:rPr>
+              <a:t>Dataset chosen for project presented </a:t>
+            </a:r>
+            <a:r>
+              <a:rPr lang="en" sz="800" u="sng">
+                <a:solidFill>
+                  <a:schemeClr val="hlink"/>
+                </a:solidFill>
+                <a:latin typeface="Lato"/>
+                <a:ea typeface="Lato"/>
+                <a:cs typeface="Lato"/>
+                <a:sym typeface="Lato"/>
+                <a:hlinkClick action="ppaction://hlinksldjump" r:id="rId3"/>
+              </a:rPr>
+              <a:t>here</a:t>
+            </a:r>
+            <a:endParaRPr sz="1200">
+              <a:latin typeface="Lato"/>
+              <a:ea typeface="Lato"/>
+              <a:cs typeface="Lato"/>
+              <a:sym typeface="Lato"/>
+            </a:endParaRPr>
+          </a:p>
+        </p:txBody>
+      </p:sp>
+      <p:sp>
+        <p:nvSpPr>
+          <p:cNvPr id="180" name="Google Shape;180;p17"/>
+          <p:cNvSpPr txBox="1"/>
+          <p:nvPr/>
+        </p:nvSpPr>
+        <p:spPr>
+          <a:xfrm>
+            <a:off x="3022250" y="3740988"/>
+            <a:ext cx="1494600" cy="307800"/>
+          </a:xfrm>
+          <a:prstGeom prst="rect">
+            <a:avLst/>
+          </a:prstGeom>
+          <a:noFill/>
+          <a:ln>
+            <a:noFill/>
+          </a:ln>
+        </p:spPr>
+        <p:txBody>
+          <a:bodyPr anchorCtr="0" anchor="t" bIns="91425" lIns="91425" spcFirstLastPara="1" rIns="91425" wrap="square" tIns="91425">
+            <a:spAutoFit/>
+          </a:bodyPr>
+          <a:lstStyle/>
+          <a:p>
+            <a:pPr indent="0" lvl="0" marL="0" rtl="0" algn="ctr">
+              <a:lnSpc>
+                <a:spcPct val="105000"/>
+              </a:lnSpc>
+              <a:spcBef>
+                <a:spcPts val="0"/>
+              </a:spcBef>
+              <a:spcAft>
+                <a:spcPts val="1200"/>
+              </a:spcAft>
+              <a:buNone/>
+            </a:pPr>
+            <a:r>
+              <a:rPr lang="en" sz="800">
+                <a:solidFill>
+                  <a:schemeClr val="lt1"/>
+                </a:solidFill>
+                <a:latin typeface="Lato"/>
+                <a:ea typeface="Lato"/>
+                <a:cs typeface="Lato"/>
+                <a:sym typeface="Lato"/>
+              </a:rPr>
+              <a:t>Labels, df_train, df_test</a:t>
+            </a:r>
+            <a:endParaRPr sz="1200">
+              <a:latin typeface="Lato"/>
+              <a:ea typeface="Lato"/>
+              <a:cs typeface="Lato"/>
+              <a:sym typeface="Lato"/>
+            </a:endParaRPr>
+          </a:p>
+        </p:txBody>
+      </p:sp>
+      <p:sp>
+        <p:nvSpPr>
+          <p:cNvPr id="181" name="Google Shape;181;p17"/>
+          <p:cNvSpPr txBox="1"/>
+          <p:nvPr/>
+        </p:nvSpPr>
+        <p:spPr>
+          <a:xfrm>
+            <a:off x="4655225" y="3740988"/>
+            <a:ext cx="1494600" cy="566400"/>
+          </a:xfrm>
+          <a:prstGeom prst="rect">
+            <a:avLst/>
+          </a:prstGeom>
+          <a:noFill/>
+          <a:ln>
+            <a:noFill/>
+          </a:ln>
+        </p:spPr>
+        <p:txBody>
+          <a:bodyPr anchorCtr="0" anchor="t" bIns="91425" lIns="91425" spcFirstLastPara="1" rIns="91425" wrap="square" tIns="91425">
+            <a:spAutoFit/>
+          </a:bodyPr>
+          <a:lstStyle/>
+          <a:p>
+            <a:pPr indent="0" lvl="0" marL="0" rtl="0" algn="ctr">
+              <a:lnSpc>
+                <a:spcPct val="105000"/>
+              </a:lnSpc>
+              <a:spcBef>
+                <a:spcPts val="0"/>
+              </a:spcBef>
+              <a:spcAft>
+                <a:spcPts val="1200"/>
+              </a:spcAft>
+              <a:buNone/>
+            </a:pPr>
+            <a:r>
+              <a:rPr lang="en" sz="800">
+                <a:solidFill>
+                  <a:schemeClr val="lt1"/>
+                </a:solidFill>
+                <a:latin typeface="Lato"/>
+                <a:ea typeface="Lato"/>
+                <a:cs typeface="Lato"/>
+                <a:sym typeface="Lato"/>
+              </a:rPr>
+              <a:t>Upload images to AWS  buckets from PC using R3 Upload Tool </a:t>
+            </a:r>
+            <a:endParaRPr sz="1200">
+              <a:latin typeface="Lato"/>
+              <a:ea typeface="Lato"/>
+              <a:cs typeface="Lato"/>
+              <a:sym typeface="Lato"/>
+            </a:endParaRPr>
+          </a:p>
+        </p:txBody>
+      </p:sp>
+      <p:sp>
+        <p:nvSpPr>
+          <p:cNvPr id="182" name="Google Shape;182;p17"/>
+          <p:cNvSpPr txBox="1"/>
+          <p:nvPr/>
+        </p:nvSpPr>
+        <p:spPr>
+          <a:xfrm>
+            <a:off x="6288200" y="3740988"/>
+            <a:ext cx="1494600" cy="566400"/>
+          </a:xfrm>
+          <a:prstGeom prst="rect">
+            <a:avLst/>
+          </a:prstGeom>
+          <a:noFill/>
+          <a:ln>
+            <a:noFill/>
+          </a:ln>
+        </p:spPr>
+        <p:txBody>
+          <a:bodyPr anchorCtr="0" anchor="t" bIns="91425" lIns="91425" spcFirstLastPara="1" rIns="91425" wrap="square" tIns="91425">
+            <a:spAutoFit/>
+          </a:bodyPr>
+          <a:lstStyle/>
+          <a:p>
+            <a:pPr indent="0" lvl="0" marL="0" rtl="0" algn="ctr">
+              <a:lnSpc>
+                <a:spcPct val="105000"/>
+              </a:lnSpc>
+              <a:spcBef>
+                <a:spcPts val="0"/>
+              </a:spcBef>
+              <a:spcAft>
+                <a:spcPts val="1200"/>
+              </a:spcAft>
+              <a:buNone/>
+            </a:pPr>
+            <a:r>
+              <a:rPr lang="en" sz="800">
+                <a:solidFill>
+                  <a:schemeClr val="lt1"/>
+                </a:solidFill>
+                <a:latin typeface="Lato"/>
+                <a:ea typeface="Lato"/>
+                <a:cs typeface="Lato"/>
+                <a:sym typeface="Lato"/>
+              </a:rPr>
+              <a:t>Creating and populating the tables to be used to run  the Train/Test Machine Model</a:t>
+            </a:r>
+            <a:endParaRPr sz="1200">
+              <a:latin typeface="Lato"/>
+              <a:ea typeface="Lato"/>
+              <a:cs typeface="Lato"/>
+              <a:sym typeface="Lato"/>
+            </a:endParaRPr>
+          </a:p>
+        </p:txBody>
+      </p:sp>
+      <p:cxnSp>
+        <p:nvCxnSpPr>
+          <p:cNvPr id="183" name="Google Shape;183;p17"/>
+          <p:cNvCxnSpPr>
+            <a:stCxn id="172" idx="3"/>
+          </p:cNvCxnSpPr>
+          <p:nvPr/>
+        </p:nvCxnSpPr>
+        <p:spPr>
+          <a:xfrm>
+            <a:off x="2739550" y="3301575"/>
+            <a:ext cx="516900" cy="1800"/>
+          </a:xfrm>
+          <a:prstGeom prst="straightConnector1">
+            <a:avLst/>
+          </a:prstGeom>
+          <a:noFill/>
+          <a:ln cap="flat" cmpd="sng" w="9525">
+            <a:solidFill>
+              <a:srgbClr val="4A86E8"/>
+            </a:solidFill>
+            <a:prstDash val="solid"/>
+            <a:round/>
+            <a:headEnd len="med" w="med" type="none"/>
+            <a:tailEnd len="med" w="med" type="triangle"/>
+          </a:ln>
+        </p:spPr>
+      </p:cxnSp>
+      <p:cxnSp>
+        <p:nvCxnSpPr>
+          <p:cNvPr id="184" name="Google Shape;184;p17"/>
+          <p:cNvCxnSpPr>
+            <a:stCxn id="174" idx="3"/>
+          </p:cNvCxnSpPr>
+          <p:nvPr/>
+        </p:nvCxnSpPr>
+        <p:spPr>
+          <a:xfrm flipH="1" rot="10800000">
+            <a:off x="4386563" y="3288550"/>
+            <a:ext cx="509400" cy="1500"/>
+          </a:xfrm>
+          <a:prstGeom prst="straightConnector1">
+            <a:avLst/>
+          </a:prstGeom>
+          <a:noFill/>
+          <a:ln cap="flat" cmpd="sng" w="9525">
+            <a:solidFill>
+              <a:srgbClr val="4A86E8"/>
+            </a:solidFill>
+            <a:prstDash val="solid"/>
+            <a:round/>
+            <a:headEnd len="med" w="med" type="none"/>
+            <a:tailEnd len="med" w="med" type="triangle"/>
+          </a:ln>
+        </p:spPr>
+      </p:cxnSp>
+      <p:cxnSp>
+        <p:nvCxnSpPr>
+          <p:cNvPr id="185" name="Google Shape;185;p17"/>
+          <p:cNvCxnSpPr>
+            <a:stCxn id="176" idx="3"/>
+          </p:cNvCxnSpPr>
+          <p:nvPr/>
+        </p:nvCxnSpPr>
+        <p:spPr>
+          <a:xfrm flipH="1" rot="10800000">
+            <a:off x="6033575" y="3303575"/>
+            <a:ext cx="530400" cy="1500"/>
+          </a:xfrm>
+          <a:prstGeom prst="straightConnector1">
+            <a:avLst/>
+          </a:prstGeom>
+          <a:noFill/>
+          <a:ln cap="flat" cmpd="sng" w="9525">
+            <a:solidFill>
+              <a:srgbClr val="4A86E8"/>
+            </a:solidFill>
+            <a:prstDash val="solid"/>
+            <a:round/>
+            <a:headEnd len="med" w="med" type="none"/>
+            <a:tailEnd len="med" w="med" type="triangle"/>
+          </a:ln>
+        </p:spPr>
+      </p:cxnSp>
     </p:spTree>
   </p:cSld>
   <p:clrMapOvr>
@@ -11498,7 +12751,7 @@
   <p:cSld>
     <p:spTree>
       <p:nvGrpSpPr>
-        <p:cNvPr id="172" name="Shape 172"/>
+        <p:cNvPr id="189" name="Shape 189"/>
         <p:cNvGrpSpPr/>
         <p:nvPr/>
       </p:nvGrpSpPr>
@@ -11512,7 +12765,7 @@
       </p:grpSpPr>
       <p:sp>
         <p:nvSpPr>
-          <p:cNvPr id="173" name="Google Shape;173;p18"/>
+          <p:cNvPr id="190" name="Google Shape;190;p18"/>
           <p:cNvSpPr txBox="1"/>
           <p:nvPr>
             <p:ph type="title"/>
@@ -11543,8 +12796,557 @@
               <a:buNone/>
             </a:pPr>
             <a:r>
+              <a:rPr lang="en">
+                <a:latin typeface="Calibri"/>
+                <a:ea typeface="Calibri"/>
+                <a:cs typeface="Calibri"/>
+                <a:sym typeface="Calibri"/>
+              </a:rPr>
+              <a:t>Analysis Phase (Part 1)</a:t>
+            </a:r>
+            <a:endParaRPr>
+              <a:latin typeface="Calibri"/>
+              <a:ea typeface="Calibri"/>
+              <a:cs typeface="Calibri"/>
+              <a:sym typeface="Calibri"/>
+            </a:endParaRPr>
+          </a:p>
+        </p:txBody>
+      </p:sp>
+      <p:sp>
+        <p:nvSpPr>
+          <p:cNvPr id="191" name="Google Shape;191;p18"/>
+          <p:cNvSpPr txBox="1"/>
+          <p:nvPr>
+            <p:ph idx="1" type="body"/>
+          </p:nvPr>
+        </p:nvSpPr>
+        <p:spPr>
+          <a:xfrm>
+            <a:off x="1297500" y="1116150"/>
+            <a:ext cx="7038900" cy="2911200"/>
+          </a:xfrm>
+          <a:prstGeom prst="rect">
+            <a:avLst/>
+          </a:prstGeom>
+        </p:spPr>
+        <p:txBody>
+          <a:bodyPr anchorCtr="0" anchor="t" bIns="91425" lIns="91425" spcFirstLastPara="1" rIns="91425" wrap="square" tIns="91425">
+            <a:noAutofit/>
+          </a:bodyPr>
+          <a:lstStyle/>
+          <a:p>
+            <a:pPr indent="0" lvl="0" marL="0" rtl="0" algn="l">
+              <a:lnSpc>
+                <a:spcPct val="95000"/>
+              </a:lnSpc>
+              <a:spcBef>
+                <a:spcPts val="0"/>
+              </a:spcBef>
+              <a:spcAft>
+                <a:spcPts val="0"/>
+              </a:spcAft>
+              <a:buSzPts val="605"/>
+              <a:buNone/>
+            </a:pPr>
+            <a:r>
+              <a:rPr b="1" lang="en" sz="1115">
+                <a:latin typeface="Calibri"/>
+                <a:ea typeface="Calibri"/>
+                <a:cs typeface="Calibri"/>
+                <a:sym typeface="Calibri"/>
+              </a:rPr>
+              <a:t>Initial Analysis</a:t>
+            </a:r>
+            <a:endParaRPr b="1" sz="1115">
+              <a:latin typeface="Calibri"/>
+              <a:ea typeface="Calibri"/>
+              <a:cs typeface="Calibri"/>
+              <a:sym typeface="Calibri"/>
+            </a:endParaRPr>
+          </a:p>
+          <a:p>
+            <a:pPr indent="-293052" lvl="0" marL="457200" rtl="0" algn="l">
+              <a:lnSpc>
+                <a:spcPct val="95000"/>
+              </a:lnSpc>
+              <a:spcBef>
+                <a:spcPts val="1200"/>
+              </a:spcBef>
+              <a:spcAft>
+                <a:spcPts val="0"/>
+              </a:spcAft>
+              <a:buSzPts val="1015"/>
+              <a:buFont typeface="Calibri"/>
+              <a:buChar char="❖"/>
+            </a:pPr>
+            <a:r>
+              <a:rPr lang="en" sz="1014">
+                <a:latin typeface="Calibri"/>
+                <a:ea typeface="Calibri"/>
+                <a:cs typeface="Calibri"/>
+                <a:sym typeface="Calibri"/>
+              </a:rPr>
+              <a:t>Pandas was used to clean raw data from initial Matlab format</a:t>
+            </a:r>
+            <a:br>
+              <a:rPr lang="en" sz="1014">
+                <a:latin typeface="Calibri"/>
+                <a:ea typeface="Calibri"/>
+                <a:cs typeface="Calibri"/>
+                <a:sym typeface="Calibri"/>
+              </a:rPr>
+            </a:br>
+            <a:endParaRPr sz="1014">
+              <a:latin typeface="Calibri"/>
+              <a:ea typeface="Calibri"/>
+              <a:cs typeface="Calibri"/>
+              <a:sym typeface="Calibri"/>
+            </a:endParaRPr>
+          </a:p>
+          <a:p>
+            <a:pPr indent="-293052" lvl="0" marL="457200" rtl="0" algn="l">
+              <a:lnSpc>
+                <a:spcPct val="95000"/>
+              </a:lnSpc>
+              <a:spcBef>
+                <a:spcPts val="0"/>
+              </a:spcBef>
+              <a:spcAft>
+                <a:spcPts val="0"/>
+              </a:spcAft>
+              <a:buSzPts val="1015"/>
+              <a:buFont typeface="Calibri"/>
+              <a:buChar char="❖"/>
+            </a:pPr>
+            <a:r>
+              <a:rPr lang="en" sz="1014">
+                <a:latin typeface="Calibri"/>
+                <a:ea typeface="Calibri"/>
+                <a:cs typeface="Calibri"/>
+                <a:sym typeface="Calibri"/>
+              </a:rPr>
+              <a:t>Further analysis conducted with Python</a:t>
+            </a:r>
+            <a:endParaRPr sz="1014">
+              <a:latin typeface="Calibri"/>
+              <a:ea typeface="Calibri"/>
+              <a:cs typeface="Calibri"/>
+              <a:sym typeface="Calibri"/>
+            </a:endParaRPr>
+          </a:p>
+          <a:p>
+            <a:pPr indent="0" lvl="0" marL="0" rtl="0" algn="l">
+              <a:lnSpc>
+                <a:spcPct val="95000"/>
+              </a:lnSpc>
+              <a:spcBef>
+                <a:spcPts val="1200"/>
+              </a:spcBef>
+              <a:spcAft>
+                <a:spcPts val="0"/>
+              </a:spcAft>
+              <a:buSzPts val="605"/>
+              <a:buNone/>
+            </a:pPr>
+            <a:r>
+              <a:rPr b="1" lang="en" sz="1115">
+                <a:latin typeface="Calibri"/>
+                <a:ea typeface="Calibri"/>
+                <a:cs typeface="Calibri"/>
+                <a:sym typeface="Calibri"/>
+              </a:rPr>
+              <a:t>PostgreSQL Database: How do we connect our data to the model?</a:t>
+            </a:r>
+            <a:endParaRPr b="1" sz="1115">
+              <a:latin typeface="Calibri"/>
+              <a:ea typeface="Calibri"/>
+              <a:cs typeface="Calibri"/>
+              <a:sym typeface="Calibri"/>
+            </a:endParaRPr>
+          </a:p>
+          <a:p>
+            <a:pPr indent="-293052" lvl="0" marL="457200" rtl="0" algn="l">
+              <a:lnSpc>
+                <a:spcPct val="95000"/>
+              </a:lnSpc>
+              <a:spcBef>
+                <a:spcPts val="1200"/>
+              </a:spcBef>
+              <a:spcAft>
+                <a:spcPts val="0"/>
+              </a:spcAft>
+              <a:buSzPts val="1015"/>
+              <a:buFont typeface="Calibri"/>
+              <a:buChar char="❖"/>
+            </a:pPr>
+            <a:r>
+              <a:rPr lang="en" sz="1014">
+                <a:latin typeface="Calibri"/>
+                <a:ea typeface="Calibri"/>
+                <a:cs typeface="Calibri"/>
+                <a:sym typeface="Calibri"/>
+              </a:rPr>
+              <a:t>Read in database and create dataframe</a:t>
+            </a:r>
+            <a:br>
+              <a:rPr lang="en" sz="1014">
+                <a:latin typeface="Calibri"/>
+                <a:ea typeface="Calibri"/>
+                <a:cs typeface="Calibri"/>
+                <a:sym typeface="Calibri"/>
+              </a:rPr>
+            </a:br>
+            <a:endParaRPr sz="1014">
+              <a:latin typeface="Calibri"/>
+              <a:ea typeface="Calibri"/>
+              <a:cs typeface="Calibri"/>
+              <a:sym typeface="Calibri"/>
+            </a:endParaRPr>
+          </a:p>
+          <a:p>
+            <a:pPr indent="-286067" lvl="1" marL="914400" rtl="0" algn="l">
+              <a:lnSpc>
+                <a:spcPct val="95000"/>
+              </a:lnSpc>
+              <a:spcBef>
+                <a:spcPts val="0"/>
+              </a:spcBef>
+              <a:spcAft>
+                <a:spcPts val="0"/>
+              </a:spcAft>
+              <a:buSzPts val="905"/>
+              <a:buFont typeface="Calibri"/>
+              <a:buChar char="➢"/>
+            </a:pPr>
+            <a:r>
+              <a:rPr lang="en" sz="905">
+                <a:latin typeface="Calibri"/>
+                <a:ea typeface="Calibri"/>
+                <a:cs typeface="Calibri"/>
+                <a:sym typeface="Calibri"/>
+              </a:rPr>
+              <a:t>Query merging images</a:t>
+            </a:r>
+            <a:br>
+              <a:rPr lang="en" sz="905">
+                <a:latin typeface="Calibri"/>
+                <a:ea typeface="Calibri"/>
+                <a:cs typeface="Calibri"/>
+                <a:sym typeface="Calibri"/>
+              </a:rPr>
+            </a:br>
+            <a:endParaRPr sz="905">
+              <a:latin typeface="Calibri"/>
+              <a:ea typeface="Calibri"/>
+              <a:cs typeface="Calibri"/>
+              <a:sym typeface="Calibri"/>
+            </a:endParaRPr>
+          </a:p>
+          <a:p>
+            <a:pPr indent="-286067" lvl="1" marL="914400" rtl="0" algn="l">
+              <a:lnSpc>
+                <a:spcPct val="95000"/>
+              </a:lnSpc>
+              <a:spcBef>
+                <a:spcPts val="0"/>
+              </a:spcBef>
+              <a:spcAft>
+                <a:spcPts val="0"/>
+              </a:spcAft>
+              <a:buSzPts val="905"/>
+              <a:buFont typeface="Calibri"/>
+              <a:buChar char="➢"/>
+            </a:pPr>
+            <a:r>
+              <a:rPr lang="en" sz="905">
+                <a:latin typeface="Calibri"/>
+                <a:ea typeface="Calibri"/>
+                <a:cs typeface="Calibri"/>
+                <a:sym typeface="Calibri"/>
+              </a:rPr>
+              <a:t>Import dataset into model through query merging</a:t>
+            </a:r>
+            <a:br>
+              <a:rPr lang="en" sz="905">
+                <a:latin typeface="Calibri"/>
+                <a:ea typeface="Calibri"/>
+                <a:cs typeface="Calibri"/>
+                <a:sym typeface="Calibri"/>
+              </a:rPr>
+            </a:br>
+            <a:endParaRPr sz="905">
+              <a:latin typeface="Calibri"/>
+              <a:ea typeface="Calibri"/>
+              <a:cs typeface="Calibri"/>
+              <a:sym typeface="Calibri"/>
+            </a:endParaRPr>
+          </a:p>
+          <a:p>
+            <a:pPr indent="-293052" lvl="0" marL="457200" rtl="0" algn="l">
+              <a:lnSpc>
+                <a:spcPct val="95000"/>
+              </a:lnSpc>
+              <a:spcBef>
+                <a:spcPts val="0"/>
+              </a:spcBef>
+              <a:spcAft>
+                <a:spcPts val="0"/>
+              </a:spcAft>
+              <a:buSzPts val="1015"/>
+              <a:buFont typeface="Calibri"/>
+              <a:buChar char="❖"/>
+            </a:pPr>
+            <a:r>
+              <a:rPr lang="en" sz="1014">
+                <a:latin typeface="Calibri"/>
+                <a:ea typeface="Calibri"/>
+                <a:cs typeface="Calibri"/>
+                <a:sym typeface="Calibri"/>
+              </a:rPr>
+              <a:t>Images evaluated to determine what features will be captured</a:t>
+            </a:r>
+            <a:br>
+              <a:rPr lang="en" sz="1014">
+                <a:latin typeface="Calibri"/>
+                <a:ea typeface="Calibri"/>
+                <a:cs typeface="Calibri"/>
+                <a:sym typeface="Calibri"/>
+              </a:rPr>
+            </a:br>
+            <a:endParaRPr sz="1014">
+              <a:latin typeface="Calibri"/>
+              <a:ea typeface="Calibri"/>
+              <a:cs typeface="Calibri"/>
+              <a:sym typeface="Calibri"/>
+            </a:endParaRPr>
+          </a:p>
+          <a:p>
+            <a:pPr indent="-293052" lvl="0" marL="457200" rtl="0" algn="l">
+              <a:lnSpc>
+                <a:spcPct val="95000"/>
+              </a:lnSpc>
+              <a:spcBef>
+                <a:spcPts val="0"/>
+              </a:spcBef>
+              <a:spcAft>
+                <a:spcPts val="0"/>
+              </a:spcAft>
+              <a:buSzPts val="1015"/>
+              <a:buFont typeface="Calibri"/>
+              <a:buChar char="❖"/>
+            </a:pPr>
+            <a:r>
+              <a:rPr lang="en" sz="1014">
+                <a:latin typeface="Calibri"/>
+                <a:ea typeface="Calibri"/>
+                <a:cs typeface="Calibri"/>
+                <a:sym typeface="Calibri"/>
+              </a:rPr>
+              <a:t>Hosted on AWS</a:t>
+            </a:r>
+            <a:endParaRPr sz="1014">
+              <a:latin typeface="Calibri"/>
+              <a:ea typeface="Calibri"/>
+              <a:cs typeface="Calibri"/>
+              <a:sym typeface="Calibri"/>
+            </a:endParaRPr>
+          </a:p>
+          <a:p>
+            <a:pPr indent="0" lvl="0" marL="0" rtl="0" algn="l">
+              <a:lnSpc>
+                <a:spcPct val="95000"/>
+              </a:lnSpc>
+              <a:spcBef>
+                <a:spcPts val="1200"/>
+              </a:spcBef>
+              <a:spcAft>
+                <a:spcPts val="0"/>
+              </a:spcAft>
+              <a:buSzPts val="605"/>
+              <a:buNone/>
+            </a:pPr>
+            <a:r>
+              <a:rPr b="1" lang="en" sz="1115">
+                <a:latin typeface="Calibri"/>
+                <a:ea typeface="Calibri"/>
+                <a:cs typeface="Calibri"/>
+                <a:sym typeface="Calibri"/>
+              </a:rPr>
+              <a:t>AWS R3 Storage Buckets</a:t>
+            </a:r>
+            <a:endParaRPr b="1" sz="1115">
+              <a:latin typeface="Calibri"/>
+              <a:ea typeface="Calibri"/>
+              <a:cs typeface="Calibri"/>
+              <a:sym typeface="Calibri"/>
+            </a:endParaRPr>
+          </a:p>
+          <a:p>
+            <a:pPr indent="-293052" lvl="0" marL="457200" rtl="0" algn="l">
+              <a:lnSpc>
+                <a:spcPct val="95000"/>
+              </a:lnSpc>
+              <a:spcBef>
+                <a:spcPts val="1200"/>
+              </a:spcBef>
+              <a:spcAft>
+                <a:spcPts val="0"/>
+              </a:spcAft>
+              <a:buSzPts val="1015"/>
+              <a:buFont typeface="Calibri"/>
+              <a:buChar char="❖"/>
+            </a:pPr>
+            <a:r>
+              <a:rPr lang="en" sz="1014">
+                <a:latin typeface="Calibri"/>
+                <a:ea typeface="Calibri"/>
+                <a:cs typeface="Calibri"/>
+                <a:sym typeface="Calibri"/>
+              </a:rPr>
+              <a:t>Training images</a:t>
+            </a:r>
+            <a:br>
+              <a:rPr lang="en" sz="1014">
+                <a:latin typeface="Calibri"/>
+                <a:ea typeface="Calibri"/>
+                <a:cs typeface="Calibri"/>
+                <a:sym typeface="Calibri"/>
+              </a:rPr>
+            </a:br>
+            <a:endParaRPr sz="1014">
+              <a:latin typeface="Calibri"/>
+              <a:ea typeface="Calibri"/>
+              <a:cs typeface="Calibri"/>
+              <a:sym typeface="Calibri"/>
+            </a:endParaRPr>
+          </a:p>
+          <a:p>
+            <a:pPr indent="-293052" lvl="0" marL="457200" rtl="0" algn="l">
+              <a:lnSpc>
+                <a:spcPct val="95000"/>
+              </a:lnSpc>
+              <a:spcBef>
+                <a:spcPts val="0"/>
+              </a:spcBef>
+              <a:spcAft>
+                <a:spcPts val="0"/>
+              </a:spcAft>
+              <a:buSzPts val="1015"/>
+              <a:buFont typeface="Calibri"/>
+              <a:buChar char="❖"/>
+            </a:pPr>
+            <a:r>
+              <a:rPr lang="en" sz="1014">
+                <a:latin typeface="Calibri"/>
+                <a:ea typeface="Calibri"/>
+                <a:cs typeface="Calibri"/>
+                <a:sym typeface="Calibri"/>
+              </a:rPr>
+              <a:t>Testing images</a:t>
+            </a:r>
+            <a:endParaRPr sz="1014">
+              <a:latin typeface="Calibri"/>
+              <a:ea typeface="Calibri"/>
+              <a:cs typeface="Calibri"/>
+              <a:sym typeface="Calibri"/>
+            </a:endParaRPr>
+          </a:p>
+        </p:txBody>
+      </p:sp>
+      <p:pic>
+        <p:nvPicPr>
+          <p:cNvPr id="192" name="Google Shape;192;p18"/>
+          <p:cNvPicPr preferRelativeResize="0"/>
+          <p:nvPr/>
+        </p:nvPicPr>
+        <p:blipFill rotWithShape="1">
+          <a:blip r:embed="rId3">
+            <a:alphaModFix/>
+          </a:blip>
+          <a:srcRect b="9156" l="0" r="0" t="0"/>
+          <a:stretch/>
+        </p:blipFill>
+        <p:spPr>
+          <a:xfrm>
+            <a:off x="6091575" y="1471876"/>
+            <a:ext cx="2244825" cy="2199750"/>
+          </a:xfrm>
+          <a:prstGeom prst="rect">
+            <a:avLst/>
+          </a:prstGeom>
+          <a:noFill/>
+          <a:ln cap="flat" cmpd="sng" w="19050">
+            <a:solidFill>
+              <a:srgbClr val="4A86E8"/>
+            </a:solidFill>
+            <a:prstDash val="solid"/>
+            <a:round/>
+            <a:headEnd len="sm" w="sm" type="none"/>
+            <a:tailEnd len="sm" w="sm" type="none"/>
+          </a:ln>
+        </p:spPr>
+      </p:pic>
+    </p:spTree>
+  </p:cSld>
+  <p:clrMapOvr>
+    <a:masterClrMapping/>
+  </p:clrMapOvr>
+</p:sld>
+</file>
+
+<file path=ppt/slides/slide7.xml><?xml version="1.0" encoding="utf-8"?>
+<p:sld xmlns:a="http://schemas.openxmlformats.org/drawingml/2006/main" xmlns:r="http://schemas.openxmlformats.org/officeDocument/2006/relationships" xmlns:mc="http://schemas.openxmlformats.org/markup-compatibility/2006" xmlns:mv="urn:schemas-microsoft-com:mac:vml" xmlns:p="http://schemas.openxmlformats.org/presentationml/2006/main" xmlns:c="http://schemas.openxmlformats.org/drawingml/2006/chart" xmlns:dgm="http://schemas.openxmlformats.org/drawingml/2006/diagram" xmlns:o="urn:schemas-microsoft-com:office:office" xmlns:v="urn:schemas-microsoft-com:vml" xmlns:pvml="urn:schemas-microsoft-com:office:powerpoint" xmlns:com="http://schemas.openxmlformats.org/drawingml/2006/compatibility" xmlns:p14="http://schemas.microsoft.com/office/powerpoint/2010/main" xmlns:p15="http://schemas.microsoft.com/office/powerpoint/2012/main" xmlns:ahyp="http://schemas.microsoft.com/office/drawing/2018/hyperlinkcolor">
+  <p:cSld>
+    <p:spTree>
+      <p:nvGrpSpPr>
+        <p:cNvPr id="196" name="Shape 196"/>
+        <p:cNvGrpSpPr/>
+        <p:nvPr/>
+      </p:nvGrpSpPr>
+      <p:grpSpPr>
+        <a:xfrm>
+          <a:off x="0" y="0"/>
+          <a:ext cx="0" cy="0"/>
+          <a:chOff x="0" y="0"/>
+          <a:chExt cx="0" cy="0"/>
+        </a:xfrm>
+      </p:grpSpPr>
+      <p:sp>
+        <p:nvSpPr>
+          <p:cNvPr id="197" name="Google Shape;197;p19"/>
+          <p:cNvSpPr txBox="1"/>
+          <p:nvPr>
+            <p:ph type="title"/>
+          </p:nvPr>
+        </p:nvSpPr>
+        <p:spPr>
+          <a:xfrm>
+            <a:off x="1297500" y="393750"/>
+            <a:ext cx="7038900" cy="914100"/>
+          </a:xfrm>
+          <a:prstGeom prst="rect">
+            <a:avLst/>
+          </a:prstGeom>
+        </p:spPr>
+        <p:txBody>
+          <a:bodyPr anchorCtr="0" anchor="t" bIns="91425" lIns="91425" spcFirstLastPara="1" rIns="91425" wrap="square" tIns="91425">
+            <a:normAutofit/>
+          </a:bodyPr>
+          <a:lstStyle/>
+          <a:p>
+            <a:pPr indent="0" lvl="0" marL="0" rtl="0" algn="l">
+              <a:spcBef>
+                <a:spcPts val="0"/>
+              </a:spcBef>
+              <a:spcAft>
+                <a:spcPts val="0"/>
+              </a:spcAft>
+              <a:buNone/>
+            </a:pPr>
+            <a:r>
               <a:rPr lang="en"/>
-              <a:t>Data Exploration </a:t>
+              <a:t>Analysis Phase P2</a:t>
             </a:r>
             <a:endParaRPr/>
           </a:p>
@@ -11552,7 +13354,572 @@
       </p:sp>
       <p:sp>
         <p:nvSpPr>
-          <p:cNvPr id="174" name="Google Shape;174;p18"/>
+          <p:cNvPr id="198" name="Google Shape;198;p19"/>
+          <p:cNvSpPr txBox="1"/>
+          <p:nvPr>
+            <p:ph idx="1" type="body"/>
+          </p:nvPr>
+        </p:nvSpPr>
+        <p:spPr>
+          <a:xfrm>
+            <a:off x="1297500" y="1567550"/>
+            <a:ext cx="7038900" cy="2911200"/>
+          </a:xfrm>
+          <a:prstGeom prst="rect">
+            <a:avLst/>
+          </a:prstGeom>
+        </p:spPr>
+        <p:txBody>
+          <a:bodyPr anchorCtr="0" anchor="t" bIns="91425" lIns="91425" spcFirstLastPara="1" rIns="91425" wrap="square" tIns="91425">
+            <a:normAutofit fontScale="25000" lnSpcReduction="20000"/>
+          </a:bodyPr>
+          <a:lstStyle/>
+          <a:p>
+            <a:pPr indent="0" lvl="0" marL="0" rtl="0" algn="l">
+              <a:spcBef>
+                <a:spcPts val="0"/>
+              </a:spcBef>
+              <a:spcAft>
+                <a:spcPts val="0"/>
+              </a:spcAft>
+              <a:buNone/>
+            </a:pPr>
+            <a:r>
+              <a:rPr lang="en" sz="1700"/>
+              <a:t>Machine Learning Model</a:t>
+            </a:r>
+            <a:endParaRPr sz="1700"/>
+          </a:p>
+          <a:p>
+            <a:pPr indent="-255587" lvl="0" marL="457200" rtl="0" algn="l">
+              <a:spcBef>
+                <a:spcPts val="1200"/>
+              </a:spcBef>
+              <a:spcAft>
+                <a:spcPts val="0"/>
+              </a:spcAft>
+              <a:buSzPct val="100000"/>
+              <a:buChar char="❖"/>
+            </a:pPr>
+            <a:r>
+              <a:rPr lang="en" sz="1700"/>
+              <a:t>Sequential (model)</a:t>
+            </a:r>
+            <a:endParaRPr sz="1700"/>
+          </a:p>
+          <a:p>
+            <a:pPr indent="-252412" lvl="1" marL="914400" rtl="0" algn="l">
+              <a:spcBef>
+                <a:spcPts val="0"/>
+              </a:spcBef>
+              <a:spcAft>
+                <a:spcPts val="0"/>
+              </a:spcAft>
+              <a:buSzPct val="100000"/>
+              <a:buChar char="➢"/>
+            </a:pPr>
+            <a:r>
+              <a:rPr lang="en" sz="1500"/>
+              <a:t>Hidden layers with </a:t>
+            </a:r>
+            <a:r>
+              <a:rPr lang="en" sz="1500"/>
+              <a:t>activation</a:t>
+            </a:r>
+            <a:r>
+              <a:rPr lang="en" sz="1500"/>
+              <a:t> set to </a:t>
+            </a:r>
+            <a:r>
+              <a:rPr i="1" lang="en" sz="1500"/>
+              <a:t>reLu</a:t>
+            </a:r>
+            <a:endParaRPr i="1" sz="1500"/>
+          </a:p>
+          <a:p>
+            <a:pPr indent="-252412" lvl="1" marL="914400" rtl="0" algn="l">
+              <a:spcBef>
+                <a:spcPts val="0"/>
+              </a:spcBef>
+              <a:spcAft>
+                <a:spcPts val="0"/>
+              </a:spcAft>
+              <a:buSzPct val="100000"/>
+              <a:buChar char="➢"/>
+            </a:pPr>
+            <a:r>
+              <a:rPr lang="en" sz="1500"/>
+              <a:t>Using optimizer </a:t>
+            </a:r>
+            <a:r>
+              <a:rPr i="1" lang="en" sz="1500"/>
+              <a:t>adam </a:t>
+            </a:r>
+            <a:r>
+              <a:rPr lang="en" sz="1500"/>
+              <a:t>and  </a:t>
+            </a:r>
+            <a:r>
+              <a:rPr i="1" lang="en" sz="1500"/>
+              <a:t>accuracy</a:t>
+            </a:r>
+            <a:r>
+              <a:rPr lang="en" sz="1500"/>
+              <a:t> metrics</a:t>
+            </a:r>
+            <a:endParaRPr sz="1500"/>
+          </a:p>
+          <a:p>
+            <a:pPr indent="-255587" lvl="0" marL="457200" rtl="0" algn="l">
+              <a:spcBef>
+                <a:spcPts val="0"/>
+              </a:spcBef>
+              <a:spcAft>
+                <a:spcPts val="0"/>
+              </a:spcAft>
+              <a:buSzPct val="100000"/>
+              <a:buChar char="❖"/>
+            </a:pPr>
+            <a:r>
+              <a:rPr lang="en" sz="1700"/>
+              <a:t>SciKitLearn</a:t>
+            </a:r>
+            <a:endParaRPr sz="1700"/>
+          </a:p>
+          <a:p>
+            <a:pPr indent="-252412" lvl="1" marL="914400" rtl="0" algn="l">
+              <a:spcBef>
+                <a:spcPts val="0"/>
+              </a:spcBef>
+              <a:spcAft>
+                <a:spcPts val="0"/>
+              </a:spcAft>
+              <a:buSzPct val="100000"/>
+              <a:buChar char="➢"/>
+            </a:pPr>
+            <a:r>
+              <a:rPr lang="en" sz="1500"/>
+              <a:t>ML library for creating classifier</a:t>
+            </a:r>
+            <a:endParaRPr sz="1500"/>
+          </a:p>
+          <a:p>
+            <a:pPr indent="-255587" lvl="0" marL="457200" rtl="0" algn="l">
+              <a:spcBef>
+                <a:spcPts val="0"/>
+              </a:spcBef>
+              <a:spcAft>
+                <a:spcPts val="0"/>
+              </a:spcAft>
+              <a:buSzPct val="100000"/>
+              <a:buChar char="❖"/>
+            </a:pPr>
+            <a:r>
+              <a:rPr lang="en" sz="1700"/>
+              <a:t>Neural Networks</a:t>
+            </a:r>
+            <a:endParaRPr sz="1700"/>
+          </a:p>
+          <a:p>
+            <a:pPr indent="-252412" lvl="1" marL="914400" rtl="0" algn="l">
+              <a:spcBef>
+                <a:spcPts val="0"/>
+              </a:spcBef>
+              <a:spcAft>
+                <a:spcPts val="0"/>
+              </a:spcAft>
+              <a:buSzPct val="100000"/>
+              <a:buChar char="➢"/>
+            </a:pPr>
+            <a:r>
+              <a:rPr lang="en" sz="1500"/>
+              <a:t>Popular choice for image processing in machine learnin</a:t>
+            </a:r>
+            <a:r>
+              <a:rPr lang="en" sz="1500"/>
+              <a:t>g</a:t>
+            </a:r>
+            <a:endParaRPr sz="1500"/>
+          </a:p>
+          <a:p>
+            <a:pPr indent="-252412" lvl="1" marL="914400" rtl="0" algn="l">
+              <a:spcBef>
+                <a:spcPts val="0"/>
+              </a:spcBef>
+              <a:spcAft>
+                <a:spcPts val="0"/>
+              </a:spcAft>
+              <a:buSzPct val="100000"/>
+              <a:buChar char="➢"/>
+            </a:pPr>
+            <a:r>
+              <a:rPr lang="en" sz="1500"/>
+              <a:t>Other choices included  a Random Forest Classifier ML model</a:t>
+            </a:r>
+            <a:endParaRPr sz="1500"/>
+          </a:p>
+          <a:p>
+            <a:pPr indent="-255587" lvl="0" marL="457200" rtl="0" algn="l">
+              <a:spcBef>
+                <a:spcPts val="0"/>
+              </a:spcBef>
+              <a:spcAft>
+                <a:spcPts val="0"/>
+              </a:spcAft>
+              <a:buSzPct val="100000"/>
+              <a:buChar char="❖"/>
+            </a:pPr>
+            <a:r>
+              <a:rPr lang="en" sz="1700"/>
+              <a:t>Neural Networks are:</a:t>
+            </a:r>
+            <a:endParaRPr sz="1700"/>
+          </a:p>
+          <a:p>
+            <a:pPr indent="-252412" lvl="1" marL="914400" rtl="0" algn="l">
+              <a:spcBef>
+                <a:spcPts val="0"/>
+              </a:spcBef>
+              <a:spcAft>
+                <a:spcPts val="0"/>
+              </a:spcAft>
+              <a:buSzPct val="100000"/>
+              <a:buChar char="➢"/>
+            </a:pPr>
+            <a:r>
+              <a:rPr lang="en" sz="1500"/>
+              <a:t>more consistent concerning image classification</a:t>
+            </a:r>
+            <a:endParaRPr sz="1500"/>
+          </a:p>
+          <a:p>
+            <a:pPr indent="-252412" lvl="1" marL="914400" rtl="0" algn="l">
+              <a:spcBef>
+                <a:spcPts val="0"/>
+              </a:spcBef>
+              <a:spcAft>
+                <a:spcPts val="0"/>
+              </a:spcAft>
+              <a:buSzPct val="100000"/>
+              <a:buChar char="➢"/>
+            </a:pPr>
+            <a:r>
+              <a:rPr lang="en" sz="1500"/>
+              <a:t>more flexible  for feature processing</a:t>
+            </a:r>
+            <a:endParaRPr sz="1500"/>
+          </a:p>
+          <a:p>
+            <a:pPr indent="-255587" lvl="0" marL="457200" rtl="0" algn="l">
+              <a:spcBef>
+                <a:spcPts val="0"/>
+              </a:spcBef>
+              <a:spcAft>
+                <a:spcPts val="0"/>
+              </a:spcAft>
+              <a:buSzPct val="100000"/>
+              <a:buChar char="❖"/>
+            </a:pPr>
+            <a:r>
+              <a:rPr lang="en" sz="1700"/>
+              <a:t>Tested using cleaned data</a:t>
+            </a:r>
+            <a:endParaRPr sz="1700"/>
+          </a:p>
+          <a:p>
+            <a:pPr indent="0" lvl="0" marL="0" rtl="0" algn="l">
+              <a:spcBef>
+                <a:spcPts val="1200"/>
+              </a:spcBef>
+              <a:spcAft>
+                <a:spcPts val="0"/>
+              </a:spcAft>
+              <a:buNone/>
+            </a:pPr>
+            <a:r>
+              <a:rPr lang="en" sz="1700"/>
+              <a:t>Two major packages/applications  to consider: Tensorflow vs. Pytorch</a:t>
+            </a:r>
+            <a:endParaRPr sz="1700"/>
+          </a:p>
+          <a:p>
+            <a:pPr indent="-255587" lvl="0" marL="457200" rtl="0" algn="l">
+              <a:spcBef>
+                <a:spcPts val="1200"/>
+              </a:spcBef>
+              <a:spcAft>
+                <a:spcPts val="0"/>
+              </a:spcAft>
+              <a:buSzPct val="100000"/>
+              <a:buChar char="❖"/>
+            </a:pPr>
+            <a:r>
+              <a:rPr lang="en" sz="1700"/>
+              <a:t>Both are successful image classifiers</a:t>
+            </a:r>
+            <a:endParaRPr sz="1700"/>
+          </a:p>
+          <a:p>
+            <a:pPr indent="-255587" lvl="0" marL="457200" rtl="0" algn="l">
+              <a:spcBef>
+                <a:spcPts val="0"/>
+              </a:spcBef>
+              <a:spcAft>
+                <a:spcPts val="0"/>
+              </a:spcAft>
+              <a:buSzPct val="100000"/>
+              <a:buChar char="❖"/>
+            </a:pPr>
+            <a:r>
+              <a:rPr lang="en" sz="1700"/>
+              <a:t>Tensorflow </a:t>
+            </a:r>
+            <a:r>
+              <a:rPr lang="en" sz="1700"/>
+              <a:t> was the familiar choice</a:t>
+            </a:r>
+            <a:endParaRPr sz="1700"/>
+          </a:p>
+          <a:p>
+            <a:pPr indent="-255587" lvl="0" marL="457200" rtl="0" algn="l">
+              <a:spcBef>
+                <a:spcPts val="0"/>
+              </a:spcBef>
+              <a:spcAft>
+                <a:spcPts val="0"/>
+              </a:spcAft>
+              <a:buSzPct val="100000"/>
+              <a:buChar char="❖"/>
+            </a:pPr>
+            <a:r>
+              <a:rPr lang="en" sz="1700"/>
+              <a:t>Used to test Neural Networks Model</a:t>
+            </a:r>
+            <a:endParaRPr sz="1700"/>
+          </a:p>
+          <a:p>
+            <a:pPr indent="0" lvl="0" marL="0" rtl="0" algn="l">
+              <a:spcBef>
+                <a:spcPts val="1200"/>
+              </a:spcBef>
+              <a:spcAft>
+                <a:spcPts val="0"/>
+              </a:spcAft>
+              <a:buNone/>
+            </a:pPr>
+            <a:r>
+              <a:rPr lang="en" sz="1700"/>
+              <a:t>Put it into practice</a:t>
+            </a:r>
+            <a:endParaRPr sz="1700"/>
+          </a:p>
+          <a:p>
+            <a:pPr indent="-255587" lvl="0" marL="457200" rtl="0" algn="l">
+              <a:spcBef>
+                <a:spcPts val="1200"/>
+              </a:spcBef>
+              <a:spcAft>
+                <a:spcPts val="0"/>
+              </a:spcAft>
+              <a:buSzPct val="100000"/>
+              <a:buChar char="❖"/>
+            </a:pPr>
+            <a:r>
+              <a:rPr lang="en" sz="1700"/>
+              <a:t>Read database and create dataframe</a:t>
+            </a:r>
+            <a:endParaRPr sz="1700"/>
+          </a:p>
+          <a:p>
+            <a:pPr indent="-255587" lvl="0" marL="457200" rtl="0" algn="l">
+              <a:spcBef>
+                <a:spcPts val="0"/>
+              </a:spcBef>
+              <a:spcAft>
+                <a:spcPts val="0"/>
+              </a:spcAft>
+              <a:buSzPct val="100000"/>
+              <a:buChar char="❖"/>
+            </a:pPr>
+            <a:r>
+              <a:rPr lang="en" sz="1700"/>
+              <a:t>test model</a:t>
+            </a:r>
+            <a:endParaRPr sz="1700"/>
+          </a:p>
+          <a:p>
+            <a:pPr indent="-255587" lvl="0" marL="457200" rtl="0" algn="l">
+              <a:spcBef>
+                <a:spcPts val="0"/>
+              </a:spcBef>
+              <a:spcAft>
+                <a:spcPts val="0"/>
+              </a:spcAft>
+              <a:buSzPct val="100000"/>
+              <a:buChar char="❖"/>
+            </a:pPr>
+            <a:r>
+              <a:rPr lang="en" sz="1700"/>
+              <a:t>update test image clas</a:t>
+            </a:r>
+            <a:r>
+              <a:rPr lang="en" sz="1700"/>
+              <a:t>s</a:t>
+            </a:r>
+            <a:endParaRPr sz="1700"/>
+          </a:p>
+          <a:p>
+            <a:pPr indent="-255587" lvl="0" marL="457200" rtl="0" algn="l">
+              <a:spcBef>
+                <a:spcPts val="0"/>
+              </a:spcBef>
+              <a:spcAft>
+                <a:spcPts val="0"/>
+              </a:spcAft>
+              <a:buSzPct val="100000"/>
+              <a:buChar char="❖"/>
+            </a:pPr>
+            <a:r>
+              <a:rPr lang="en" sz="1700"/>
+              <a:t>evaluate accuracy</a:t>
+            </a:r>
+            <a:endParaRPr sz="1700"/>
+          </a:p>
+          <a:p>
+            <a:pPr indent="0" lvl="0" marL="0" rtl="0" algn="l">
+              <a:spcBef>
+                <a:spcPts val="1200"/>
+              </a:spcBef>
+              <a:spcAft>
+                <a:spcPts val="0"/>
+              </a:spcAft>
+              <a:buNone/>
+            </a:pPr>
+            <a:r>
+              <a:rPr lang="en" sz="1700"/>
+              <a:t>How was data split into testing and training datasets?</a:t>
+            </a:r>
+            <a:endParaRPr sz="1700"/>
+          </a:p>
+          <a:p>
+            <a:pPr indent="-255587" lvl="0" marL="457200" rtl="0" algn="l">
+              <a:spcBef>
+                <a:spcPts val="1200"/>
+              </a:spcBef>
+              <a:spcAft>
+                <a:spcPts val="0"/>
+              </a:spcAft>
+              <a:buSzPct val="100000"/>
+              <a:buChar char="●"/>
+            </a:pPr>
+            <a:r>
+              <a:rPr lang="en" sz="1700"/>
+              <a:t>50/50 split</a:t>
+            </a:r>
+            <a:endParaRPr sz="1700"/>
+          </a:p>
+          <a:p>
+            <a:pPr indent="-249237" lvl="0" marL="457200" rtl="0" algn="l">
+              <a:spcBef>
+                <a:spcPts val="0"/>
+              </a:spcBef>
+              <a:spcAft>
+                <a:spcPts val="0"/>
+              </a:spcAft>
+              <a:buSzPct val="100000"/>
+              <a:buChar char="●"/>
+            </a:pPr>
+            <a:r>
+              <a:rPr lang="en"/>
+              <a:t>Adjusted as needed for the addition of future models</a:t>
+            </a:r>
+            <a:endParaRPr/>
+          </a:p>
+          <a:p>
+            <a:pPr indent="0" lvl="0" marL="0" rtl="0" algn="l">
+              <a:spcBef>
+                <a:spcPts val="1200"/>
+              </a:spcBef>
+              <a:spcAft>
+                <a:spcPts val="1200"/>
+              </a:spcAft>
+              <a:buNone/>
+            </a:pPr>
+            <a:r>
+              <a:t/>
+            </a:r>
+            <a:endParaRPr/>
+          </a:p>
+        </p:txBody>
+      </p:sp>
+    </p:spTree>
+  </p:cSld>
+  <p:clrMapOvr>
+    <a:masterClrMapping/>
+  </p:clrMapOvr>
+</p:sld>
+</file>
+
+<file path=ppt/slides/slide8.xml><?xml version="1.0" encoding="utf-8"?>
+<p:sld xmlns:a="http://schemas.openxmlformats.org/drawingml/2006/main" xmlns:r="http://schemas.openxmlformats.org/officeDocument/2006/relationships" xmlns:mc="http://schemas.openxmlformats.org/markup-compatibility/2006" xmlns:mv="urn:schemas-microsoft-com:mac:vml" xmlns:p="http://schemas.openxmlformats.org/presentationml/2006/main" xmlns:c="http://schemas.openxmlformats.org/drawingml/2006/chart" xmlns:dgm="http://schemas.openxmlformats.org/drawingml/2006/diagram" xmlns:o="urn:schemas-microsoft-com:office:office" xmlns:v="urn:schemas-microsoft-com:vml" xmlns:pvml="urn:schemas-microsoft-com:office:powerpoint" xmlns:com="http://schemas.openxmlformats.org/drawingml/2006/compatibility" xmlns:p14="http://schemas.microsoft.com/office/powerpoint/2010/main" xmlns:p15="http://schemas.microsoft.com/office/powerpoint/2012/main" xmlns:ahyp="http://schemas.microsoft.com/office/drawing/2018/hyperlinkcolor">
+  <p:cSld>
+    <p:spTree>
+      <p:nvGrpSpPr>
+        <p:cNvPr id="202" name="Shape 202"/>
+        <p:cNvGrpSpPr/>
+        <p:nvPr/>
+      </p:nvGrpSpPr>
+      <p:grpSpPr>
+        <a:xfrm>
+          <a:off x="0" y="0"/>
+          <a:ext cx="0" cy="0"/>
+          <a:chOff x="0" y="0"/>
+          <a:chExt cx="0" cy="0"/>
+        </a:xfrm>
+      </p:grpSpPr>
+      <p:sp>
+        <p:nvSpPr>
+          <p:cNvPr id="203" name="Google Shape;203;p20"/>
+          <p:cNvSpPr txBox="1"/>
+          <p:nvPr>
+            <p:ph type="title"/>
+          </p:nvPr>
+        </p:nvSpPr>
+        <p:spPr>
+          <a:xfrm>
+            <a:off x="1297500" y="393750"/>
+            <a:ext cx="7038900" cy="914100"/>
+          </a:xfrm>
+          <a:prstGeom prst="rect">
+            <a:avLst/>
+          </a:prstGeom>
+        </p:spPr>
+        <p:txBody>
+          <a:bodyPr anchorCtr="0" anchor="t" bIns="91425" lIns="91425" spcFirstLastPara="1" rIns="91425" wrap="square" tIns="91425">
+            <a:normAutofit/>
+          </a:bodyPr>
+          <a:lstStyle/>
+          <a:p>
+            <a:pPr indent="0" lvl="0" marL="0" rtl="0" algn="l">
+              <a:spcBef>
+                <a:spcPts val="0"/>
+              </a:spcBef>
+              <a:spcAft>
+                <a:spcPts val="0"/>
+              </a:spcAft>
+              <a:buNone/>
+            </a:pPr>
+            <a:r>
+              <a:rPr lang="en"/>
+              <a:t>Front End</a:t>
+            </a:r>
+            <a:endParaRPr/>
+          </a:p>
+        </p:txBody>
+      </p:sp>
+      <p:sp>
+        <p:nvSpPr>
+          <p:cNvPr id="204" name="Google Shape;204;p20"/>
           <p:cNvSpPr txBox="1"/>
           <p:nvPr>
             <p:ph idx="1" type="body"/>
@@ -11578,73 +13945,135 @@
                 <a:spcPts val="0"/>
               </a:spcBef>
               <a:spcAft>
+                <a:spcPts val="0"/>
+              </a:spcAft>
+              <a:buNone/>
+            </a:pPr>
+            <a:r>
+              <a:rPr lang="en"/>
+              <a:t>Flask Application</a:t>
+            </a:r>
+            <a:endParaRPr/>
+          </a:p>
+          <a:p>
+            <a:pPr indent="-311150" lvl="0" marL="457200" rtl="0" algn="l">
+              <a:spcBef>
                 <a:spcPts val="1200"/>
-              </a:spcAft>
-              <a:buNone/>
+              </a:spcBef>
+              <a:spcAft>
+                <a:spcPts val="0"/>
+              </a:spcAft>
+              <a:buSzPts val="1300"/>
+              <a:buChar char="●"/>
             </a:pPr>
             <a:r>
-              <a:t/>
+              <a:rPr lang="en"/>
+              <a:t>-created using pickle file of model</a:t>
+            </a:r>
+            <a:endParaRPr/>
+          </a:p>
+          <a:p>
+            <a:pPr indent="-311150" lvl="0" marL="457200" rtl="0" algn="l">
+              <a:spcBef>
+                <a:spcPts val="0"/>
+              </a:spcBef>
+              <a:spcAft>
+                <a:spcPts val="0"/>
+              </a:spcAft>
+              <a:buSzPts val="1300"/>
+              <a:buChar char="●"/>
+            </a:pPr>
+            <a:r>
+              <a:rPr lang="en"/>
+              <a:t>-final deployed application will take an uploaded image and return:  vehicle/ not vehicle</a:t>
+            </a:r>
+            <a:endParaRPr/>
+          </a:p>
+          <a:p>
+            <a:pPr indent="0" lvl="0" marL="0" rtl="0" algn="l">
+              <a:spcBef>
+                <a:spcPts val="1200"/>
+              </a:spcBef>
+              <a:spcAft>
+                <a:spcPts val="0"/>
+              </a:spcAft>
+              <a:buNone/>
+            </a:pPr>
+            <a:r>
+              <a:rPr lang="en"/>
+              <a:t>D3.js</a:t>
+            </a:r>
+            <a:endParaRPr/>
+          </a:p>
+          <a:p>
+            <a:pPr indent="-311150" lvl="0" marL="457200" rtl="0" algn="l">
+              <a:spcBef>
+                <a:spcPts val="1200"/>
+              </a:spcBef>
+              <a:spcAft>
+                <a:spcPts val="0"/>
+              </a:spcAft>
+              <a:buSzPts val="1300"/>
+              <a:buChar char="●"/>
+            </a:pPr>
+            <a:r>
+              <a:rPr lang="en"/>
+              <a:t>Fully functioning, interactive dashboard</a:t>
+            </a:r>
+            <a:endParaRPr/>
+          </a:p>
+          <a:p>
+            <a:pPr indent="0" lvl="0" marL="0" rtl="0" algn="l">
+              <a:spcBef>
+                <a:spcPts val="1200"/>
+              </a:spcBef>
+              <a:spcAft>
+                <a:spcPts val="0"/>
+              </a:spcAft>
+              <a:buNone/>
+            </a:pPr>
+            <a:r>
+              <a:rPr lang="en"/>
+              <a:t>Tableau</a:t>
+            </a:r>
+            <a:endParaRPr/>
+          </a:p>
+          <a:p>
+            <a:pPr indent="-311150" lvl="0" marL="457200" rtl="0" algn="l">
+              <a:spcBef>
+                <a:spcPts val="1200"/>
+              </a:spcBef>
+              <a:spcAft>
+                <a:spcPts val="0"/>
+              </a:spcAft>
+              <a:buSzPts val="1300"/>
+              <a:buChar char="●"/>
+            </a:pPr>
+            <a:r>
+              <a:rPr lang="en"/>
+              <a:t>Final deliverable</a:t>
+            </a:r>
+            <a:endParaRPr/>
+          </a:p>
+          <a:p>
+            <a:pPr indent="-311150" lvl="0" marL="457200" rtl="0" algn="l">
+              <a:spcBef>
+                <a:spcPts val="0"/>
+              </a:spcBef>
+              <a:spcAft>
+                <a:spcPts val="0"/>
+              </a:spcAft>
+              <a:buSzPts val="1300"/>
+              <a:buChar char="●"/>
+            </a:pPr>
+            <a:r>
+              <a:rPr lang="en"/>
+              <a:t>Application hosted on Amazon Web Services</a:t>
             </a:r>
             <a:endParaRPr/>
           </a:p>
         </p:txBody>
       </p:sp>
-      <p:pic>
-        <p:nvPicPr>
-          <p:cNvPr id="175" name="Google Shape;175;p18"/>
-          <p:cNvPicPr preferRelativeResize="0"/>
-          <p:nvPr/>
-        </p:nvPicPr>
-        <p:blipFill>
-          <a:blip r:embed="rId3">
-            <a:alphaModFix/>
-          </a:blip>
-          <a:stretch>
-            <a:fillRect/>
-          </a:stretch>
-        </p:blipFill>
-        <p:spPr>
-          <a:xfrm>
-            <a:off x="543079" y="1329812"/>
-            <a:ext cx="3452950" cy="3386675"/>
-          </a:xfrm>
-          <a:prstGeom prst="rect">
-            <a:avLst/>
-          </a:prstGeom>
-          <a:noFill/>
-          <a:ln>
-            <a:noFill/>
-          </a:ln>
-        </p:spPr>
-      </p:pic>
-      <p:pic>
-        <p:nvPicPr>
-          <p:cNvPr id="176" name="Google Shape;176;p18"/>
-          <p:cNvPicPr preferRelativeResize="0"/>
-          <p:nvPr/>
-        </p:nvPicPr>
-        <p:blipFill>
-          <a:blip r:embed="rId4">
-            <a:alphaModFix/>
-          </a:blip>
-          <a:stretch>
-            <a:fillRect/>
-          </a:stretch>
-        </p:blipFill>
-        <p:spPr>
-          <a:xfrm>
-            <a:off x="5242279" y="1187629"/>
-            <a:ext cx="3513875" cy="2247375"/>
-          </a:xfrm>
-          <a:prstGeom prst="rect">
-            <a:avLst/>
-          </a:prstGeom>
-          <a:noFill/>
-          <a:ln>
-            <a:noFill/>
-          </a:ln>
-        </p:spPr>
-      </p:pic>
     </p:spTree>
   </p:cSld>
   <p:clrMapOvr>
@@ -11653,12 +14082,12 @@
 </p:sld>
 </file>
 
-<file path=ppt/slides/slide7.xml><?xml version="1.0" encoding="utf-8"?>
+<file path=ppt/slides/slide9.xml><?xml version="1.0" encoding="utf-8"?>
 <p:sld xmlns:a="http://schemas.openxmlformats.org/drawingml/2006/main" xmlns:r="http://schemas.openxmlformats.org/officeDocument/2006/relationships" xmlns:mc="http://schemas.openxmlformats.org/markup-compatibility/2006" xmlns:mv="urn:schemas-microsoft-com:mac:vml" xmlns:p="http://schemas.openxmlformats.org/presentationml/2006/main" xmlns:c="http://schemas.openxmlformats.org/drawingml/2006/chart" xmlns:dgm="http://schemas.openxmlformats.org/drawingml/2006/diagram" xmlns:o="urn:schemas-microsoft-com:office:office" xmlns:v="urn:schemas-microsoft-com:vml" xmlns:pvml="urn:schemas-microsoft-com:office:powerpoint" xmlns:com="http://schemas.openxmlformats.org/drawingml/2006/compatibility" xmlns:p14="http://schemas.microsoft.com/office/powerpoint/2010/main" xmlns:p15="http://schemas.microsoft.com/office/powerpoint/2012/main" xmlns:ahyp="http://schemas.microsoft.com/office/drawing/2018/hyperlinkcolor">
   <p:cSld>
     <p:spTree>
       <p:nvGrpSpPr>
-        <p:cNvPr id="180" name="Shape 180"/>
+        <p:cNvPr id="208" name="Shape 208"/>
         <p:cNvGrpSpPr/>
         <p:nvPr/>
       </p:nvGrpSpPr>
@@ -11672,7 +14101,7 @@
       </p:grpSpPr>
       <p:sp>
         <p:nvSpPr>
-          <p:cNvPr id="181" name="Google Shape;181;p19"/>
+          <p:cNvPr id="209" name="Google Shape;209;p21"/>
           <p:cNvSpPr txBox="1"/>
           <p:nvPr>
             <p:ph type="title"/>
@@ -11703,8 +14132,7 @@
               <a:buNone/>
             </a:pPr>
             <a:r>
-              <a:rPr lang="en"/>
-              <a:t>Analysis Phase P1</a:t>
+              <a:t/>
             </a:r>
             <a:endParaRPr/>
           </a:p>
@@ -11712,7 +14140,7 @@
       </p:sp>
       <p:sp>
         <p:nvSpPr>
-          <p:cNvPr id="182" name="Google Shape;182;p19"/>
+          <p:cNvPr id="210" name="Google Shape;210;p21"/>
           <p:cNvSpPr txBox="1"/>
           <p:nvPr>
             <p:ph idx="1" type="body"/>
@@ -11738,417 +14166,73 @@
                 <a:spcPts val="0"/>
               </a:spcBef>
               <a:spcAft>
-                <a:spcPts val="0"/>
+                <a:spcPts val="1200"/>
               </a:spcAft>
               <a:buNone/>
             </a:pPr>
             <a:r>
-              <a:rPr lang="en"/>
-              <a:t>Data gathering/cleaning</a:t>
-            </a:r>
-            <a:endParaRPr/>
-          </a:p>
-          <a:p>
-            <a:pPr indent="0" lvl="0" marL="0" rtl="0" algn="l">
-              <a:spcBef>
-                <a:spcPts val="1200"/>
-              </a:spcBef>
-              <a:spcAft>
-                <a:spcPts val="0"/>
-              </a:spcAft>
-              <a:buNone/>
-            </a:pPr>
-            <a:r>
               <a:t/>
-            </a:r>
-            <a:endParaRPr/>
-          </a:p>
-          <a:p>
-            <a:pPr indent="0" lvl="0" marL="0" rtl="0" algn="l">
-              <a:spcBef>
-                <a:spcPts val="1200"/>
-              </a:spcBef>
-              <a:spcAft>
-                <a:spcPts val="0"/>
-              </a:spcAft>
-              <a:buNone/>
-            </a:pPr>
-            <a:r>
-              <a:rPr lang="en"/>
-              <a:t>Raw data to Pandas dataframe, uploaded to database</a:t>
-            </a:r>
-            <a:endParaRPr/>
-          </a:p>
-          <a:p>
-            <a:pPr indent="0" lvl="0" marL="0" rtl="0" algn="l">
-              <a:spcBef>
-                <a:spcPts val="1200"/>
-              </a:spcBef>
-              <a:spcAft>
-                <a:spcPts val="1200"/>
-              </a:spcAft>
-              <a:buNone/>
-            </a:pPr>
-            <a:r>
-              <a:rPr lang="en"/>
-              <a:t>Use df and/or db for modeling</a:t>
             </a:r>
             <a:endParaRPr/>
           </a:p>
         </p:txBody>
       </p:sp>
-    </p:spTree>
-  </p:cSld>
-  <p:clrMapOvr>
-    <a:masterClrMapping/>
-  </p:clrMapOvr>
-</p:sld>
-</file>
-
-<file path=ppt/slides/slide8.xml><?xml version="1.0" encoding="utf-8"?>
-<p:sld xmlns:a="http://schemas.openxmlformats.org/drawingml/2006/main" xmlns:r="http://schemas.openxmlformats.org/officeDocument/2006/relationships" xmlns:mc="http://schemas.openxmlformats.org/markup-compatibility/2006" xmlns:mv="urn:schemas-microsoft-com:mac:vml" xmlns:p="http://schemas.openxmlformats.org/presentationml/2006/main" xmlns:c="http://schemas.openxmlformats.org/drawingml/2006/chart" xmlns:dgm="http://schemas.openxmlformats.org/drawingml/2006/diagram" xmlns:o="urn:schemas-microsoft-com:office:office" xmlns:v="urn:schemas-microsoft-com:vml" xmlns:pvml="urn:schemas-microsoft-com:office:powerpoint" xmlns:com="http://schemas.openxmlformats.org/drawingml/2006/compatibility" xmlns:p14="http://schemas.microsoft.com/office/powerpoint/2010/main" xmlns:p15="http://schemas.microsoft.com/office/powerpoint/2012/main" xmlns:ahyp="http://schemas.microsoft.com/office/drawing/2018/hyperlinkcolor">
-  <p:cSld>
-    <p:spTree>
-      <p:nvGrpSpPr>
-        <p:cNvPr id="186" name="Shape 186"/>
-        <p:cNvGrpSpPr/>
-        <p:nvPr/>
-      </p:nvGrpSpPr>
-      <p:grpSpPr>
-        <a:xfrm>
-          <a:off x="0" y="0"/>
-          <a:ext cx="0" cy="0"/>
-          <a:chOff x="0" y="0"/>
-          <a:chExt cx="0" cy="0"/>
-        </a:xfrm>
-      </p:grpSpPr>
-      <p:sp>
-        <p:nvSpPr>
-          <p:cNvPr id="187" name="Google Shape;187;p20"/>
-          <p:cNvSpPr txBox="1"/>
-          <p:nvPr>
-            <p:ph type="title"/>
-          </p:nvPr>
-        </p:nvSpPr>
+      <p:pic>
+        <p:nvPicPr>
+          <p:cNvPr id="211" name="Google Shape;211;p21"/>
+          <p:cNvPicPr preferRelativeResize="0"/>
+          <p:nvPr/>
+        </p:nvPicPr>
+        <p:blipFill>
+          <a:blip r:embed="rId3">
+            <a:alphaModFix/>
+          </a:blip>
+          <a:stretch>
+            <a:fillRect/>
+          </a:stretch>
+        </p:blipFill>
         <p:spPr>
           <a:xfrm>
-            <a:off x="1297500" y="393750"/>
-            <a:ext cx="7038900" cy="914100"/>
+            <a:off x="585154" y="1092062"/>
+            <a:ext cx="3452950" cy="3386675"/>
           </a:xfrm>
           <a:prstGeom prst="rect">
             <a:avLst/>
           </a:prstGeom>
+          <a:noFill/>
+          <a:ln>
+            <a:noFill/>
+          </a:ln>
         </p:spPr>
-        <p:txBody>
-          <a:bodyPr anchorCtr="0" anchor="t" bIns="91425" lIns="91425" spcFirstLastPara="1" rIns="91425" wrap="square" tIns="91425">
-            <a:normAutofit/>
-          </a:bodyPr>
-          <a:lstStyle/>
-          <a:p>
-            <a:pPr indent="0" lvl="0" marL="0" rtl="0" algn="l">
-              <a:spcBef>
-                <a:spcPts val="0"/>
-              </a:spcBef>
-              <a:spcAft>
-                <a:spcPts val="0"/>
-              </a:spcAft>
-              <a:buNone/>
-            </a:pPr>
-            <a:r>
-              <a:rPr lang="en"/>
-              <a:t>Analysis Phase P2</a:t>
-            </a:r>
-            <a:endParaRPr/>
-          </a:p>
-        </p:txBody>
-      </p:sp>
-      <p:sp>
-        <p:nvSpPr>
-          <p:cNvPr id="188" name="Google Shape;188;p20"/>
-          <p:cNvSpPr txBox="1"/>
-          <p:nvPr>
-            <p:ph idx="1" type="body"/>
-          </p:nvPr>
-        </p:nvSpPr>
+      </p:pic>
+      <p:pic>
+        <p:nvPicPr>
+          <p:cNvPr id="212" name="Google Shape;212;p21"/>
+          <p:cNvPicPr preferRelativeResize="0"/>
+          <p:nvPr/>
+        </p:nvPicPr>
+        <p:blipFill>
+          <a:blip r:embed="rId4">
+            <a:alphaModFix/>
+          </a:blip>
+          <a:stretch>
+            <a:fillRect/>
+          </a:stretch>
+        </p:blipFill>
         <p:spPr>
           <a:xfrm>
-            <a:off x="1297500" y="1567550"/>
-            <a:ext cx="7038900" cy="2911200"/>
+            <a:off x="4631804" y="1307841"/>
+            <a:ext cx="3513875" cy="2247375"/>
           </a:xfrm>
           <a:prstGeom prst="rect">
             <a:avLst/>
           </a:prstGeom>
+          <a:noFill/>
+          <a:ln>
+            <a:noFill/>
+          </a:ln>
         </p:spPr>
-        <p:txBody>
-          <a:bodyPr anchorCtr="0" anchor="t" bIns="91425" lIns="91425" spcFirstLastPara="1" rIns="91425" wrap="square" tIns="91425">
-            <a:normAutofit/>
-          </a:bodyPr>
-          <a:lstStyle/>
-          <a:p>
-            <a:pPr indent="0" lvl="0" marL="0" rtl="0" algn="l">
-              <a:spcBef>
-                <a:spcPts val="0"/>
-              </a:spcBef>
-              <a:spcAft>
-                <a:spcPts val="0"/>
-              </a:spcAft>
-              <a:buNone/>
-            </a:pPr>
-            <a:r>
-              <a:rPr lang="en"/>
-              <a:t>Model: testing using cleaned data</a:t>
-            </a:r>
-            <a:endParaRPr/>
-          </a:p>
-          <a:p>
-            <a:pPr indent="0" lvl="0" marL="0" rtl="0" algn="l">
-              <a:spcBef>
-                <a:spcPts val="1200"/>
-              </a:spcBef>
-              <a:spcAft>
-                <a:spcPts val="0"/>
-              </a:spcAft>
-              <a:buNone/>
-            </a:pPr>
-            <a:r>
-              <a:rPr lang="en"/>
-              <a:t>	-read database and create dataframe</a:t>
-            </a:r>
-            <a:endParaRPr/>
-          </a:p>
-          <a:p>
-            <a:pPr indent="0" lvl="0" marL="0" rtl="0" algn="l">
-              <a:spcBef>
-                <a:spcPts val="1200"/>
-              </a:spcBef>
-              <a:spcAft>
-                <a:spcPts val="0"/>
-              </a:spcAft>
-              <a:buNone/>
-            </a:pPr>
-            <a:r>
-              <a:rPr lang="en"/>
-              <a:t>	-test model</a:t>
-            </a:r>
-            <a:endParaRPr/>
-          </a:p>
-          <a:p>
-            <a:pPr indent="0" lvl="0" marL="0" rtl="0" algn="l">
-              <a:spcBef>
-                <a:spcPts val="1200"/>
-              </a:spcBef>
-              <a:spcAft>
-                <a:spcPts val="0"/>
-              </a:spcAft>
-              <a:buNone/>
-            </a:pPr>
-            <a:r>
-              <a:rPr lang="en"/>
-              <a:t>	-update test image class</a:t>
-            </a:r>
-            <a:endParaRPr/>
-          </a:p>
-          <a:p>
-            <a:pPr indent="0" lvl="0" marL="0" rtl="0" algn="l">
-              <a:spcBef>
-                <a:spcPts val="1200"/>
-              </a:spcBef>
-              <a:spcAft>
-                <a:spcPts val="0"/>
-              </a:spcAft>
-              <a:buNone/>
-            </a:pPr>
-            <a:r>
-              <a:rPr lang="en"/>
-              <a:t>	-evaluate accuracy</a:t>
-            </a:r>
-            <a:endParaRPr/>
-          </a:p>
-          <a:p>
-            <a:pPr indent="0" lvl="0" marL="0" rtl="0" algn="l">
-              <a:spcBef>
-                <a:spcPts val="1200"/>
-              </a:spcBef>
-              <a:spcAft>
-                <a:spcPts val="0"/>
-              </a:spcAft>
-              <a:buNone/>
-            </a:pPr>
-            <a:r>
-              <a:rPr lang="en"/>
-              <a:t>How was data split into testing and training datasets?</a:t>
-            </a:r>
-            <a:endParaRPr/>
-          </a:p>
-          <a:p>
-            <a:pPr indent="0" lvl="0" marL="0" rtl="0" algn="l">
-              <a:spcBef>
-                <a:spcPts val="1200"/>
-              </a:spcBef>
-              <a:spcAft>
-                <a:spcPts val="1200"/>
-              </a:spcAft>
-              <a:buNone/>
-            </a:pPr>
-            <a:r>
-              <a:t/>
-            </a:r>
-            <a:endParaRPr/>
-          </a:p>
-        </p:txBody>
-      </p:sp>
-    </p:spTree>
-  </p:cSld>
-  <p:clrMapOvr>
-    <a:masterClrMapping/>
-  </p:clrMapOvr>
-</p:sld>
-</file>
-
-<file path=ppt/slides/slide9.xml><?xml version="1.0" encoding="utf-8"?>
-<p:sld xmlns:a="http://schemas.openxmlformats.org/drawingml/2006/main" xmlns:r="http://schemas.openxmlformats.org/officeDocument/2006/relationships" xmlns:mc="http://schemas.openxmlformats.org/markup-compatibility/2006" xmlns:mv="urn:schemas-microsoft-com:mac:vml" xmlns:p="http://schemas.openxmlformats.org/presentationml/2006/main" xmlns:c="http://schemas.openxmlformats.org/drawingml/2006/chart" xmlns:dgm="http://schemas.openxmlformats.org/drawingml/2006/diagram" xmlns:o="urn:schemas-microsoft-com:office:office" xmlns:v="urn:schemas-microsoft-com:vml" xmlns:pvml="urn:schemas-microsoft-com:office:powerpoint" xmlns:com="http://schemas.openxmlformats.org/drawingml/2006/compatibility" xmlns:p14="http://schemas.microsoft.com/office/powerpoint/2010/main" xmlns:p15="http://schemas.microsoft.com/office/powerpoint/2012/main" xmlns:ahyp="http://schemas.microsoft.com/office/drawing/2018/hyperlinkcolor">
-  <p:cSld>
-    <p:spTree>
-      <p:nvGrpSpPr>
-        <p:cNvPr id="192" name="Shape 192"/>
-        <p:cNvGrpSpPr/>
-        <p:nvPr/>
-      </p:nvGrpSpPr>
-      <p:grpSpPr>
-        <a:xfrm>
-          <a:off x="0" y="0"/>
-          <a:ext cx="0" cy="0"/>
-          <a:chOff x="0" y="0"/>
-          <a:chExt cx="0" cy="0"/>
-        </a:xfrm>
-      </p:grpSpPr>
-      <p:sp>
-        <p:nvSpPr>
-          <p:cNvPr id="193" name="Google Shape;193;p21"/>
-          <p:cNvSpPr txBox="1"/>
-          <p:nvPr>
-            <p:ph type="title"/>
-          </p:nvPr>
-        </p:nvSpPr>
-        <p:spPr>
-          <a:xfrm>
-            <a:off x="1297500" y="393750"/>
-            <a:ext cx="7038900" cy="914100"/>
-          </a:xfrm>
-          <a:prstGeom prst="rect">
-            <a:avLst/>
-          </a:prstGeom>
-        </p:spPr>
-        <p:txBody>
-          <a:bodyPr anchorCtr="0" anchor="t" bIns="91425" lIns="91425" spcFirstLastPara="1" rIns="91425" wrap="square" tIns="91425">
-            <a:normAutofit/>
-          </a:bodyPr>
-          <a:lstStyle/>
-          <a:p>
-            <a:pPr indent="0" lvl="0" marL="0" rtl="0" algn="l">
-              <a:spcBef>
-                <a:spcPts val="0"/>
-              </a:spcBef>
-              <a:spcAft>
-                <a:spcPts val="0"/>
-              </a:spcAft>
-              <a:buNone/>
-            </a:pPr>
-            <a:r>
-              <a:rPr lang="en"/>
-              <a:t>Front End</a:t>
-            </a:r>
-            <a:endParaRPr/>
-          </a:p>
-        </p:txBody>
-      </p:sp>
-      <p:sp>
-        <p:nvSpPr>
-          <p:cNvPr id="194" name="Google Shape;194;p21"/>
-          <p:cNvSpPr txBox="1"/>
-          <p:nvPr>
-            <p:ph idx="1" type="body"/>
-          </p:nvPr>
-        </p:nvSpPr>
-        <p:spPr>
-          <a:xfrm>
-            <a:off x="1297500" y="1567550"/>
-            <a:ext cx="7038900" cy="2911200"/>
-          </a:xfrm>
-          <a:prstGeom prst="rect">
-            <a:avLst/>
-          </a:prstGeom>
-        </p:spPr>
-        <p:txBody>
-          <a:bodyPr anchorCtr="0" anchor="t" bIns="91425" lIns="91425" spcFirstLastPara="1" rIns="91425" wrap="square" tIns="91425">
-            <a:normAutofit/>
-          </a:bodyPr>
-          <a:lstStyle/>
-          <a:p>
-            <a:pPr indent="0" lvl="0" marL="0" rtl="0" algn="l">
-              <a:spcBef>
-                <a:spcPts val="0"/>
-              </a:spcBef>
-              <a:spcAft>
-                <a:spcPts val="0"/>
-              </a:spcAft>
-              <a:buNone/>
-            </a:pPr>
-            <a:r>
-              <a:rPr lang="en"/>
-              <a:t>Flask Application</a:t>
-            </a:r>
-            <a:endParaRPr/>
-          </a:p>
-          <a:p>
-            <a:pPr indent="0" lvl="0" marL="0" rtl="0" algn="l">
-              <a:spcBef>
-                <a:spcPts val="1200"/>
-              </a:spcBef>
-              <a:spcAft>
-                <a:spcPts val="0"/>
-              </a:spcAft>
-              <a:buNone/>
-            </a:pPr>
-            <a:r>
-              <a:rPr lang="en"/>
-              <a:t>	-created using pickle file of model</a:t>
-            </a:r>
-            <a:endParaRPr/>
-          </a:p>
-          <a:p>
-            <a:pPr indent="0" lvl="0" marL="0" rtl="0" algn="l">
-              <a:spcBef>
-                <a:spcPts val="1200"/>
-              </a:spcBef>
-              <a:spcAft>
-                <a:spcPts val="0"/>
-              </a:spcAft>
-              <a:buNone/>
-            </a:pPr>
-            <a:r>
-              <a:rPr lang="en"/>
-              <a:t>	-final deployed application will take an uploaded image and return:  vehicle/ not vehicle</a:t>
-            </a:r>
-            <a:endParaRPr/>
-          </a:p>
-          <a:p>
-            <a:pPr indent="0" lvl="0" marL="0" rtl="0" algn="l">
-              <a:spcBef>
-                <a:spcPts val="1200"/>
-              </a:spcBef>
-              <a:spcAft>
-                <a:spcPts val="1200"/>
-              </a:spcAft>
-              <a:buNone/>
-            </a:pPr>
-            <a:r>
-              <a:t/>
-            </a:r>
-            <a:endParaRPr/>
-          </a:p>
-        </p:txBody>
-      </p:sp>
+      </p:pic>
     </p:spTree>
   </p:cSld>
   <p:clrMapOvr>

--- a/Vehicle Identification Draft.pptx
+++ b/Vehicle Identification Draft.pptx
@@ -839,7 +839,7 @@
   <p:cSld>
     <p:spTree>
       <p:nvGrpSpPr>
-        <p:cNvPr id="213" name="Shape 213"/>
+        <p:cNvPr id="214" name="Shape 214"/>
         <p:cNvGrpSpPr/>
         <p:nvPr/>
       </p:nvGrpSpPr>
@@ -853,7 +853,7 @@
       </p:grpSpPr>
       <p:sp>
         <p:nvSpPr>
-          <p:cNvPr id="214" name="Google Shape;214;g111578a744d_1_2:notes"/>
+          <p:cNvPr id="215" name="Google Shape;215;g11289c6f0cc_0_0:notes"/>
           <p:cNvSpPr/>
           <p:nvPr>
             <p:ph idx="2" type="sldImg"/>
@@ -888,7 +888,7 @@
       </p:sp>
       <p:sp>
         <p:nvSpPr>
-          <p:cNvPr id="215" name="Google Shape;215;g111578a744d_1_2:notes"/>
+          <p:cNvPr id="216" name="Google Shape;216;g11289c6f0cc_0_0:notes"/>
           <p:cNvSpPr txBox="1"/>
           <p:nvPr>
             <p:ph idx="1" type="body"/>
@@ -1018,6 +1018,122 @@
               <a:buNone/>
             </a:pPr>
             <a:r>
+              <a:rPr b="1" lang="en" u="sng"/>
+              <a:t>Rubric:</a:t>
+            </a:r>
+            <a:br>
+              <a:rPr lang="en"/>
+            </a:br>
+            <a:br>
+              <a:rPr lang="en"/>
+            </a:br>
+            <a:r>
+              <a:rPr lang="en"/>
+              <a:t>Selected topic</a:t>
+            </a:r>
+            <a:r>
+              <a:rPr lang="en"/>
+              <a:t> </a:t>
+            </a:r>
+            <a:r>
+              <a:rPr lang="en" sz="1200">
+                <a:solidFill>
+                  <a:srgbClr val="E8E7E3"/>
+                </a:solidFill>
+                <a:highlight>
+                  <a:srgbClr val="17181C"/>
+                </a:highlight>
+              </a:rPr>
+              <a:t>✔️</a:t>
+            </a:r>
+            <a:endParaRPr sz="1200">
+              <a:solidFill>
+                <a:srgbClr val="E8E7E3"/>
+              </a:solidFill>
+              <a:highlight>
+                <a:srgbClr val="17181C"/>
+              </a:highlight>
+            </a:endParaRPr>
+          </a:p>
+          <a:p>
+            <a:pPr indent="0" lvl="0" marL="0" rtl="0" algn="l">
+              <a:spcBef>
+                <a:spcPts val="0"/>
+              </a:spcBef>
+              <a:spcAft>
+                <a:spcPts val="0"/>
+              </a:spcAft>
+              <a:buNone/>
+            </a:pPr>
+            <a:r>
+              <a:t/>
+            </a:r>
+            <a:endParaRPr/>
+          </a:p>
+          <a:p>
+            <a:pPr indent="0" lvl="0" marL="0" rtl="0" algn="l">
+              <a:spcBef>
+                <a:spcPts val="0"/>
+              </a:spcBef>
+              <a:spcAft>
+                <a:spcPts val="0"/>
+              </a:spcAft>
+              <a:buNone/>
+            </a:pPr>
+            <a:r>
+              <a:rPr lang="en"/>
+              <a:t>Reason why they selected their topic</a:t>
+            </a:r>
+            <a:r>
+              <a:rPr lang="en"/>
+              <a:t> </a:t>
+            </a:r>
+            <a:r>
+              <a:rPr lang="en" sz="1200">
+                <a:solidFill>
+                  <a:srgbClr val="E8E7E3"/>
+                </a:solidFill>
+                <a:highlight>
+                  <a:srgbClr val="17181C"/>
+                </a:highlight>
+              </a:rPr>
+              <a:t>✔️</a:t>
+            </a:r>
+            <a:endParaRPr/>
+          </a:p>
+          <a:p>
+            <a:pPr indent="0" lvl="0" marL="0" rtl="0" algn="l">
+              <a:spcBef>
+                <a:spcPts val="0"/>
+              </a:spcBef>
+              <a:spcAft>
+                <a:spcPts val="0"/>
+              </a:spcAft>
+              <a:buNone/>
+            </a:pPr>
+            <a:r>
+              <a:t/>
+            </a:r>
+            <a:endParaRPr/>
+          </a:p>
+          <a:p>
+            <a:pPr indent="0" lvl="0" marL="0" rtl="0" algn="l">
+              <a:spcBef>
+                <a:spcPts val="0"/>
+              </a:spcBef>
+              <a:spcAft>
+                <a:spcPts val="0"/>
+              </a:spcAft>
+              <a:buNone/>
+            </a:pPr>
+            <a:r>
+              <a:rPr b="1" lang="en" u="sng"/>
+              <a:t>Images:</a:t>
+            </a:r>
+            <a:br>
+              <a:rPr lang="en"/>
+            </a:br>
+            <a:r>
               <a:rPr lang="en"/>
               <a:t>https://content.fortune.com/wp-content/uploads/2015/10/screen-shot-2015-10-15-at-8-04-48-pm.png?resize=1200,600</a:t>
             </a:r>
@@ -1134,6 +1250,110 @@
               <a:buNone/>
             </a:pPr>
             <a:r>
+              <a:rPr b="1" lang="en" u="sng">
+                <a:solidFill>
+                  <a:schemeClr val="dk1"/>
+                </a:solidFill>
+              </a:rPr>
+              <a:t>Rubric:</a:t>
+            </a:r>
+            <a:br>
+              <a:rPr b="1" lang="en" u="sng">
+                <a:solidFill>
+                  <a:schemeClr val="dk1"/>
+                </a:solidFill>
+              </a:rPr>
+            </a:br>
+            <a:br>
+              <a:rPr lang="en"/>
+            </a:br>
+            <a:r>
+              <a:rPr lang="en">
+                <a:solidFill>
+                  <a:schemeClr val="dk1"/>
+                </a:solidFill>
+              </a:rPr>
+              <a:t>Description of their source of data</a:t>
+            </a:r>
+            <a:r>
+              <a:rPr lang="en">
+                <a:solidFill>
+                  <a:schemeClr val="dk1"/>
+                </a:solidFill>
+              </a:rPr>
+              <a:t> </a:t>
+            </a:r>
+            <a:r>
+              <a:rPr lang="en" sz="1200">
+                <a:solidFill>
+                  <a:srgbClr val="E8E7E3"/>
+                </a:solidFill>
+                <a:highlight>
+                  <a:srgbClr val="17181C"/>
+                </a:highlight>
+              </a:rPr>
+              <a:t>✔️</a:t>
+            </a:r>
+            <a:endParaRPr sz="1200">
+              <a:solidFill>
+                <a:srgbClr val="E8E7E3"/>
+              </a:solidFill>
+              <a:highlight>
+                <a:srgbClr val="17181C"/>
+              </a:highlight>
+            </a:endParaRPr>
+          </a:p>
+          <a:p>
+            <a:pPr indent="0" lvl="0" marL="0" rtl="0" algn="l">
+              <a:spcBef>
+                <a:spcPts val="0"/>
+              </a:spcBef>
+              <a:spcAft>
+                <a:spcPts val="0"/>
+              </a:spcAft>
+              <a:buNone/>
+            </a:pPr>
+            <a:r>
+              <a:t/>
+            </a:r>
+            <a:endParaRPr/>
+          </a:p>
+          <a:p>
+            <a:pPr indent="0" lvl="0" marL="0" rtl="0" algn="l">
+              <a:spcBef>
+                <a:spcPts val="0"/>
+              </a:spcBef>
+              <a:spcAft>
+                <a:spcPts val="0"/>
+              </a:spcAft>
+              <a:buClr>
+                <a:schemeClr val="dk1"/>
+              </a:buClr>
+              <a:buSzPts val="1100"/>
+              <a:buFont typeface="Arial"/>
+              <a:buNone/>
+            </a:pPr>
+            <a:r>
+              <a:rPr b="1" lang="en" u="sng">
+                <a:solidFill>
+                  <a:schemeClr val="dk1"/>
+                </a:solidFill>
+              </a:rPr>
+              <a:t>Images:</a:t>
+            </a:r>
+            <a:endParaRPr/>
+          </a:p>
+          <a:p>
+            <a:pPr indent="0" lvl="0" marL="0" rtl="0" algn="l">
+              <a:spcBef>
+                <a:spcPts val="0"/>
+              </a:spcBef>
+              <a:spcAft>
+                <a:spcPts val="0"/>
+              </a:spcAft>
+              <a:buNone/>
+            </a:pPr>
+            <a:r>
               <a:rPr lang="en" u="sng">
                 <a:solidFill>
                   <a:schemeClr val="hlink"/>
@@ -1167,7 +1387,7 @@
               <a:buNone/>
             </a:pPr>
             <a:r>
-              <a:rPr lang="en" sz="1300" u="sng">
+              <a:rPr lang="en" u="sng">
                 <a:solidFill>
                   <a:srgbClr val="7890CD"/>
                 </a:solidFill>
@@ -1186,7 +1406,7 @@
               <a:t>https://venturebeat.com/2019/10/28/how-ai-is-impacting-the-automotive-world/</a:t>
             </a:r>
             <a:r>
-              <a:rPr lang="en" sz="1300">
+              <a:rPr lang="en">
                 <a:solidFill>
                   <a:schemeClr val="lt1"/>
                 </a:solidFill>
@@ -1197,7 +1417,7 @@
               </a:rPr>
               <a:t>.</a:t>
             </a:r>
-            <a:endParaRPr>
+            <a:endParaRPr sz="900">
               <a:solidFill>
                 <a:schemeClr val="dk1"/>
               </a:solidFill>
@@ -1298,6 +1518,60 @@
               <a:buNone/>
             </a:pPr>
             <a:r>
+              <a:rPr b="1" lang="en" u="sng">
+                <a:solidFill>
+                  <a:schemeClr val="dk1"/>
+                </a:solidFill>
+              </a:rPr>
+              <a:t>Rubric:</a:t>
+            </a:r>
+            <a:br>
+              <a:rPr b="1" lang="en" u="sng">
+                <a:solidFill>
+                  <a:schemeClr val="dk1"/>
+                </a:solidFill>
+              </a:rPr>
+            </a:br>
+            <a:br>
+              <a:rPr lang="en">
+                <a:solidFill>
+                  <a:schemeClr val="dk1"/>
+                </a:solidFill>
+              </a:rPr>
+            </a:br>
+            <a:r>
+              <a:rPr lang="en">
+                <a:solidFill>
+                  <a:schemeClr val="dk1"/>
+                </a:solidFill>
+              </a:rPr>
+              <a:t>Question(s) they hope to answer with the data </a:t>
+            </a:r>
+            <a:r>
+              <a:rPr lang="en" sz="1200">
+                <a:solidFill>
+                  <a:srgbClr val="E8E7E3"/>
+                </a:solidFill>
+                <a:highlight>
+                  <a:srgbClr val="17181C"/>
+                </a:highlight>
+              </a:rPr>
+              <a:t>✔️</a:t>
+            </a:r>
+            <a:br>
+              <a:rPr lang="en"/>
+            </a:br>
+            <a:br>
+              <a:rPr lang="en"/>
+            </a:br>
+            <a:r>
+              <a:rPr b="1" lang="en" u="sng"/>
+              <a:t>Image:</a:t>
+            </a:r>
+            <a:br>
+              <a:rPr lang="en"/>
+            </a:br>
+            <a:r>
               <a:rPr lang="en"/>
               <a:t>https://www.forbes.com/sites/jarretjackson/2020/08/12/as-a-leader-are-you-asking-the-right-questions/?sh=5bba78826e7d</a:t>
             </a:r>
@@ -1332,7 +1606,7 @@
       </p:grpSpPr>
       <p:sp>
         <p:nvSpPr>
-          <p:cNvPr id="164" name="Google Shape;164;g110aab948cd_0_804:notes"/>
+          <p:cNvPr id="164" name="Google Shape;164;g111578a744d_1_2:notes"/>
           <p:cNvSpPr/>
           <p:nvPr>
             <p:ph idx="2" type="sldImg"/>
@@ -1367,7 +1641,7 @@
       </p:sp>
       <p:sp>
         <p:nvSpPr>
-          <p:cNvPr id="165" name="Google Shape;165;g110aab948cd_0_804:notes"/>
+          <p:cNvPr id="165" name="Google Shape;165;g111578a744d_1_2:notes"/>
           <p:cNvSpPr txBox="1"/>
           <p:nvPr>
             <p:ph idx="1" type="body"/>
@@ -1398,7 +1672,75 @@
               <a:buNone/>
             </a:pPr>
             <a:r>
-              <a:t/>
+              <a:rPr b="1" lang="en" u="sng">
+                <a:solidFill>
+                  <a:schemeClr val="dk1"/>
+                </a:solidFill>
+              </a:rPr>
+              <a:t>Rubric:</a:t>
+            </a:r>
+            <a:br>
+              <a:rPr b="1" lang="en" u="sng">
+                <a:solidFill>
+                  <a:schemeClr val="dk1"/>
+                </a:solidFill>
+              </a:rPr>
+            </a:br>
+            <a:br>
+              <a:rPr lang="en">
+                <a:solidFill>
+                  <a:schemeClr val="dk1"/>
+                </a:solidFill>
+              </a:rPr>
+            </a:br>
+            <a:r>
+              <a:rPr lang="en">
+                <a:solidFill>
+                  <a:schemeClr val="dk1"/>
+                </a:solidFill>
+              </a:rPr>
+              <a:t>Question(s) they hope to answer with the data </a:t>
+            </a:r>
+            <a:r>
+              <a:rPr lang="en" sz="1200">
+                <a:solidFill>
+                  <a:srgbClr val="E8E7E3"/>
+                </a:solidFill>
+                <a:highlight>
+                  <a:srgbClr val="17181C"/>
+                </a:highlight>
+              </a:rPr>
+              <a:t>✔️</a:t>
+            </a:r>
+            <a:br>
+              <a:rPr lang="en"/>
+            </a:br>
+            <a:endParaRPr/>
+          </a:p>
+          <a:p>
+            <a:pPr indent="0" lvl="0" marL="0" rtl="0" algn="l">
+              <a:spcBef>
+                <a:spcPts val="0"/>
+              </a:spcBef>
+              <a:spcAft>
+                <a:spcPts val="0"/>
+              </a:spcAft>
+              <a:buNone/>
+            </a:pPr>
+            <a:r>
+              <a:rPr b="1" lang="en" u="sng">
+                <a:solidFill>
+                  <a:schemeClr val="dk1"/>
+                </a:solidFill>
+              </a:rPr>
+              <a:t>Image:</a:t>
+            </a:r>
+            <a:br>
+              <a:rPr lang="en"/>
+            </a:br>
+            <a:r>
+              <a:rPr lang="en"/>
+              <a:t>https://towardsdatascience.com/classifying-car-images-using-features-extracted-from-pre-trained-neural-networks-39692e445a14</a:t>
             </a:r>
             <a:endParaRPr/>
           </a:p>
@@ -1417,7 +1759,7 @@
   <p:cSld>
     <p:spTree>
       <p:nvGrpSpPr>
-        <p:cNvPr id="186" name="Shape 186"/>
+        <p:cNvPr id="170" name="Shape 170"/>
         <p:cNvGrpSpPr/>
         <p:nvPr/>
       </p:nvGrpSpPr>
@@ -1431,7 +1773,7 @@
       </p:grpSpPr>
       <p:sp>
         <p:nvSpPr>
-          <p:cNvPr id="187" name="Google Shape;187;g110aab948cd_0_809:notes"/>
+          <p:cNvPr id="171" name="Google Shape;171;g110aab948cd_0_804:notes"/>
           <p:cNvSpPr/>
           <p:nvPr>
             <p:ph idx="2" type="sldImg"/>
@@ -1466,7 +1808,7 @@
       </p:sp>
       <p:sp>
         <p:nvSpPr>
-          <p:cNvPr id="188" name="Google Shape;188;g110aab948cd_0_809:notes"/>
+          <p:cNvPr id="172" name="Google Shape;172;g110aab948cd_0_804:notes"/>
           <p:cNvSpPr txBox="1"/>
           <p:nvPr>
             <p:ph idx="1" type="body"/>
@@ -1494,12 +1836,61 @@
               <a:spcAft>
                 <a:spcPts val="0"/>
               </a:spcAft>
+              <a:buClr>
+                <a:schemeClr val="dk1"/>
+              </a:buClr>
+              <a:buSzPts val="1100"/>
+              <a:buFont typeface="Arial"/>
               <a:buNone/>
             </a:pPr>
             <a:r>
-              <a:rPr lang="en"/>
-              <a:t>https://www.vectorstock.com/royalty-free-vector/to-do-list-icon-checklist-task-list-vector-19800745</a:t>
-            </a:r>
+              <a:rPr b="1" lang="en" u="sng">
+                <a:solidFill>
+                  <a:schemeClr val="dk1"/>
+                </a:solidFill>
+              </a:rPr>
+              <a:t>Rubric:</a:t>
+            </a:r>
+            <a:br>
+              <a:rPr b="1" lang="en" u="sng">
+                <a:solidFill>
+                  <a:schemeClr val="dk1"/>
+                </a:solidFill>
+              </a:rPr>
+            </a:br>
+            <a:br>
+              <a:rPr lang="en">
+                <a:solidFill>
+                  <a:schemeClr val="dk1"/>
+                </a:solidFill>
+              </a:rPr>
+            </a:br>
+            <a:r>
+              <a:rPr lang="en">
+                <a:solidFill>
+                  <a:schemeClr val="dk1"/>
+                </a:solidFill>
+              </a:rPr>
+              <a:t>Description of the data exploration phase of the project </a:t>
+            </a:r>
+            <a:r>
+              <a:rPr lang="en" sz="1200">
+                <a:solidFill>
+                  <a:srgbClr val="E8E7E3"/>
+                </a:solidFill>
+                <a:highlight>
+                  <a:srgbClr val="17181C"/>
+                </a:highlight>
+              </a:rPr>
+              <a:t>✔️</a:t>
+            </a:r>
+            <a:br>
+              <a:rPr lang="en">
+                <a:solidFill>
+                  <a:schemeClr val="dk1"/>
+                </a:solidFill>
+              </a:rPr>
+            </a:br>
             <a:endParaRPr/>
           </a:p>
         </p:txBody>
@@ -1531,7 +1922,7 @@
       </p:grpSpPr>
       <p:sp>
         <p:nvSpPr>
-          <p:cNvPr id="194" name="Google Shape;194;g110aab948cd_0_815:notes"/>
+          <p:cNvPr id="194" name="Google Shape;194;g110aab948cd_0_809:notes"/>
           <p:cNvSpPr/>
           <p:nvPr>
             <p:ph idx="2" type="sldImg"/>
@@ -1566,7 +1957,7 @@
       </p:sp>
       <p:sp>
         <p:nvSpPr>
-          <p:cNvPr id="195" name="Google Shape;195;g110aab948cd_0_815:notes"/>
+          <p:cNvPr id="195" name="Google Shape;195;g110aab948cd_0_809:notes"/>
           <p:cNvSpPr txBox="1"/>
           <p:nvPr>
             <p:ph idx="1" type="body"/>
@@ -1597,7 +1988,64 @@
               <a:buNone/>
             </a:pPr>
             <a:r>
-              <a:t/>
+              <a:rPr b="1" lang="en" u="sng"/>
+              <a:t>Rubric:</a:t>
+            </a:r>
+            <a:endParaRPr/>
+          </a:p>
+          <a:p>
+            <a:pPr indent="0" lvl="0" marL="0" rtl="0" algn="l">
+              <a:spcBef>
+                <a:spcPts val="0"/>
+              </a:spcBef>
+              <a:spcAft>
+                <a:spcPts val="0"/>
+              </a:spcAft>
+              <a:buNone/>
+            </a:pPr>
+            <a:br>
+              <a:rPr b="1" lang="en" u="sng"/>
+            </a:br>
+            <a:r>
+              <a:rPr lang="en"/>
+              <a:t>Description of the analysis phase of the project </a:t>
+            </a:r>
+            <a:r>
+              <a:rPr lang="en" sz="1200">
+                <a:solidFill>
+                  <a:srgbClr val="E8E7E3"/>
+                </a:solidFill>
+                <a:highlight>
+                  <a:srgbClr val="17181C"/>
+                </a:highlight>
+              </a:rPr>
+              <a:t>✔️</a:t>
+            </a:r>
+            <a:endParaRPr/>
+          </a:p>
+          <a:p>
+            <a:pPr indent="0" lvl="0" marL="0" rtl="0" algn="l">
+              <a:spcBef>
+                <a:spcPts val="0"/>
+              </a:spcBef>
+              <a:spcAft>
+                <a:spcPts val="0"/>
+              </a:spcAft>
+              <a:buNone/>
+            </a:pPr>
+            <a:br>
+              <a:rPr b="1" lang="en" u="sng"/>
+            </a:br>
+            <a:r>
+              <a:rPr b="1" lang="en" u="sng"/>
+              <a:t>Image:</a:t>
+            </a:r>
+            <a:br>
+              <a:rPr lang="en"/>
+            </a:br>
+            <a:r>
+              <a:rPr lang="en"/>
+              <a:t>https://www.vectorstock.com/royalty-free-vector/to-do-list-icon-checklist-task-list-vector-19800745</a:t>
             </a:r>
             <a:endParaRPr/>
           </a:p>
@@ -1616,7 +2064,7 @@
   <p:cSld>
     <p:spTree>
       <p:nvGrpSpPr>
-        <p:cNvPr id="199" name="Shape 199"/>
+        <p:cNvPr id="200" name="Shape 200"/>
         <p:cNvGrpSpPr/>
         <p:nvPr/>
       </p:nvGrpSpPr>
@@ -1630,7 +2078,7 @@
       </p:grpSpPr>
       <p:sp>
         <p:nvSpPr>
-          <p:cNvPr id="200" name="Google Shape;200;g111578a744d_2_0:notes"/>
+          <p:cNvPr id="201" name="Google Shape;201;g110aab948cd_0_815:notes"/>
           <p:cNvSpPr/>
           <p:nvPr>
             <p:ph idx="2" type="sldImg"/>
@@ -1665,7 +2113,7 @@
       </p:sp>
       <p:sp>
         <p:nvSpPr>
-          <p:cNvPr id="201" name="Google Shape;201;g111578a744d_2_0:notes"/>
+          <p:cNvPr id="202" name="Google Shape;202;g110aab948cd_0_815:notes"/>
           <p:cNvSpPr txBox="1"/>
           <p:nvPr>
             <p:ph idx="1" type="body"/>
@@ -1693,10 +2141,67 @@
               <a:spcAft>
                 <a:spcPts val="0"/>
               </a:spcAft>
+              <a:buClr>
+                <a:schemeClr val="dk1"/>
+              </a:buClr>
+              <a:buSzPts val="1100"/>
+              <a:buFont typeface="Arial"/>
               <a:buNone/>
             </a:pPr>
             <a:r>
-              <a:t/>
+              <a:rPr b="1" lang="en" u="sng">
+                <a:solidFill>
+                  <a:schemeClr val="dk1"/>
+                </a:solidFill>
+              </a:rPr>
+              <a:t>Rubric:</a:t>
+            </a:r>
+            <a:endParaRPr>
+              <a:solidFill>
+                <a:schemeClr val="dk1"/>
+              </a:solidFill>
+            </a:endParaRPr>
+          </a:p>
+          <a:p>
+            <a:pPr indent="0" lvl="0" marL="0" rtl="0" algn="l">
+              <a:spcBef>
+                <a:spcPts val="0"/>
+              </a:spcBef>
+              <a:spcAft>
+                <a:spcPts val="0"/>
+              </a:spcAft>
+              <a:buClr>
+                <a:schemeClr val="dk1"/>
+              </a:buClr>
+              <a:buSzPts val="1100"/>
+              <a:buFont typeface="Arial"/>
+              <a:buNone/>
+            </a:pPr>
+            <a:br>
+              <a:rPr b="1" lang="en" u="sng">
+                <a:solidFill>
+                  <a:schemeClr val="dk1"/>
+                </a:solidFill>
+              </a:rPr>
+            </a:br>
+            <a:r>
+              <a:rPr lang="en">
+                <a:solidFill>
+                  <a:schemeClr val="dk1"/>
+                </a:solidFill>
+              </a:rPr>
+              <a:t>Description of the analysis phase of the project </a:t>
+            </a:r>
+            <a:r>
+              <a:rPr lang="en" sz="1200">
+                <a:solidFill>
+                  <a:srgbClr val="E8E7E3"/>
+                </a:solidFill>
+                <a:highlight>
+                  <a:srgbClr val="17181C"/>
+                </a:highlight>
+              </a:rPr>
+              <a:t>✔️</a:t>
             </a:r>
             <a:endParaRPr/>
           </a:p>
@@ -1715,7 +2220,7 @@
   <p:cSld>
     <p:spTree>
       <p:nvGrpSpPr>
-        <p:cNvPr id="205" name="Shape 205"/>
+        <p:cNvPr id="208" name="Shape 208"/>
         <p:cNvGrpSpPr/>
         <p:nvPr/>
       </p:nvGrpSpPr>
@@ -1729,7 +2234,7 @@
       </p:grpSpPr>
       <p:sp>
         <p:nvSpPr>
-          <p:cNvPr id="206" name="Google Shape;206;g1119d9a5c0a_0_0:notes"/>
+          <p:cNvPr id="209" name="Google Shape;209;g111578a744d_2_0:notes"/>
           <p:cNvSpPr/>
           <p:nvPr>
             <p:ph idx="2" type="sldImg"/>
@@ -1764,7 +2269,7 @@
       </p:sp>
       <p:sp>
         <p:nvSpPr>
-          <p:cNvPr id="207" name="Google Shape;207;g1119d9a5c0a_0_0:notes"/>
+          <p:cNvPr id="210" name="Google Shape;210;g111578a744d_2_0:notes"/>
           <p:cNvSpPr txBox="1"/>
           <p:nvPr>
             <p:ph idx="1" type="body"/>
@@ -10279,7 +10784,7 @@
   <p:cSld>
     <p:spTree>
       <p:nvGrpSpPr>
-        <p:cNvPr id="216" name="Shape 216"/>
+        <p:cNvPr id="217" name="Shape 217"/>
         <p:cNvGrpSpPr/>
         <p:nvPr/>
       </p:nvGrpSpPr>
@@ -10293,30 +10798,28 @@
       </p:grpSpPr>
       <p:sp>
         <p:nvSpPr>
-          <p:cNvPr id="217" name="Google Shape;217;p22"/>
+          <p:cNvPr id="218" name="Google Shape;218;p22"/>
           <p:cNvSpPr txBox="1"/>
-          <p:nvPr/>
+          <p:nvPr>
+            <p:ph type="title"/>
+          </p:nvPr>
         </p:nvSpPr>
         <p:spPr>
           <a:xfrm>
-            <a:off x="1928400" y="415975"/>
-            <a:ext cx="5622000" cy="923400"/>
+            <a:off x="1297500" y="393750"/>
+            <a:ext cx="7038900" cy="914100"/>
           </a:xfrm>
           <a:prstGeom prst="rect">
             <a:avLst/>
           </a:prstGeom>
-          <a:noFill/>
-          <a:ln>
-            <a:noFill/>
-          </a:ln>
         </p:spPr>
         <p:txBody>
           <a:bodyPr anchorCtr="0" anchor="t" bIns="91425" lIns="91425" spcFirstLastPara="1" rIns="91425" wrap="square" tIns="91425">
-            <a:spAutoFit/>
+            <a:normAutofit/>
           </a:bodyPr>
           <a:lstStyle/>
           <a:p>
-            <a:pPr indent="0" lvl="0" marL="0" rtl="0" algn="ctr">
+            <a:pPr indent="0" lvl="0" marL="0" rtl="0" algn="l">
               <a:spcBef>
                 <a:spcPts val="0"/>
               </a:spcBef>
@@ -10326,36 +10829,16 @@
               <a:buNone/>
             </a:pPr>
             <a:r>
-              <a:rPr lang="en" sz="2400">
-                <a:solidFill>
-                  <a:schemeClr val="lt1"/>
-                </a:solidFill>
-                <a:latin typeface="Calibri"/>
-                <a:ea typeface="Calibri"/>
-                <a:cs typeface="Calibri"/>
-                <a:sym typeface="Calibri"/>
-              </a:rPr>
-              <a:t>(provisional) Our</a:t>
-            </a:r>
-            <a:r>
-              <a:rPr lang="en" sz="2400">
-                <a:solidFill>
-                  <a:schemeClr val="lt1"/>
-                </a:solidFill>
-                <a:latin typeface="Calibri"/>
-                <a:ea typeface="Calibri"/>
-                <a:cs typeface="Calibri"/>
-                <a:sym typeface="Calibri"/>
-              </a:rPr>
-              <a:t> team hopes to answer - Question Two </a:t>
-            </a:r>
-            <a:endParaRPr sz="2400"/>
+              <a:rPr lang="en"/>
+              <a:t>Tableau Blueprint</a:t>
+            </a:r>
+            <a:endParaRPr/>
           </a:p>
         </p:txBody>
       </p:sp>
       <p:sp>
         <p:nvSpPr>
-          <p:cNvPr id="218" name="Google Shape;218;p22"/>
+          <p:cNvPr id="219" name="Google Shape;219;p22"/>
           <p:cNvSpPr txBox="1"/>
           <p:nvPr>
             <p:ph idx="1" type="body"/>
@@ -10363,8 +10846,8 @@
         </p:nvSpPr>
         <p:spPr>
           <a:xfrm>
-            <a:off x="1010675" y="1284125"/>
-            <a:ext cx="6674700" cy="3315300"/>
+            <a:off x="1297500" y="1567550"/>
+            <a:ext cx="7038900" cy="2911200"/>
           </a:xfrm>
           <a:prstGeom prst="rect">
             <a:avLst/>
@@ -10372,54 +10855,45 @@
         </p:spPr>
         <p:txBody>
           <a:bodyPr anchorCtr="0" anchor="t" bIns="91425" lIns="91425" spcFirstLastPara="1" rIns="91425" wrap="square" tIns="91425">
-            <a:normAutofit fontScale="77500" lnSpcReduction="20000"/>
+            <a:normAutofit fontScale="47500" lnSpcReduction="10000"/>
           </a:bodyPr>
           <a:lstStyle/>
           <a:p>
-            <a:pPr indent="-292576" lvl="0" marL="457200" rtl="0" algn="l">
-              <a:spcBef>
-                <a:spcPts val="0"/>
-              </a:spcBef>
-              <a:spcAft>
-                <a:spcPts val="0"/>
-              </a:spcAft>
-              <a:buSzPct val="65895"/>
-              <a:buChar char="➔"/>
+            <a:pPr indent="-288925" lvl="0" marL="457200" rtl="0" algn="l">
+              <a:spcBef>
+                <a:spcPts val="0"/>
+              </a:spcBef>
+              <a:spcAft>
+                <a:spcPts val="0"/>
+              </a:spcAft>
+              <a:buSzPct val="100000"/>
+              <a:buChar char="●"/>
             </a:pPr>
             <a:r>
-              <a:rPr lang="en" sz="1972"/>
-              <a:t>How do we connect our data to the model</a:t>
-            </a:r>
-            <a:r>
-              <a:rPr lang="en" sz="1972"/>
-              <a:t>?</a:t>
-            </a:r>
-            <a:br>
-              <a:rPr lang="en"/>
-            </a:br>
+              <a:rPr lang="en" sz="2000"/>
+              <a:t>Open with brief overview of process, database, and model</a:t>
+            </a:r>
+            <a:endParaRPr sz="2000"/>
+          </a:p>
+          <a:p>
+            <a:pPr indent="0" lvl="0" marL="457200" rtl="0" algn="l">
+              <a:spcBef>
+                <a:spcPts val="1200"/>
+              </a:spcBef>
+              <a:spcAft>
+                <a:spcPts val="0"/>
+              </a:spcAft>
+              <a:buNone/>
+            </a:pPr>
+            <a:r>
+              <a:t/>
+            </a:r>
             <a:endParaRPr/>
           </a:p>
           <a:p>
-            <a:pPr indent="-310904" lvl="1" marL="914400" rtl="0" algn="l">
-              <a:spcBef>
-                <a:spcPts val="0"/>
-              </a:spcBef>
-              <a:spcAft>
-                <a:spcPts val="0"/>
-              </a:spcAft>
-              <a:buSzPct val="100000"/>
-              <a:buChar char="◆"/>
-            </a:pPr>
-            <a:r>
-              <a:rPr lang="en" sz="1672"/>
-              <a:t>Read in database and create dataframe </a:t>
-            </a:r>
-            <a:endParaRPr sz="1672"/>
-          </a:p>
-          <a:p>
-            <a:pPr indent="-310904" lvl="2" marL="1371600" rtl="0" algn="l">
-              <a:spcBef>
-                <a:spcPts val="0"/>
+            <a:pPr indent="-288925" lvl="0" marL="457200" rtl="0" algn="l">
+              <a:spcBef>
+                <a:spcPts val="1200"/>
               </a:spcBef>
               <a:spcAft>
                 <a:spcPts val="0"/>
@@ -10428,15 +10902,30 @@
               <a:buChar char="●"/>
             </a:pPr>
             <a:r>
-              <a:rPr lang="en" sz="1672"/>
-              <a:t>Query merging images </a:t>
-            </a:r>
-            <a:endParaRPr sz="1672"/>
+              <a:rPr lang="en" sz="2000"/>
+              <a:t>Focus  on README with link</a:t>
+            </a:r>
+            <a:endParaRPr sz="2000"/>
           </a:p>
           <a:p>
-            <a:pPr indent="-310904" lvl="2" marL="1371600" rtl="0" algn="l">
-              <a:spcBef>
-                <a:spcPts val="0"/>
+            <a:pPr indent="0" lvl="0" marL="457200" rtl="0" algn="l">
+              <a:spcBef>
+                <a:spcPts val="1200"/>
+              </a:spcBef>
+              <a:spcAft>
+                <a:spcPts val="0"/>
+              </a:spcAft>
+              <a:buNone/>
+            </a:pPr>
+            <a:r>
+              <a:t/>
+            </a:r>
+            <a:endParaRPr/>
+          </a:p>
+          <a:p>
+            <a:pPr indent="-297973" lvl="0" marL="457200" rtl="0" algn="l">
+              <a:spcBef>
+                <a:spcPts val="1200"/>
               </a:spcBef>
               <a:spcAft>
                 <a:spcPts val="0"/>
@@ -10445,68 +10934,13 @@
               <a:buChar char="●"/>
             </a:pPr>
             <a:r>
-              <a:rPr lang="en" sz="1672"/>
-              <a:t>Import dataset into model through query merging </a:t>
-            </a:r>
-            <a:endParaRPr sz="1672"/>
+              <a:rPr lang="en" sz="2300"/>
+              <a:t>User input and results</a:t>
+            </a:r>
+            <a:endParaRPr sz="1650"/>
           </a:p>
           <a:p>
-            <a:pPr indent="0" lvl="0" marL="0" rtl="0" algn="l">
-              <a:spcBef>
-                <a:spcPts val="1200"/>
-              </a:spcBef>
-              <a:spcAft>
-                <a:spcPts val="0"/>
-              </a:spcAft>
-              <a:buNone/>
-            </a:pPr>
-            <a:r>
-              <a:t/>
-            </a:r>
-            <a:endParaRPr sz="1672"/>
-          </a:p>
-          <a:p>
-            <a:pPr indent="-310904" lvl="0" marL="457200" rtl="0" algn="l">
-              <a:spcBef>
-                <a:spcPts val="1200"/>
-              </a:spcBef>
-              <a:spcAft>
-                <a:spcPts val="0"/>
-              </a:spcAft>
-              <a:buSzPct val="100000"/>
-              <a:buChar char="➔"/>
-            </a:pPr>
-            <a:r>
-              <a:rPr lang="en" sz="1672"/>
-              <a:t>Is there a vehicle present?</a:t>
-            </a:r>
-            <a:br>
-              <a:rPr lang="en" sz="1672"/>
-            </a:br>
-            <a:endParaRPr sz="1672"/>
-          </a:p>
-          <a:p>
-            <a:pPr indent="-310904" lvl="1" marL="914400" rtl="0" algn="l">
-              <a:spcBef>
-                <a:spcPts val="0"/>
-              </a:spcBef>
-              <a:spcAft>
-                <a:spcPts val="0"/>
-              </a:spcAft>
-              <a:buSzPct val="100000"/>
-              <a:buChar char="◆"/>
-            </a:pPr>
-            <a:r>
-              <a:rPr lang="en" sz="1672"/>
-              <a:t>That is the question.</a:t>
-            </a:r>
-            <a:br>
-              <a:rPr lang="en" sz="1672"/>
-            </a:br>
-            <a:endParaRPr sz="1672"/>
-          </a:p>
-          <a:p>
-            <a:pPr indent="0" lvl="0" marL="0" rtl="0" algn="l">
+            <a:pPr indent="0" lvl="0" marL="457200" rtl="0" algn="l">
               <a:spcBef>
                 <a:spcPts val="1200"/>
               </a:spcBef>
@@ -10521,7 +10955,24 @@
             <a:endParaRPr/>
           </a:p>
           <a:p>
-            <a:pPr indent="0" lvl="0" marL="0" rtl="0" algn="l">
+            <a:pPr indent="-297973" lvl="0" marL="457200" rtl="0" algn="l">
+              <a:spcBef>
+                <a:spcPts val="1200"/>
+              </a:spcBef>
+              <a:spcAft>
+                <a:spcPts val="0"/>
+              </a:spcAft>
+              <a:buSzPct val="100000"/>
+              <a:buChar char="●"/>
+            </a:pPr>
+            <a:r>
+              <a:rPr lang="en" sz="2300"/>
+              <a:t>A brief look at future plans. </a:t>
+            </a:r>
+            <a:endParaRPr sz="2300"/>
+          </a:p>
+          <a:p>
+            <a:pPr indent="0" lvl="0" marL="457200" rtl="0" algn="l">
               <a:spcBef>
                 <a:spcPts val="1200"/>
               </a:spcBef>
@@ -10536,7 +10987,24 @@
             <a:endParaRPr/>
           </a:p>
           <a:p>
-            <a:pPr indent="0" lvl="0" marL="0" rtl="0" algn="l">
+            <a:pPr indent="-297973" lvl="0" marL="457200" rtl="0" algn="l">
+              <a:spcBef>
+                <a:spcPts val="1200"/>
+              </a:spcBef>
+              <a:spcAft>
+                <a:spcPts val="0"/>
+              </a:spcAft>
+              <a:buSzPct val="100000"/>
+              <a:buChar char="●"/>
+            </a:pPr>
+            <a:r>
+              <a:rPr lang="en" sz="2300"/>
+              <a:t>Feedback</a:t>
+            </a:r>
+            <a:endParaRPr sz="2300"/>
+          </a:p>
+          <a:p>
+            <a:pPr indent="0" lvl="0" marL="457200" rtl="0" algn="l">
               <a:spcBef>
                 <a:spcPts val="1200"/>
               </a:spcBef>
@@ -11450,7 +11918,7 @@
         </p:nvSpPr>
         <p:spPr>
           <a:xfrm>
-            <a:off x="1005800" y="1490400"/>
+            <a:off x="963700" y="1490400"/>
             <a:ext cx="5574600" cy="2499600"/>
           </a:xfrm>
           <a:prstGeom prst="rect">
@@ -11579,6 +12047,190 @@
         </p:nvSpPr>
         <p:spPr>
           <a:xfrm>
+            <a:off x="449400" y="-65900"/>
+            <a:ext cx="8245200" cy="1432500"/>
+          </a:xfrm>
+          <a:prstGeom prst="rect">
+            <a:avLst/>
+          </a:prstGeom>
+        </p:spPr>
+        <p:txBody>
+          <a:bodyPr anchorCtr="0" anchor="ctr" bIns="91425" lIns="91425" spcFirstLastPara="1" rIns="91425" wrap="square" tIns="91425">
+            <a:noAutofit/>
+          </a:bodyPr>
+          <a:lstStyle/>
+          <a:p>
+            <a:pPr indent="0" lvl="0" marL="0" rtl="0" algn="ctr">
+              <a:spcBef>
+                <a:spcPts val="0"/>
+              </a:spcBef>
+              <a:spcAft>
+                <a:spcPts val="0"/>
+              </a:spcAft>
+              <a:buNone/>
+            </a:pPr>
+            <a:r>
+              <a:rPr lang="en" sz="1900">
+                <a:latin typeface="Calibri"/>
+                <a:ea typeface="Calibri"/>
+                <a:cs typeface="Calibri"/>
+                <a:sym typeface="Calibri"/>
+              </a:rPr>
+              <a:t>The second question our team hopes to answer throughout the project:</a:t>
+            </a:r>
+            <a:endParaRPr sz="1900">
+              <a:latin typeface="Calibri"/>
+              <a:ea typeface="Calibri"/>
+              <a:cs typeface="Calibri"/>
+              <a:sym typeface="Calibri"/>
+            </a:endParaRPr>
+          </a:p>
+        </p:txBody>
+      </p:sp>
+      <p:sp>
+        <p:nvSpPr>
+          <p:cNvPr id="168" name="Google Shape;168;p17"/>
+          <p:cNvSpPr txBox="1"/>
+          <p:nvPr>
+            <p:ph idx="1" type="body"/>
+          </p:nvPr>
+        </p:nvSpPr>
+        <p:spPr>
+          <a:xfrm>
+            <a:off x="963675" y="1644750"/>
+            <a:ext cx="3695700" cy="2499600"/>
+          </a:xfrm>
+          <a:prstGeom prst="rect">
+            <a:avLst/>
+          </a:prstGeom>
+        </p:spPr>
+        <p:txBody>
+          <a:bodyPr anchorCtr="0" anchor="b" bIns="91425" lIns="91425" spcFirstLastPara="1" rIns="91425" wrap="square" tIns="91425">
+            <a:normAutofit lnSpcReduction="10000"/>
+          </a:bodyPr>
+          <a:lstStyle/>
+          <a:p>
+            <a:pPr indent="-353873" lvl="0" marL="457200" rtl="0" algn="l">
+              <a:spcBef>
+                <a:spcPts val="0"/>
+              </a:spcBef>
+              <a:spcAft>
+                <a:spcPts val="0"/>
+              </a:spcAft>
+              <a:buSzPts val="1973"/>
+              <a:buChar char="➔"/>
+            </a:pPr>
+            <a:r>
+              <a:rPr lang="en" sz="1972"/>
+              <a:t>Can the our prototype machine learning model identify the make, model and year of a targeted vehicle in an image</a:t>
+            </a:r>
+            <a:r>
+              <a:rPr lang="en" sz="1972"/>
+              <a:t>? </a:t>
+            </a:r>
+            <a:endParaRPr/>
+          </a:p>
+          <a:p>
+            <a:pPr indent="0" lvl="0" marL="0" rtl="0" algn="l">
+              <a:spcBef>
+                <a:spcPts val="1200"/>
+              </a:spcBef>
+              <a:spcAft>
+                <a:spcPts val="0"/>
+              </a:spcAft>
+              <a:buNone/>
+            </a:pPr>
+            <a:r>
+              <a:t/>
+            </a:r>
+            <a:endParaRPr/>
+          </a:p>
+          <a:p>
+            <a:pPr indent="0" lvl="0" marL="0" rtl="0" algn="l">
+              <a:spcBef>
+                <a:spcPts val="1200"/>
+              </a:spcBef>
+              <a:spcAft>
+                <a:spcPts val="1200"/>
+              </a:spcAft>
+              <a:buNone/>
+            </a:pPr>
+            <a:r>
+              <a:t/>
+            </a:r>
+            <a:endParaRPr/>
+          </a:p>
+        </p:txBody>
+      </p:sp>
+      <p:pic>
+        <p:nvPicPr>
+          <p:cNvPr id="169" name="Google Shape;169;p17"/>
+          <p:cNvPicPr preferRelativeResize="0"/>
+          <p:nvPr/>
+        </p:nvPicPr>
+        <p:blipFill>
+          <a:blip r:embed="rId3">
+            <a:alphaModFix/>
+          </a:blip>
+          <a:stretch>
+            <a:fillRect/>
+          </a:stretch>
+        </p:blipFill>
+        <p:spPr>
+          <a:xfrm>
+            <a:off x="4659375" y="1644738"/>
+            <a:ext cx="4113324" cy="2091925"/>
+          </a:xfrm>
+          <a:prstGeom prst="rect">
+            <a:avLst/>
+          </a:prstGeom>
+          <a:noFill/>
+          <a:ln cap="flat" cmpd="sng" w="19050">
+            <a:solidFill>
+              <a:srgbClr val="4A86E8"/>
+            </a:solidFill>
+            <a:prstDash val="solid"/>
+            <a:round/>
+            <a:headEnd len="sm" w="sm" type="none"/>
+            <a:tailEnd len="sm" w="sm" type="none"/>
+          </a:ln>
+        </p:spPr>
+      </p:pic>
+    </p:spTree>
+  </p:cSld>
+  <p:clrMapOvr>
+    <a:masterClrMapping/>
+  </p:clrMapOvr>
+</p:sld>
+</file>
+
+<file path=ppt/slides/slide6.xml><?xml version="1.0" encoding="utf-8"?>
+<p:sld xmlns:a="http://schemas.openxmlformats.org/drawingml/2006/main" xmlns:r="http://schemas.openxmlformats.org/officeDocument/2006/relationships" xmlns:mc="http://schemas.openxmlformats.org/markup-compatibility/2006" xmlns:mv="urn:schemas-microsoft-com:mac:vml" xmlns:p="http://schemas.openxmlformats.org/presentationml/2006/main" xmlns:c="http://schemas.openxmlformats.org/drawingml/2006/chart" xmlns:dgm="http://schemas.openxmlformats.org/drawingml/2006/diagram" xmlns:o="urn:schemas-microsoft-com:office:office" xmlns:v="urn:schemas-microsoft-com:vml" xmlns:pvml="urn:schemas-microsoft-com:office:powerpoint" xmlns:com="http://schemas.openxmlformats.org/drawingml/2006/compatibility" xmlns:p14="http://schemas.microsoft.com/office/powerpoint/2010/main" xmlns:p15="http://schemas.microsoft.com/office/powerpoint/2012/main" xmlns:ahyp="http://schemas.microsoft.com/office/drawing/2018/hyperlinkcolor">
+  <p:cSld>
+    <p:spTree>
+      <p:nvGrpSpPr>
+        <p:cNvPr id="173" name="Shape 173"/>
+        <p:cNvGrpSpPr/>
+        <p:nvPr/>
+      </p:nvGrpSpPr>
+      <p:grpSpPr>
+        <a:xfrm>
+          <a:off x="0" y="0"/>
+          <a:ext cx="0" cy="0"/>
+          <a:chOff x="0" y="0"/>
+          <a:chExt cx="0" cy="0"/>
+        </a:xfrm>
+      </p:grpSpPr>
+      <p:sp>
+        <p:nvSpPr>
+          <p:cNvPr id="174" name="Google Shape;174;p18"/>
+          <p:cNvSpPr txBox="1"/>
+          <p:nvPr>
+            <p:ph type="title"/>
+          </p:nvPr>
+        </p:nvSpPr>
+        <p:spPr>
+          <a:xfrm>
             <a:off x="1919250" y="302500"/>
             <a:ext cx="5305500" cy="693900"/>
           </a:xfrm>
@@ -11621,7 +12273,7 @@
       </p:sp>
       <p:sp>
         <p:nvSpPr>
-          <p:cNvPr id="168" name="Google Shape;168;p17"/>
+          <p:cNvPr id="175" name="Google Shape;175;p18"/>
           <p:cNvSpPr txBox="1"/>
           <p:nvPr>
             <p:ph idx="1" type="body"/>
@@ -11744,7 +12396,7 @@
       </p:sp>
       <p:sp>
         <p:nvSpPr>
-          <p:cNvPr id="169" name="Google Shape;169;p17"/>
+          <p:cNvPr id="176" name="Google Shape;176;p18"/>
           <p:cNvSpPr txBox="1"/>
           <p:nvPr/>
         </p:nvSpPr>
@@ -11802,7 +12454,7 @@
       </p:sp>
       <p:sp>
         <p:nvSpPr>
-          <p:cNvPr id="170" name="Google Shape;170;p17"/>
+          <p:cNvPr id="177" name="Google Shape;177;p18"/>
           <p:cNvSpPr txBox="1"/>
           <p:nvPr/>
         </p:nvSpPr>
@@ -11860,7 +12512,7 @@
       </p:sp>
       <p:sp>
         <p:nvSpPr>
-          <p:cNvPr id="171" name="Google Shape;171;p17"/>
+          <p:cNvPr id="178" name="Google Shape;178;p18"/>
           <p:cNvSpPr/>
           <p:nvPr/>
         </p:nvSpPr>
@@ -11912,7 +12564,7 @@
       </p:sp>
       <p:sp>
         <p:nvSpPr>
-          <p:cNvPr id="172" name="Google Shape;172;p17"/>
+          <p:cNvPr id="179" name="Google Shape;179;p18"/>
           <p:cNvSpPr txBox="1"/>
           <p:nvPr/>
         </p:nvSpPr>
@@ -11989,7 +12641,7 @@
       </p:sp>
       <p:sp>
         <p:nvSpPr>
-          <p:cNvPr id="173" name="Google Shape;173;p17"/>
+          <p:cNvPr id="180" name="Google Shape;180;p18"/>
           <p:cNvSpPr/>
           <p:nvPr/>
         </p:nvSpPr>
@@ -12041,7 +12693,7 @@
       </p:sp>
       <p:sp>
         <p:nvSpPr>
-          <p:cNvPr id="174" name="Google Shape;174;p17"/>
+          <p:cNvPr id="181" name="Google Shape;181;p18"/>
           <p:cNvSpPr txBox="1"/>
           <p:nvPr/>
         </p:nvSpPr>
@@ -12153,7 +12805,7 @@
       </p:sp>
       <p:sp>
         <p:nvSpPr>
-          <p:cNvPr id="175" name="Google Shape;175;p17"/>
+          <p:cNvPr id="182" name="Google Shape;182;p18"/>
           <p:cNvSpPr/>
           <p:nvPr/>
         </p:nvSpPr>
@@ -12205,7 +12857,7 @@
       </p:sp>
       <p:sp>
         <p:nvSpPr>
-          <p:cNvPr id="176" name="Google Shape;176;p17"/>
+          <p:cNvPr id="183" name="Google Shape;183;p18"/>
           <p:cNvSpPr txBox="1"/>
           <p:nvPr/>
         </p:nvSpPr>
@@ -12282,7 +12934,7 @@
       </p:sp>
       <p:sp>
         <p:nvSpPr>
-          <p:cNvPr id="177" name="Google Shape;177;p17"/>
+          <p:cNvPr id="184" name="Google Shape;184;p18"/>
           <p:cNvSpPr/>
           <p:nvPr/>
         </p:nvSpPr>
@@ -12334,7 +12986,7 @@
       </p:sp>
       <p:sp>
         <p:nvSpPr>
-          <p:cNvPr id="178" name="Google Shape;178;p17"/>
+          <p:cNvPr id="185" name="Google Shape;185;p18"/>
           <p:cNvSpPr txBox="1"/>
           <p:nvPr/>
         </p:nvSpPr>
@@ -12411,7 +13063,7 @@
       </p:sp>
       <p:sp>
         <p:nvSpPr>
-          <p:cNvPr id="179" name="Google Shape;179;p17"/>
+          <p:cNvPr id="186" name="Google Shape;186;p18"/>
           <p:cNvSpPr txBox="1"/>
           <p:nvPr/>
         </p:nvSpPr>
@@ -12482,7 +13134,7 @@
       </p:sp>
       <p:sp>
         <p:nvSpPr>
-          <p:cNvPr id="180" name="Google Shape;180;p17"/>
+          <p:cNvPr id="187" name="Google Shape;187;p18"/>
           <p:cNvSpPr txBox="1"/>
           <p:nvPr/>
         </p:nvSpPr>
@@ -12540,7 +13192,7 @@
       </p:sp>
       <p:sp>
         <p:nvSpPr>
-          <p:cNvPr id="181" name="Google Shape;181;p17"/>
+          <p:cNvPr id="188" name="Google Shape;188;p18"/>
           <p:cNvSpPr txBox="1"/>
           <p:nvPr/>
         </p:nvSpPr>
@@ -12598,7 +13250,7 @@
       </p:sp>
       <p:sp>
         <p:nvSpPr>
-          <p:cNvPr id="182" name="Google Shape;182;p17"/>
+          <p:cNvPr id="189" name="Google Shape;189;p18"/>
           <p:cNvSpPr txBox="1"/>
           <p:nvPr/>
         </p:nvSpPr>
@@ -12656,9 +13308,9 @@
       </p:sp>
       <p:cxnSp>
         <p:nvCxnSpPr>
-          <p:cNvPr id="183" name="Google Shape;183;p17"/>
+          <p:cNvPr id="190" name="Google Shape;190;p18"/>
           <p:cNvCxnSpPr>
-            <a:stCxn id="172" idx="3"/>
+            <a:stCxn id="179" idx="3"/>
           </p:cNvCxnSpPr>
           <p:nvPr/>
         </p:nvCxnSpPr>
@@ -12684,9 +13336,9 @@
       </p:cxnSp>
       <p:cxnSp>
         <p:nvCxnSpPr>
-          <p:cNvPr id="184" name="Google Shape;184;p17"/>
+          <p:cNvPr id="191" name="Google Shape;191;p18"/>
           <p:cNvCxnSpPr>
-            <a:stCxn id="174" idx="3"/>
+            <a:stCxn id="181" idx="3"/>
           </p:cNvCxnSpPr>
           <p:nvPr/>
         </p:nvCxnSpPr>
@@ -12712,9 +13364,9 @@
       </p:cxnSp>
       <p:cxnSp>
         <p:nvCxnSpPr>
-          <p:cNvPr id="185" name="Google Shape;185;p17"/>
+          <p:cNvPr id="192" name="Google Shape;192;p18"/>
           <p:cNvCxnSpPr>
-            <a:stCxn id="176" idx="3"/>
+            <a:stCxn id="183" idx="3"/>
           </p:cNvCxnSpPr>
           <p:nvPr/>
         </p:nvCxnSpPr>
@@ -12746,12 +13398,12 @@
 </p:sld>
 </file>
 
-<file path=ppt/slides/slide6.xml><?xml version="1.0" encoding="utf-8"?>
+<file path=ppt/slides/slide7.xml><?xml version="1.0" encoding="utf-8"?>
 <p:sld xmlns:a="http://schemas.openxmlformats.org/drawingml/2006/main" xmlns:r="http://schemas.openxmlformats.org/officeDocument/2006/relationships" xmlns:mc="http://schemas.openxmlformats.org/markup-compatibility/2006" xmlns:mv="urn:schemas-microsoft-com:mac:vml" xmlns:p="http://schemas.openxmlformats.org/presentationml/2006/main" xmlns:c="http://schemas.openxmlformats.org/drawingml/2006/chart" xmlns:dgm="http://schemas.openxmlformats.org/drawingml/2006/diagram" xmlns:o="urn:schemas-microsoft-com:office:office" xmlns:v="urn:schemas-microsoft-com:vml" xmlns:pvml="urn:schemas-microsoft-com:office:powerpoint" xmlns:com="http://schemas.openxmlformats.org/drawingml/2006/compatibility" xmlns:p14="http://schemas.microsoft.com/office/powerpoint/2010/main" xmlns:p15="http://schemas.microsoft.com/office/powerpoint/2012/main" xmlns:ahyp="http://schemas.microsoft.com/office/drawing/2018/hyperlinkcolor">
   <p:cSld>
     <p:spTree>
       <p:nvGrpSpPr>
-        <p:cNvPr id="189" name="Shape 189"/>
+        <p:cNvPr id="196" name="Shape 196"/>
         <p:cNvGrpSpPr/>
         <p:nvPr/>
       </p:nvGrpSpPr>
@@ -12765,7 +13417,7 @@
       </p:grpSpPr>
       <p:sp>
         <p:nvSpPr>
-          <p:cNvPr id="190" name="Google Shape;190;p18"/>
+          <p:cNvPr id="197" name="Google Shape;197;p19"/>
           <p:cNvSpPr txBox="1"/>
           <p:nvPr>
             <p:ph type="title"/>
@@ -12773,20 +13425,20 @@
         </p:nvSpPr>
         <p:spPr>
           <a:xfrm>
-            <a:off x="1297500" y="393750"/>
-            <a:ext cx="7038900" cy="914100"/>
+            <a:off x="2797200" y="301050"/>
+            <a:ext cx="4039500" cy="705600"/>
           </a:xfrm>
           <a:prstGeom prst="rect">
             <a:avLst/>
           </a:prstGeom>
         </p:spPr>
         <p:txBody>
-          <a:bodyPr anchorCtr="0" anchor="t" bIns="91425" lIns="91425" spcFirstLastPara="1" rIns="91425" wrap="square" tIns="91425">
+          <a:bodyPr anchorCtr="0" anchor="ctr" bIns="91425" lIns="91425" spcFirstLastPara="1" rIns="91425" wrap="square" tIns="91425">
             <a:normAutofit/>
           </a:bodyPr>
           <a:lstStyle/>
           <a:p>
-            <a:pPr indent="0" lvl="0" marL="0" rtl="0" algn="l">
+            <a:pPr indent="0" lvl="0" marL="0" rtl="0" algn="ctr">
               <a:spcBef>
                 <a:spcPts val="0"/>
               </a:spcBef>
@@ -12815,7 +13467,7 @@
       </p:sp>
       <p:sp>
         <p:nvSpPr>
-          <p:cNvPr id="191" name="Google Shape;191;p18"/>
+          <p:cNvPr id="198" name="Google Shape;198;p19"/>
           <p:cNvSpPr txBox="1"/>
           <p:nvPr>
             <p:ph idx="1" type="body"/>
@@ -12850,7 +13502,7 @@
               <a:buNone/>
             </a:pPr>
             <a:r>
-              <a:rPr b="1" lang="en" sz="1115">
+              <a:rPr b="1" lang="en" sz="1014">
                 <a:latin typeface="Calibri"/>
                 <a:ea typeface="Calibri"/>
                 <a:cs typeface="Calibri"/>
@@ -12858,7 +13510,7 @@
               </a:rPr>
               <a:t>Initial Analysis</a:t>
             </a:r>
-            <a:endParaRPr b="1" sz="1115">
+            <a:endParaRPr b="1" sz="1014">
               <a:latin typeface="Calibri"/>
               <a:ea typeface="Calibri"/>
               <a:cs typeface="Calibri"/>
@@ -12866,7 +13518,7 @@
             </a:endParaRPr>
           </a:p>
           <a:p>
-            <a:pPr indent="-293052" lvl="0" marL="457200" rtl="0" algn="l">
+            <a:pPr indent="-286702" lvl="0" marL="457200" rtl="0" algn="l">
               <a:lnSpc>
                 <a:spcPct val="95000"/>
               </a:lnSpc>
@@ -12876,12 +13528,12 @@
               <a:spcAft>
                 <a:spcPts val="0"/>
               </a:spcAft>
-              <a:buSzPts val="1015"/>
+              <a:buSzPts val="915"/>
               <a:buFont typeface="Calibri"/>
               <a:buChar char="❖"/>
             </a:pPr>
             <a:r>
-              <a:rPr lang="en" sz="1014">
+              <a:rPr lang="en" sz="914">
                 <a:latin typeface="Calibri"/>
                 <a:ea typeface="Calibri"/>
                 <a:cs typeface="Calibri"/>
@@ -12890,14 +13542,14 @@
               <a:t>Pandas was used to clean raw data from initial Matlab format</a:t>
             </a:r>
             <a:br>
-              <a:rPr lang="en" sz="1014">
+              <a:rPr lang="en" sz="914">
                 <a:latin typeface="Calibri"/>
                 <a:ea typeface="Calibri"/>
                 <a:cs typeface="Calibri"/>
                 <a:sym typeface="Calibri"/>
               </a:rPr>
             </a:br>
-            <a:endParaRPr sz="1014">
+            <a:endParaRPr sz="914">
               <a:latin typeface="Calibri"/>
               <a:ea typeface="Calibri"/>
               <a:cs typeface="Calibri"/>
@@ -12905,7 +13557,7 @@
             </a:endParaRPr>
           </a:p>
           <a:p>
-            <a:pPr indent="-293052" lvl="0" marL="457200" rtl="0" algn="l">
+            <a:pPr indent="-286702" lvl="0" marL="457200" rtl="0" algn="l">
               <a:lnSpc>
                 <a:spcPct val="95000"/>
               </a:lnSpc>
@@ -12915,12 +13567,12 @@
               <a:spcAft>
                 <a:spcPts val="0"/>
               </a:spcAft>
-              <a:buSzPts val="1015"/>
+              <a:buSzPts val="915"/>
               <a:buFont typeface="Calibri"/>
               <a:buChar char="❖"/>
             </a:pPr>
             <a:r>
-              <a:rPr lang="en" sz="1014">
+              <a:rPr lang="en" sz="914">
                 <a:latin typeface="Calibri"/>
                 <a:ea typeface="Calibri"/>
                 <a:cs typeface="Calibri"/>
@@ -12928,7 +13580,7 @@
               </a:rPr>
               <a:t>Further analysis conducted with Python</a:t>
             </a:r>
-            <a:endParaRPr sz="1014">
+            <a:endParaRPr sz="914">
               <a:latin typeface="Calibri"/>
               <a:ea typeface="Calibri"/>
               <a:cs typeface="Calibri"/>
@@ -12950,7 +13602,7 @@
               <a:buNone/>
             </a:pPr>
             <a:r>
-              <a:rPr b="1" lang="en" sz="1115">
+              <a:rPr b="1" lang="en" sz="1014">
                 <a:latin typeface="Calibri"/>
                 <a:ea typeface="Calibri"/>
                 <a:cs typeface="Calibri"/>
@@ -12958,7 +13610,7 @@
               </a:rPr>
               <a:t>PostgreSQL Database: How do we connect our data to the model?</a:t>
             </a:r>
-            <a:endParaRPr b="1" sz="1115">
+            <a:endParaRPr b="1" sz="1014">
               <a:latin typeface="Calibri"/>
               <a:ea typeface="Calibri"/>
               <a:cs typeface="Calibri"/>
@@ -12966,7 +13618,7 @@
             </a:endParaRPr>
           </a:p>
           <a:p>
-            <a:pPr indent="-293052" lvl="0" marL="457200" rtl="0" algn="l">
+            <a:pPr indent="-286702" lvl="0" marL="457200" rtl="0" algn="l">
               <a:lnSpc>
                 <a:spcPct val="95000"/>
               </a:lnSpc>
@@ -12976,12 +13628,12 @@
               <a:spcAft>
                 <a:spcPts val="0"/>
               </a:spcAft>
-              <a:buSzPts val="1015"/>
+              <a:buSzPts val="915"/>
               <a:buFont typeface="Calibri"/>
               <a:buChar char="❖"/>
             </a:pPr>
             <a:r>
-              <a:rPr lang="en" sz="1014">
+              <a:rPr lang="en" sz="914">
                 <a:latin typeface="Calibri"/>
                 <a:ea typeface="Calibri"/>
                 <a:cs typeface="Calibri"/>
@@ -12990,14 +13642,14 @@
               <a:t>Read in database and create dataframe</a:t>
             </a:r>
             <a:br>
-              <a:rPr lang="en" sz="1014">
+              <a:rPr lang="en" sz="914">
                 <a:latin typeface="Calibri"/>
                 <a:ea typeface="Calibri"/>
                 <a:cs typeface="Calibri"/>
                 <a:sym typeface="Calibri"/>
               </a:rPr>
             </a:br>
-            <a:endParaRPr sz="1014">
+            <a:endParaRPr sz="914">
               <a:latin typeface="Calibri"/>
               <a:ea typeface="Calibri"/>
               <a:cs typeface="Calibri"/>
@@ -13005,7 +13657,7 @@
             </a:endParaRPr>
           </a:p>
           <a:p>
-            <a:pPr indent="-286067" lvl="1" marL="914400" rtl="0" algn="l">
+            <a:pPr indent="-279717" lvl="1" marL="914400" rtl="0" algn="l">
               <a:lnSpc>
                 <a:spcPct val="95000"/>
               </a:lnSpc>
@@ -13015,12 +13667,12 @@
               <a:spcAft>
                 <a:spcPts val="0"/>
               </a:spcAft>
-              <a:buSzPts val="905"/>
+              <a:buSzPts val="805"/>
               <a:buFont typeface="Calibri"/>
               <a:buChar char="➢"/>
             </a:pPr>
             <a:r>
-              <a:rPr lang="en" sz="905">
+              <a:rPr lang="en" sz="805">
                 <a:latin typeface="Calibri"/>
                 <a:ea typeface="Calibri"/>
                 <a:cs typeface="Calibri"/>
@@ -13029,14 +13681,14 @@
               <a:t>Query merging images</a:t>
             </a:r>
             <a:br>
-              <a:rPr lang="en" sz="905">
+              <a:rPr lang="en" sz="805">
                 <a:latin typeface="Calibri"/>
                 <a:ea typeface="Calibri"/>
                 <a:cs typeface="Calibri"/>
                 <a:sym typeface="Calibri"/>
               </a:rPr>
             </a:br>
-            <a:endParaRPr sz="905">
+            <a:endParaRPr sz="805">
               <a:latin typeface="Calibri"/>
               <a:ea typeface="Calibri"/>
               <a:cs typeface="Calibri"/>
@@ -13044,7 +13696,7 @@
             </a:endParaRPr>
           </a:p>
           <a:p>
-            <a:pPr indent="-286067" lvl="1" marL="914400" rtl="0" algn="l">
+            <a:pPr indent="-279717" lvl="1" marL="914400" rtl="0" algn="l">
               <a:lnSpc>
                 <a:spcPct val="95000"/>
               </a:lnSpc>
@@ -13054,12 +13706,12 @@
               <a:spcAft>
                 <a:spcPts val="0"/>
               </a:spcAft>
-              <a:buSzPts val="905"/>
+              <a:buSzPts val="805"/>
               <a:buFont typeface="Calibri"/>
               <a:buChar char="➢"/>
             </a:pPr>
             <a:r>
-              <a:rPr lang="en" sz="905">
+              <a:rPr lang="en" sz="805">
                 <a:latin typeface="Calibri"/>
                 <a:ea typeface="Calibri"/>
                 <a:cs typeface="Calibri"/>
@@ -13068,14 +13720,14 @@
               <a:t>Import dataset into model through query merging</a:t>
             </a:r>
             <a:br>
-              <a:rPr lang="en" sz="905">
+              <a:rPr lang="en" sz="805">
                 <a:latin typeface="Calibri"/>
                 <a:ea typeface="Calibri"/>
                 <a:cs typeface="Calibri"/>
                 <a:sym typeface="Calibri"/>
               </a:rPr>
             </a:br>
-            <a:endParaRPr sz="905">
+            <a:endParaRPr sz="805">
               <a:latin typeface="Calibri"/>
               <a:ea typeface="Calibri"/>
               <a:cs typeface="Calibri"/>
@@ -13083,7 +13735,7 @@
             </a:endParaRPr>
           </a:p>
           <a:p>
-            <a:pPr indent="-293052" lvl="0" marL="457200" rtl="0" algn="l">
+            <a:pPr indent="-286702" lvl="0" marL="457200" rtl="0" algn="l">
               <a:lnSpc>
                 <a:spcPct val="95000"/>
               </a:lnSpc>
@@ -13093,12 +13745,12 @@
               <a:spcAft>
                 <a:spcPts val="0"/>
               </a:spcAft>
-              <a:buSzPts val="1015"/>
+              <a:buSzPts val="915"/>
               <a:buFont typeface="Calibri"/>
               <a:buChar char="❖"/>
             </a:pPr>
             <a:r>
-              <a:rPr lang="en" sz="1014">
+              <a:rPr lang="en" sz="914">
                 <a:latin typeface="Calibri"/>
                 <a:ea typeface="Calibri"/>
                 <a:cs typeface="Calibri"/>
@@ -13107,14 +13759,14 @@
               <a:t>Images evaluated to determine what features will be captured</a:t>
             </a:r>
             <a:br>
-              <a:rPr lang="en" sz="1014">
+              <a:rPr lang="en" sz="914">
                 <a:latin typeface="Calibri"/>
                 <a:ea typeface="Calibri"/>
                 <a:cs typeface="Calibri"/>
                 <a:sym typeface="Calibri"/>
               </a:rPr>
             </a:br>
-            <a:endParaRPr sz="1014">
+            <a:endParaRPr sz="914">
               <a:latin typeface="Calibri"/>
               <a:ea typeface="Calibri"/>
               <a:cs typeface="Calibri"/>
@@ -13122,7 +13774,7 @@
             </a:endParaRPr>
           </a:p>
           <a:p>
-            <a:pPr indent="-293052" lvl="0" marL="457200" rtl="0" algn="l">
+            <a:pPr indent="-286702" lvl="0" marL="457200" rtl="0" algn="l">
               <a:lnSpc>
                 <a:spcPct val="95000"/>
               </a:lnSpc>
@@ -13132,12 +13784,12 @@
               <a:spcAft>
                 <a:spcPts val="0"/>
               </a:spcAft>
-              <a:buSzPts val="1015"/>
+              <a:buSzPts val="915"/>
               <a:buFont typeface="Calibri"/>
               <a:buChar char="❖"/>
             </a:pPr>
             <a:r>
-              <a:rPr lang="en" sz="1014">
+              <a:rPr lang="en" sz="914">
                 <a:latin typeface="Calibri"/>
                 <a:ea typeface="Calibri"/>
                 <a:cs typeface="Calibri"/>
@@ -13145,7 +13797,7 @@
               </a:rPr>
               <a:t>Hosted on AWS</a:t>
             </a:r>
-            <a:endParaRPr sz="1014">
+            <a:endParaRPr sz="914">
               <a:latin typeface="Calibri"/>
               <a:ea typeface="Calibri"/>
               <a:cs typeface="Calibri"/>
@@ -13167,7 +13819,7 @@
               <a:buNone/>
             </a:pPr>
             <a:r>
-              <a:rPr b="1" lang="en" sz="1115">
+              <a:rPr b="1" lang="en" sz="1014">
                 <a:latin typeface="Calibri"/>
                 <a:ea typeface="Calibri"/>
                 <a:cs typeface="Calibri"/>
@@ -13175,7 +13827,7 @@
               </a:rPr>
               <a:t>AWS R3 Storage Buckets</a:t>
             </a:r>
-            <a:endParaRPr b="1" sz="1115">
+            <a:endParaRPr b="1" sz="1014">
               <a:latin typeface="Calibri"/>
               <a:ea typeface="Calibri"/>
               <a:cs typeface="Calibri"/>
@@ -13183,7 +13835,7 @@
             </a:endParaRPr>
           </a:p>
           <a:p>
-            <a:pPr indent="-293052" lvl="0" marL="457200" rtl="0" algn="l">
+            <a:pPr indent="-286702" lvl="0" marL="457200" rtl="0" algn="l">
               <a:lnSpc>
                 <a:spcPct val="95000"/>
               </a:lnSpc>
@@ -13193,12 +13845,12 @@
               <a:spcAft>
                 <a:spcPts val="0"/>
               </a:spcAft>
-              <a:buSzPts val="1015"/>
+              <a:buSzPts val="915"/>
               <a:buFont typeface="Calibri"/>
               <a:buChar char="❖"/>
             </a:pPr>
             <a:r>
-              <a:rPr lang="en" sz="1014">
+              <a:rPr lang="en" sz="914">
                 <a:latin typeface="Calibri"/>
                 <a:ea typeface="Calibri"/>
                 <a:cs typeface="Calibri"/>
@@ -13207,14 +13859,14 @@
               <a:t>Training images</a:t>
             </a:r>
             <a:br>
-              <a:rPr lang="en" sz="1014">
+              <a:rPr lang="en" sz="914">
                 <a:latin typeface="Calibri"/>
                 <a:ea typeface="Calibri"/>
                 <a:cs typeface="Calibri"/>
                 <a:sym typeface="Calibri"/>
               </a:rPr>
             </a:br>
-            <a:endParaRPr sz="1014">
+            <a:endParaRPr sz="914">
               <a:latin typeface="Calibri"/>
               <a:ea typeface="Calibri"/>
               <a:cs typeface="Calibri"/>
@@ -13222,7 +13874,7 @@
             </a:endParaRPr>
           </a:p>
           <a:p>
-            <a:pPr indent="-293052" lvl="0" marL="457200" rtl="0" algn="l">
+            <a:pPr indent="-286702" lvl="0" marL="457200" rtl="0" algn="l">
               <a:lnSpc>
                 <a:spcPct val="95000"/>
               </a:lnSpc>
@@ -13232,12 +13884,12 @@
               <a:spcAft>
                 <a:spcPts val="0"/>
               </a:spcAft>
-              <a:buSzPts val="1015"/>
+              <a:buSzPts val="915"/>
               <a:buFont typeface="Calibri"/>
               <a:buChar char="❖"/>
             </a:pPr>
             <a:r>
-              <a:rPr lang="en" sz="1014">
+              <a:rPr lang="en" sz="914">
                 <a:latin typeface="Calibri"/>
                 <a:ea typeface="Calibri"/>
                 <a:cs typeface="Calibri"/>
@@ -13245,7 +13897,7 @@
               </a:rPr>
               <a:t>Testing images</a:t>
             </a:r>
-            <a:endParaRPr sz="1014">
+            <a:endParaRPr sz="914">
               <a:latin typeface="Calibri"/>
               <a:ea typeface="Calibri"/>
               <a:cs typeface="Calibri"/>
@@ -13256,7 +13908,7 @@
       </p:sp>
       <p:pic>
         <p:nvPicPr>
-          <p:cNvPr id="192" name="Google Shape;192;p18"/>
+          <p:cNvPr id="199" name="Google Shape;199;p19"/>
           <p:cNvPicPr preferRelativeResize="0"/>
           <p:nvPr/>
         </p:nvPicPr>
@@ -13295,12 +13947,12 @@
 </p:sld>
 </file>
 
-<file path=ppt/slides/slide7.xml><?xml version="1.0" encoding="utf-8"?>
+<file path=ppt/slides/slide8.xml><?xml version="1.0" encoding="utf-8"?>
 <p:sld xmlns:a="http://schemas.openxmlformats.org/drawingml/2006/main" xmlns:r="http://schemas.openxmlformats.org/officeDocument/2006/relationships" xmlns:mc="http://schemas.openxmlformats.org/markup-compatibility/2006" xmlns:mv="urn:schemas-microsoft-com:mac:vml" xmlns:p="http://schemas.openxmlformats.org/presentationml/2006/main" xmlns:c="http://schemas.openxmlformats.org/drawingml/2006/chart" xmlns:dgm="http://schemas.openxmlformats.org/drawingml/2006/diagram" xmlns:o="urn:schemas-microsoft-com:office:office" xmlns:v="urn:schemas-microsoft-com:vml" xmlns:pvml="urn:schemas-microsoft-com:office:powerpoint" xmlns:com="http://schemas.openxmlformats.org/drawingml/2006/compatibility" xmlns:p14="http://schemas.microsoft.com/office/powerpoint/2010/main" xmlns:p15="http://schemas.microsoft.com/office/powerpoint/2012/main" xmlns:ahyp="http://schemas.microsoft.com/office/drawing/2018/hyperlinkcolor">
   <p:cSld>
     <p:spTree>
       <p:nvGrpSpPr>
-        <p:cNvPr id="196" name="Shape 196"/>
+        <p:cNvPr id="203" name="Shape 203"/>
         <p:cNvGrpSpPr/>
         <p:nvPr/>
       </p:nvGrpSpPr>
@@ -13314,7 +13966,7 @@
       </p:grpSpPr>
       <p:sp>
         <p:nvSpPr>
-          <p:cNvPr id="197" name="Google Shape;197;p19"/>
+          <p:cNvPr id="204" name="Google Shape;204;p20"/>
           <p:cNvSpPr txBox="1"/>
           <p:nvPr>
             <p:ph type="title"/>
@@ -13322,8 +13974,59 @@
         </p:nvSpPr>
         <p:spPr>
           <a:xfrm>
-            <a:off x="1297500" y="393750"/>
-            <a:ext cx="7038900" cy="914100"/>
+            <a:off x="1379550" y="421500"/>
+            <a:ext cx="6384900" cy="383700"/>
+          </a:xfrm>
+          <a:prstGeom prst="rect">
+            <a:avLst/>
+          </a:prstGeom>
+        </p:spPr>
+        <p:txBody>
+          <a:bodyPr anchorCtr="0" anchor="ctr" bIns="91425" lIns="91425" spcFirstLastPara="1" rIns="91425" wrap="square" tIns="91425">
+            <a:noAutofit/>
+          </a:bodyPr>
+          <a:lstStyle/>
+          <a:p>
+            <a:pPr indent="0" lvl="0" marL="0" rtl="0" algn="ctr">
+              <a:spcBef>
+                <a:spcPts val="0"/>
+              </a:spcBef>
+              <a:spcAft>
+                <a:spcPts val="0"/>
+              </a:spcAft>
+              <a:buSzPts val="990"/>
+              <a:buNone/>
+            </a:pPr>
+            <a:r>
+              <a:rPr lang="en">
+                <a:latin typeface="Calibri"/>
+                <a:ea typeface="Calibri"/>
+                <a:cs typeface="Calibri"/>
+                <a:sym typeface="Calibri"/>
+              </a:rPr>
+              <a:t>Analysis Phase (Part 2 - Machine Learning Model)</a:t>
+            </a:r>
+            <a:endParaRPr>
+              <a:latin typeface="Calibri"/>
+              <a:ea typeface="Calibri"/>
+              <a:cs typeface="Calibri"/>
+              <a:sym typeface="Calibri"/>
+            </a:endParaRPr>
+          </a:p>
+        </p:txBody>
+      </p:sp>
+      <p:sp>
+        <p:nvSpPr>
+          <p:cNvPr id="205" name="Google Shape;205;p20"/>
+          <p:cNvSpPr txBox="1"/>
+          <p:nvPr>
+            <p:ph idx="1" type="body"/>
+          </p:nvPr>
+        </p:nvSpPr>
+        <p:spPr>
+          <a:xfrm>
+            <a:off x="5217075" y="977075"/>
+            <a:ext cx="3466500" cy="3493200"/>
           </a:xfrm>
           <a:prstGeom prst="rect">
             <a:avLst/>
@@ -13331,30 +14034,511 @@
         </p:spPr>
         <p:txBody>
           <a:bodyPr anchorCtr="0" anchor="t" bIns="91425" lIns="91425" spcFirstLastPara="1" rIns="91425" wrap="square" tIns="91425">
-            <a:normAutofit/>
+            <a:noAutofit/>
           </a:bodyPr>
           <a:lstStyle/>
           <a:p>
             <a:pPr indent="0" lvl="0" marL="0" rtl="0" algn="l">
-              <a:spcBef>
-                <a:spcPts val="0"/>
-              </a:spcBef>
-              <a:spcAft>
-                <a:spcPts val="0"/>
-              </a:spcAft>
+              <a:lnSpc>
+                <a:spcPct val="95000"/>
+              </a:lnSpc>
+              <a:spcBef>
+                <a:spcPts val="0"/>
+              </a:spcBef>
+              <a:spcAft>
+                <a:spcPts val="0"/>
+              </a:spcAft>
+              <a:buClr>
+                <a:srgbClr val="000000"/>
+              </a:buClr>
+              <a:buSzPts val="605"/>
+              <a:buFont typeface="Arial"/>
               <a:buNone/>
             </a:pPr>
             <a:r>
-              <a:rPr lang="en"/>
-              <a:t>Analysis Phase P2</a:t>
-            </a:r>
-            <a:endParaRPr/>
+              <a:rPr b="1" lang="en" sz="1014">
+                <a:latin typeface="Calibri"/>
+                <a:ea typeface="Calibri"/>
+                <a:cs typeface="Calibri"/>
+                <a:sym typeface="Calibri"/>
+              </a:rPr>
+              <a:t>AWS R3 Storage Buckets</a:t>
+            </a:r>
+            <a:endParaRPr b="1" sz="1014">
+              <a:latin typeface="Calibri"/>
+              <a:ea typeface="Calibri"/>
+              <a:cs typeface="Calibri"/>
+              <a:sym typeface="Calibri"/>
+            </a:endParaRPr>
+          </a:p>
+          <a:p>
+            <a:pPr indent="-293052" lvl="0" marL="457200" rtl="0" algn="l">
+              <a:lnSpc>
+                <a:spcPct val="95000"/>
+              </a:lnSpc>
+              <a:spcBef>
+                <a:spcPts val="1200"/>
+              </a:spcBef>
+              <a:spcAft>
+                <a:spcPts val="0"/>
+              </a:spcAft>
+              <a:buSzPts val="1015"/>
+              <a:buFont typeface="Calibri"/>
+              <a:buChar char="❖"/>
+            </a:pPr>
+            <a:r>
+              <a:rPr lang="en" sz="1014">
+                <a:latin typeface="Calibri"/>
+                <a:ea typeface="Calibri"/>
+                <a:cs typeface="Calibri"/>
+                <a:sym typeface="Calibri"/>
+              </a:rPr>
+              <a:t>Training images</a:t>
+            </a:r>
+            <a:endParaRPr sz="1014">
+              <a:latin typeface="Calibri"/>
+              <a:ea typeface="Calibri"/>
+              <a:cs typeface="Calibri"/>
+              <a:sym typeface="Calibri"/>
+            </a:endParaRPr>
+          </a:p>
+          <a:p>
+            <a:pPr indent="-293052" lvl="0" marL="457200" rtl="0" algn="l">
+              <a:lnSpc>
+                <a:spcPct val="95000"/>
+              </a:lnSpc>
+              <a:spcBef>
+                <a:spcPts val="0"/>
+              </a:spcBef>
+              <a:spcAft>
+                <a:spcPts val="0"/>
+              </a:spcAft>
+              <a:buSzPts val="1015"/>
+              <a:buFont typeface="Calibri"/>
+              <a:buChar char="❖"/>
+            </a:pPr>
+            <a:r>
+              <a:rPr lang="en" sz="1014">
+                <a:latin typeface="Calibri"/>
+                <a:ea typeface="Calibri"/>
+                <a:cs typeface="Calibri"/>
+                <a:sym typeface="Calibri"/>
+              </a:rPr>
+              <a:t>Testing images</a:t>
+            </a:r>
+            <a:endParaRPr sz="1014">
+              <a:latin typeface="Calibri"/>
+              <a:ea typeface="Calibri"/>
+              <a:cs typeface="Calibri"/>
+              <a:sym typeface="Calibri"/>
+            </a:endParaRPr>
+          </a:p>
+          <a:p>
+            <a:pPr indent="0" lvl="0" marL="0" rtl="0" algn="l">
+              <a:lnSpc>
+                <a:spcPct val="95000"/>
+              </a:lnSpc>
+              <a:spcBef>
+                <a:spcPts val="1200"/>
+              </a:spcBef>
+              <a:spcAft>
+                <a:spcPts val="0"/>
+              </a:spcAft>
+              <a:buSzPts val="275"/>
+              <a:buNone/>
+            </a:pPr>
+            <a:r>
+              <a:rPr b="1" lang="en" sz="1025">
+                <a:latin typeface="Calibri"/>
+                <a:ea typeface="Calibri"/>
+                <a:cs typeface="Calibri"/>
+                <a:sym typeface="Calibri"/>
+              </a:rPr>
+              <a:t>Two major packages/applications  to consider: </a:t>
+            </a:r>
+            <a:br>
+              <a:rPr b="1" lang="en" sz="1025">
+                <a:latin typeface="Calibri"/>
+                <a:ea typeface="Calibri"/>
+                <a:cs typeface="Calibri"/>
+                <a:sym typeface="Calibri"/>
+              </a:rPr>
+            </a:br>
+            <a:r>
+              <a:rPr b="1" lang="en" sz="1025">
+                <a:latin typeface="Calibri"/>
+                <a:ea typeface="Calibri"/>
+                <a:cs typeface="Calibri"/>
+                <a:sym typeface="Calibri"/>
+              </a:rPr>
+              <a:t>	   Tensorflow vs. Pytorch</a:t>
+            </a:r>
+            <a:endParaRPr b="1" sz="1025">
+              <a:latin typeface="Calibri"/>
+              <a:ea typeface="Calibri"/>
+              <a:cs typeface="Calibri"/>
+              <a:sym typeface="Calibri"/>
+            </a:endParaRPr>
+          </a:p>
+          <a:p>
+            <a:pPr indent="-293687" lvl="0" marL="457200" rtl="0" algn="l">
+              <a:lnSpc>
+                <a:spcPct val="95000"/>
+              </a:lnSpc>
+              <a:spcBef>
+                <a:spcPts val="1200"/>
+              </a:spcBef>
+              <a:spcAft>
+                <a:spcPts val="0"/>
+              </a:spcAft>
+              <a:buSzPts val="1025"/>
+              <a:buFont typeface="Calibri"/>
+              <a:buChar char="❖"/>
+            </a:pPr>
+            <a:r>
+              <a:rPr lang="en" sz="1025">
+                <a:latin typeface="Calibri"/>
+                <a:ea typeface="Calibri"/>
+                <a:cs typeface="Calibri"/>
+                <a:sym typeface="Calibri"/>
+              </a:rPr>
+              <a:t>Both are successful image classifiers</a:t>
+            </a:r>
+            <a:endParaRPr sz="1025">
+              <a:latin typeface="Calibri"/>
+              <a:ea typeface="Calibri"/>
+              <a:cs typeface="Calibri"/>
+              <a:sym typeface="Calibri"/>
+            </a:endParaRPr>
+          </a:p>
+          <a:p>
+            <a:pPr indent="-293687" lvl="0" marL="457200" rtl="0" algn="l">
+              <a:lnSpc>
+                <a:spcPct val="95000"/>
+              </a:lnSpc>
+              <a:spcBef>
+                <a:spcPts val="0"/>
+              </a:spcBef>
+              <a:spcAft>
+                <a:spcPts val="0"/>
+              </a:spcAft>
+              <a:buSzPts val="1025"/>
+              <a:buFont typeface="Calibri"/>
+              <a:buChar char="❖"/>
+            </a:pPr>
+            <a:r>
+              <a:rPr lang="en" sz="1025">
+                <a:latin typeface="Calibri"/>
+                <a:ea typeface="Calibri"/>
+                <a:cs typeface="Calibri"/>
+                <a:sym typeface="Calibri"/>
+              </a:rPr>
+              <a:t>Tensorflow </a:t>
+            </a:r>
+            <a:r>
+              <a:rPr lang="en" sz="1025">
+                <a:latin typeface="Calibri"/>
+                <a:ea typeface="Calibri"/>
+                <a:cs typeface="Calibri"/>
+                <a:sym typeface="Calibri"/>
+              </a:rPr>
+              <a:t> was the familiar choice</a:t>
+            </a:r>
+            <a:endParaRPr sz="1025">
+              <a:latin typeface="Calibri"/>
+              <a:ea typeface="Calibri"/>
+              <a:cs typeface="Calibri"/>
+              <a:sym typeface="Calibri"/>
+            </a:endParaRPr>
+          </a:p>
+          <a:p>
+            <a:pPr indent="-293687" lvl="0" marL="457200" rtl="0" algn="l">
+              <a:lnSpc>
+                <a:spcPct val="95000"/>
+              </a:lnSpc>
+              <a:spcBef>
+                <a:spcPts val="0"/>
+              </a:spcBef>
+              <a:spcAft>
+                <a:spcPts val="0"/>
+              </a:spcAft>
+              <a:buSzPts val="1025"/>
+              <a:buFont typeface="Calibri"/>
+              <a:buChar char="❖"/>
+            </a:pPr>
+            <a:r>
+              <a:rPr lang="en" sz="1025">
+                <a:latin typeface="Calibri"/>
+                <a:ea typeface="Calibri"/>
+                <a:cs typeface="Calibri"/>
+                <a:sym typeface="Calibri"/>
+              </a:rPr>
+              <a:t>Used to test Neural Networks Model</a:t>
+            </a:r>
+            <a:endParaRPr sz="1025">
+              <a:latin typeface="Calibri"/>
+              <a:ea typeface="Calibri"/>
+              <a:cs typeface="Calibri"/>
+              <a:sym typeface="Calibri"/>
+            </a:endParaRPr>
+          </a:p>
+          <a:p>
+            <a:pPr indent="0" lvl="0" marL="0" rtl="0" algn="l">
+              <a:lnSpc>
+                <a:spcPct val="95000"/>
+              </a:lnSpc>
+              <a:spcBef>
+                <a:spcPts val="1200"/>
+              </a:spcBef>
+              <a:spcAft>
+                <a:spcPts val="0"/>
+              </a:spcAft>
+              <a:buSzPts val="275"/>
+              <a:buNone/>
+            </a:pPr>
+            <a:r>
+              <a:rPr b="1" lang="en" sz="1025">
+                <a:latin typeface="Calibri"/>
+                <a:ea typeface="Calibri"/>
+                <a:cs typeface="Calibri"/>
+                <a:sym typeface="Calibri"/>
+              </a:rPr>
+              <a:t>Put it into practice</a:t>
+            </a:r>
+            <a:endParaRPr b="1" sz="1025">
+              <a:latin typeface="Calibri"/>
+              <a:ea typeface="Calibri"/>
+              <a:cs typeface="Calibri"/>
+              <a:sym typeface="Calibri"/>
+            </a:endParaRPr>
+          </a:p>
+          <a:p>
+            <a:pPr indent="-293687" lvl="0" marL="457200" rtl="0" algn="l">
+              <a:lnSpc>
+                <a:spcPct val="95000"/>
+              </a:lnSpc>
+              <a:spcBef>
+                <a:spcPts val="1200"/>
+              </a:spcBef>
+              <a:spcAft>
+                <a:spcPts val="0"/>
+              </a:spcAft>
+              <a:buSzPts val="1025"/>
+              <a:buFont typeface="Calibri"/>
+              <a:buChar char="❖"/>
+            </a:pPr>
+            <a:r>
+              <a:rPr lang="en" sz="1025">
+                <a:latin typeface="Calibri"/>
+                <a:ea typeface="Calibri"/>
+                <a:cs typeface="Calibri"/>
+                <a:sym typeface="Calibri"/>
+              </a:rPr>
+              <a:t>Read database and create dataframe</a:t>
+            </a:r>
+            <a:endParaRPr sz="1025">
+              <a:latin typeface="Calibri"/>
+              <a:ea typeface="Calibri"/>
+              <a:cs typeface="Calibri"/>
+              <a:sym typeface="Calibri"/>
+            </a:endParaRPr>
+          </a:p>
+          <a:p>
+            <a:pPr indent="-293687" lvl="0" marL="457200" rtl="0" algn="l">
+              <a:lnSpc>
+                <a:spcPct val="95000"/>
+              </a:lnSpc>
+              <a:spcBef>
+                <a:spcPts val="0"/>
+              </a:spcBef>
+              <a:spcAft>
+                <a:spcPts val="0"/>
+              </a:spcAft>
+              <a:buSzPts val="1025"/>
+              <a:buFont typeface="Calibri"/>
+              <a:buChar char="❖"/>
+            </a:pPr>
+            <a:r>
+              <a:rPr lang="en" sz="1025">
+                <a:latin typeface="Calibri"/>
+                <a:ea typeface="Calibri"/>
+                <a:cs typeface="Calibri"/>
+                <a:sym typeface="Calibri"/>
+              </a:rPr>
+              <a:t>Test model</a:t>
+            </a:r>
+            <a:endParaRPr sz="1025">
+              <a:latin typeface="Calibri"/>
+              <a:ea typeface="Calibri"/>
+              <a:cs typeface="Calibri"/>
+              <a:sym typeface="Calibri"/>
+            </a:endParaRPr>
+          </a:p>
+          <a:p>
+            <a:pPr indent="-293687" lvl="0" marL="457200" rtl="0" algn="l">
+              <a:lnSpc>
+                <a:spcPct val="95000"/>
+              </a:lnSpc>
+              <a:spcBef>
+                <a:spcPts val="0"/>
+              </a:spcBef>
+              <a:spcAft>
+                <a:spcPts val="0"/>
+              </a:spcAft>
+              <a:buSzPts val="1025"/>
+              <a:buFont typeface="Calibri"/>
+              <a:buChar char="❖"/>
+            </a:pPr>
+            <a:r>
+              <a:rPr lang="en" sz="1025">
+                <a:latin typeface="Calibri"/>
+                <a:ea typeface="Calibri"/>
+                <a:cs typeface="Calibri"/>
+                <a:sym typeface="Calibri"/>
+              </a:rPr>
+              <a:t>Update test image clas</a:t>
+            </a:r>
+            <a:r>
+              <a:rPr lang="en" sz="1025">
+                <a:latin typeface="Calibri"/>
+                <a:ea typeface="Calibri"/>
+                <a:cs typeface="Calibri"/>
+                <a:sym typeface="Calibri"/>
+              </a:rPr>
+              <a:t>s &amp; e</a:t>
+            </a:r>
+            <a:r>
+              <a:rPr lang="en" sz="1025">
+                <a:latin typeface="Calibri"/>
+                <a:ea typeface="Calibri"/>
+                <a:cs typeface="Calibri"/>
+                <a:sym typeface="Calibri"/>
+              </a:rPr>
+              <a:t>valuate accuracy</a:t>
+            </a:r>
+            <a:endParaRPr sz="1025">
+              <a:latin typeface="Calibri"/>
+              <a:ea typeface="Calibri"/>
+              <a:cs typeface="Calibri"/>
+              <a:sym typeface="Calibri"/>
+            </a:endParaRPr>
+          </a:p>
+          <a:p>
+            <a:pPr indent="0" lvl="0" marL="0" rtl="0" algn="l">
+              <a:lnSpc>
+                <a:spcPct val="95000"/>
+              </a:lnSpc>
+              <a:spcBef>
+                <a:spcPts val="1200"/>
+              </a:spcBef>
+              <a:spcAft>
+                <a:spcPts val="0"/>
+              </a:spcAft>
+              <a:buSzPts val="275"/>
+              <a:buNone/>
+            </a:pPr>
+            <a:r>
+              <a:rPr b="1" lang="en" sz="1025">
+                <a:latin typeface="Calibri"/>
+                <a:ea typeface="Calibri"/>
+                <a:cs typeface="Calibri"/>
+                <a:sym typeface="Calibri"/>
+              </a:rPr>
+              <a:t>How was data split into testing and training datasets?</a:t>
+            </a:r>
+            <a:endParaRPr b="1" sz="1025">
+              <a:latin typeface="Calibri"/>
+              <a:ea typeface="Calibri"/>
+              <a:cs typeface="Calibri"/>
+              <a:sym typeface="Calibri"/>
+            </a:endParaRPr>
+          </a:p>
+          <a:p>
+            <a:pPr indent="-293687" lvl="0" marL="457200" rtl="0" algn="l">
+              <a:lnSpc>
+                <a:spcPct val="95000"/>
+              </a:lnSpc>
+              <a:spcBef>
+                <a:spcPts val="1200"/>
+              </a:spcBef>
+              <a:spcAft>
+                <a:spcPts val="0"/>
+              </a:spcAft>
+              <a:buSzPts val="1025"/>
+              <a:buFont typeface="Calibri"/>
+              <a:buChar char="❖"/>
+            </a:pPr>
+            <a:r>
+              <a:rPr lang="en" sz="1025">
+                <a:latin typeface="Calibri"/>
+                <a:ea typeface="Calibri"/>
+                <a:cs typeface="Calibri"/>
+                <a:sym typeface="Calibri"/>
+              </a:rPr>
+              <a:t>50/50 split</a:t>
+            </a:r>
+            <a:endParaRPr sz="1025">
+              <a:latin typeface="Calibri"/>
+              <a:ea typeface="Calibri"/>
+              <a:cs typeface="Calibri"/>
+              <a:sym typeface="Calibri"/>
+            </a:endParaRPr>
+          </a:p>
+          <a:p>
+            <a:pPr indent="-293687" lvl="0" marL="457200" rtl="0" algn="l">
+              <a:lnSpc>
+                <a:spcPct val="95000"/>
+              </a:lnSpc>
+              <a:spcBef>
+                <a:spcPts val="0"/>
+              </a:spcBef>
+              <a:spcAft>
+                <a:spcPts val="0"/>
+              </a:spcAft>
+              <a:buSzPts val="1025"/>
+              <a:buFont typeface="Calibri"/>
+              <a:buChar char="❖"/>
+            </a:pPr>
+            <a:r>
+              <a:rPr lang="en" sz="1025">
+                <a:latin typeface="Calibri"/>
+                <a:ea typeface="Calibri"/>
+                <a:cs typeface="Calibri"/>
+                <a:sym typeface="Calibri"/>
+              </a:rPr>
+              <a:t>Adjusted as needed for the addition of future models</a:t>
+            </a:r>
+            <a:endParaRPr sz="925">
+              <a:latin typeface="Calibri"/>
+              <a:ea typeface="Calibri"/>
+              <a:cs typeface="Calibri"/>
+              <a:sym typeface="Calibri"/>
+            </a:endParaRPr>
+          </a:p>
+          <a:p>
+            <a:pPr indent="0" lvl="0" marL="0" rtl="0" algn="l">
+              <a:lnSpc>
+                <a:spcPct val="95000"/>
+              </a:lnSpc>
+              <a:spcBef>
+                <a:spcPts val="1200"/>
+              </a:spcBef>
+              <a:spcAft>
+                <a:spcPts val="1200"/>
+              </a:spcAft>
+              <a:buSzPts val="275"/>
+              <a:buNone/>
+            </a:pPr>
+            <a:r>
+              <a:t/>
+            </a:r>
+            <a:endParaRPr sz="925"/>
           </a:p>
         </p:txBody>
       </p:sp>
       <p:sp>
         <p:nvSpPr>
-          <p:cNvPr id="198" name="Google Shape;198;p19"/>
+          <p:cNvPr id="206" name="Google Shape;206;p20"/>
           <p:cNvSpPr txBox="1"/>
           <p:nvPr>
             <p:ph idx="1" type="body"/>
@@ -13362,8 +14546,8 @@
         </p:nvSpPr>
         <p:spPr>
           <a:xfrm>
-            <a:off x="1297500" y="1567550"/>
-            <a:ext cx="7038900" cy="2911200"/>
+            <a:off x="1194400" y="986675"/>
+            <a:ext cx="3738000" cy="3854100"/>
           </a:xfrm>
           <a:prstGeom prst="rect">
             <a:avLst/>
@@ -13371,334 +14555,203 @@
         </p:spPr>
         <p:txBody>
           <a:bodyPr anchorCtr="0" anchor="t" bIns="91425" lIns="91425" spcFirstLastPara="1" rIns="91425" wrap="square" tIns="91425">
-            <a:normAutofit fontScale="25000" lnSpcReduction="20000"/>
+            <a:noAutofit/>
           </a:bodyPr>
           <a:lstStyle/>
           <a:p>
             <a:pPr indent="0" lvl="0" marL="0" rtl="0" algn="l">
-              <a:spcBef>
-                <a:spcPts val="0"/>
-              </a:spcBef>
-              <a:spcAft>
-                <a:spcPts val="0"/>
-              </a:spcAft>
+              <a:lnSpc>
+                <a:spcPct val="95000"/>
+              </a:lnSpc>
+              <a:spcBef>
+                <a:spcPts val="0"/>
+              </a:spcBef>
+              <a:spcAft>
+                <a:spcPts val="0"/>
+              </a:spcAft>
+              <a:buSzPts val="605"/>
               <a:buNone/>
             </a:pPr>
             <a:r>
-              <a:rPr lang="en" sz="1700"/>
-              <a:t>Machine Learning Model</a:t>
-            </a:r>
-            <a:endParaRPr sz="1700"/>
+              <a:rPr b="1" lang="en" sz="1014">
+                <a:latin typeface="Calibri"/>
+                <a:ea typeface="Calibri"/>
+                <a:cs typeface="Calibri"/>
+                <a:sym typeface="Calibri"/>
+              </a:rPr>
+              <a:t>Sequential (model)</a:t>
+            </a:r>
+            <a:endParaRPr b="1" sz="1014">
+              <a:latin typeface="Calibri"/>
+              <a:ea typeface="Calibri"/>
+              <a:cs typeface="Calibri"/>
+              <a:sym typeface="Calibri"/>
+            </a:endParaRPr>
           </a:p>
           <a:p>
-            <a:pPr indent="-255587" lvl="0" marL="457200" rtl="0" algn="l">
+            <a:pPr indent="-286702" lvl="0" marL="457200" rtl="0" algn="l">
+              <a:lnSpc>
+                <a:spcPct val="95000"/>
+              </a:lnSpc>
               <a:spcBef>
                 <a:spcPts val="1200"/>
               </a:spcBef>
               <a:spcAft>
                 <a:spcPts val="0"/>
               </a:spcAft>
-              <a:buSzPct val="100000"/>
+              <a:buSzPts val="915"/>
+              <a:buFont typeface="Calibri"/>
               <a:buChar char="❖"/>
             </a:pPr>
             <a:r>
-              <a:rPr lang="en" sz="1700"/>
-              <a:t>Sequential (model)</a:t>
-            </a:r>
-            <a:endParaRPr sz="1700"/>
+              <a:rPr lang="en" sz="914">
+                <a:latin typeface="Calibri"/>
+                <a:ea typeface="Calibri"/>
+                <a:cs typeface="Calibri"/>
+                <a:sym typeface="Calibri"/>
+              </a:rPr>
+              <a:t>Hidden layers with activation set to reLu</a:t>
+            </a:r>
+            <a:endParaRPr sz="914">
+              <a:latin typeface="Calibri"/>
+              <a:ea typeface="Calibri"/>
+              <a:cs typeface="Calibri"/>
+              <a:sym typeface="Calibri"/>
+            </a:endParaRPr>
           </a:p>
           <a:p>
-            <a:pPr indent="-252412" lvl="1" marL="914400" rtl="0" algn="l">
-              <a:spcBef>
-                <a:spcPts val="0"/>
-              </a:spcBef>
-              <a:spcAft>
-                <a:spcPts val="0"/>
-              </a:spcAft>
-              <a:buSzPct val="100000"/>
-              <a:buChar char="➢"/>
-            </a:pPr>
-            <a:r>
-              <a:rPr lang="en" sz="1500"/>
-              <a:t>Hidden layers with </a:t>
-            </a:r>
-            <a:r>
-              <a:rPr lang="en" sz="1500"/>
-              <a:t>activation</a:t>
-            </a:r>
-            <a:r>
-              <a:rPr lang="en" sz="1500"/>
-              <a:t> set to </a:t>
-            </a:r>
-            <a:r>
-              <a:rPr i="1" lang="en" sz="1500"/>
-              <a:t>reLu</a:t>
-            </a:r>
-            <a:endParaRPr i="1" sz="1500"/>
-          </a:p>
-          <a:p>
-            <a:pPr indent="-252412" lvl="1" marL="914400" rtl="0" algn="l">
-              <a:spcBef>
-                <a:spcPts val="0"/>
-              </a:spcBef>
-              <a:spcAft>
-                <a:spcPts val="0"/>
-              </a:spcAft>
-              <a:buSzPct val="100000"/>
-              <a:buChar char="➢"/>
-            </a:pPr>
-            <a:r>
-              <a:rPr lang="en" sz="1500"/>
-              <a:t>Using optimizer </a:t>
-            </a:r>
-            <a:r>
-              <a:rPr i="1" lang="en" sz="1500"/>
-              <a:t>adam </a:t>
-            </a:r>
-            <a:r>
-              <a:rPr lang="en" sz="1500"/>
-              <a:t>and  </a:t>
-            </a:r>
-            <a:r>
-              <a:rPr i="1" lang="en" sz="1500"/>
-              <a:t>accuracy</a:t>
-            </a:r>
-            <a:r>
-              <a:rPr lang="en" sz="1500"/>
-              <a:t> metrics</a:t>
-            </a:r>
-            <a:endParaRPr sz="1500"/>
-          </a:p>
-          <a:p>
-            <a:pPr indent="-255587" lvl="0" marL="457200" rtl="0" algn="l">
-              <a:spcBef>
-                <a:spcPts val="0"/>
-              </a:spcBef>
-              <a:spcAft>
-                <a:spcPts val="0"/>
-              </a:spcAft>
-              <a:buSzPct val="100000"/>
+            <a:pPr indent="-286702" lvl="0" marL="457200" rtl="0" algn="l">
+              <a:lnSpc>
+                <a:spcPct val="95000"/>
+              </a:lnSpc>
+              <a:spcBef>
+                <a:spcPts val="0"/>
+              </a:spcBef>
+              <a:spcAft>
+                <a:spcPts val="0"/>
+              </a:spcAft>
+              <a:buSzPts val="915"/>
+              <a:buFont typeface="Calibri"/>
               <a:buChar char="❖"/>
             </a:pPr>
             <a:r>
-              <a:rPr lang="en" sz="1700"/>
-              <a:t>SciKitLearn</a:t>
-            </a:r>
-            <a:endParaRPr sz="1700"/>
-          </a:p>
-          <a:p>
-            <a:pPr indent="-252412" lvl="1" marL="914400" rtl="0" algn="l">
-              <a:spcBef>
-                <a:spcPts val="0"/>
-              </a:spcBef>
-              <a:spcAft>
-                <a:spcPts val="0"/>
-              </a:spcAft>
-              <a:buSzPct val="100000"/>
-              <a:buChar char="➢"/>
-            </a:pPr>
-            <a:r>
-              <a:rPr lang="en" sz="1500"/>
-              <a:t>ML library for creating classifier</a:t>
-            </a:r>
-            <a:endParaRPr sz="1500"/>
-          </a:p>
-          <a:p>
-            <a:pPr indent="-255587" lvl="0" marL="457200" rtl="0" algn="l">
-              <a:spcBef>
-                <a:spcPts val="0"/>
-              </a:spcBef>
-              <a:spcAft>
-                <a:spcPts val="0"/>
-              </a:spcAft>
-              <a:buSzPct val="100000"/>
-              <a:buChar char="❖"/>
-            </a:pPr>
-            <a:r>
-              <a:rPr lang="en" sz="1700"/>
-              <a:t>Neural Networks</a:t>
-            </a:r>
-            <a:endParaRPr sz="1700"/>
-          </a:p>
-          <a:p>
-            <a:pPr indent="-252412" lvl="1" marL="914400" rtl="0" algn="l">
-              <a:spcBef>
-                <a:spcPts val="0"/>
-              </a:spcBef>
-              <a:spcAft>
-                <a:spcPts val="0"/>
-              </a:spcAft>
-              <a:buSzPct val="100000"/>
-              <a:buChar char="➢"/>
-            </a:pPr>
-            <a:r>
-              <a:rPr lang="en" sz="1500"/>
-              <a:t>Popular choice for image processing in machine learnin</a:t>
-            </a:r>
-            <a:r>
-              <a:rPr lang="en" sz="1500"/>
-              <a:t>g</a:t>
-            </a:r>
-            <a:endParaRPr sz="1500"/>
-          </a:p>
-          <a:p>
-            <a:pPr indent="-252412" lvl="1" marL="914400" rtl="0" algn="l">
-              <a:spcBef>
-                <a:spcPts val="0"/>
-              </a:spcBef>
-              <a:spcAft>
-                <a:spcPts val="0"/>
-              </a:spcAft>
-              <a:buSzPct val="100000"/>
-              <a:buChar char="➢"/>
-            </a:pPr>
-            <a:r>
-              <a:rPr lang="en" sz="1500"/>
-              <a:t>Other choices included  a Random Forest Classifier ML model</a:t>
-            </a:r>
-            <a:endParaRPr sz="1500"/>
-          </a:p>
-          <a:p>
-            <a:pPr indent="-255587" lvl="0" marL="457200" rtl="0" algn="l">
-              <a:spcBef>
-                <a:spcPts val="0"/>
-              </a:spcBef>
-              <a:spcAft>
-                <a:spcPts val="0"/>
-              </a:spcAft>
-              <a:buSzPct val="100000"/>
-              <a:buChar char="❖"/>
-            </a:pPr>
-            <a:r>
-              <a:rPr lang="en" sz="1700"/>
-              <a:t>Neural Networks are:</a:t>
-            </a:r>
-            <a:endParaRPr sz="1700"/>
-          </a:p>
-          <a:p>
-            <a:pPr indent="-252412" lvl="1" marL="914400" rtl="0" algn="l">
-              <a:spcBef>
-                <a:spcPts val="0"/>
-              </a:spcBef>
-              <a:spcAft>
-                <a:spcPts val="0"/>
-              </a:spcAft>
-              <a:buSzPct val="100000"/>
-              <a:buChar char="➢"/>
-            </a:pPr>
-            <a:r>
-              <a:rPr lang="en" sz="1500"/>
-              <a:t>more consistent concerning image classification</a:t>
-            </a:r>
-            <a:endParaRPr sz="1500"/>
-          </a:p>
-          <a:p>
-            <a:pPr indent="-252412" lvl="1" marL="914400" rtl="0" algn="l">
-              <a:spcBef>
-                <a:spcPts val="0"/>
-              </a:spcBef>
-              <a:spcAft>
-                <a:spcPts val="0"/>
-              </a:spcAft>
-              <a:buSzPct val="100000"/>
-              <a:buChar char="➢"/>
-            </a:pPr>
-            <a:r>
-              <a:rPr lang="en" sz="1500"/>
-              <a:t>more flexible  for feature processing</a:t>
-            </a:r>
-            <a:endParaRPr sz="1500"/>
-          </a:p>
-          <a:p>
-            <a:pPr indent="-255587" lvl="0" marL="457200" rtl="0" algn="l">
-              <a:spcBef>
-                <a:spcPts val="0"/>
-              </a:spcBef>
-              <a:spcAft>
-                <a:spcPts val="0"/>
-              </a:spcAft>
-              <a:buSzPct val="100000"/>
-              <a:buChar char="❖"/>
-            </a:pPr>
-            <a:r>
-              <a:rPr lang="en" sz="1700"/>
-              <a:t>Tested using cleaned data</a:t>
-            </a:r>
-            <a:endParaRPr sz="1700"/>
+              <a:rPr lang="en" sz="875">
+                <a:latin typeface="Calibri"/>
+                <a:ea typeface="Calibri"/>
+                <a:cs typeface="Calibri"/>
+                <a:sym typeface="Calibri"/>
+              </a:rPr>
+              <a:t>Using optimizer </a:t>
+            </a:r>
+            <a:r>
+              <a:rPr i="1" lang="en" sz="875">
+                <a:latin typeface="Calibri"/>
+                <a:ea typeface="Calibri"/>
+                <a:cs typeface="Calibri"/>
+                <a:sym typeface="Calibri"/>
+              </a:rPr>
+              <a:t>adam </a:t>
+            </a:r>
+            <a:r>
+              <a:rPr lang="en" sz="875">
+                <a:latin typeface="Calibri"/>
+                <a:ea typeface="Calibri"/>
+                <a:cs typeface="Calibri"/>
+                <a:sym typeface="Calibri"/>
+              </a:rPr>
+              <a:t>and  </a:t>
+            </a:r>
+            <a:r>
+              <a:rPr i="1" lang="en" sz="875">
+                <a:latin typeface="Calibri"/>
+                <a:ea typeface="Calibri"/>
+                <a:cs typeface="Calibri"/>
+                <a:sym typeface="Calibri"/>
+              </a:rPr>
+              <a:t>accuracy</a:t>
+            </a:r>
+            <a:r>
+              <a:rPr lang="en" sz="875">
+                <a:latin typeface="Calibri"/>
+                <a:ea typeface="Calibri"/>
+                <a:cs typeface="Calibri"/>
+                <a:sym typeface="Calibri"/>
+              </a:rPr>
+              <a:t> metrics</a:t>
+            </a:r>
+            <a:endParaRPr sz="914">
+              <a:latin typeface="Calibri"/>
+              <a:ea typeface="Calibri"/>
+              <a:cs typeface="Calibri"/>
+              <a:sym typeface="Calibri"/>
+            </a:endParaRPr>
           </a:p>
           <a:p>
             <a:pPr indent="0" lvl="0" marL="0" rtl="0" algn="l">
+              <a:lnSpc>
+                <a:spcPct val="95000"/>
+              </a:lnSpc>
               <a:spcBef>
                 <a:spcPts val="1200"/>
               </a:spcBef>
               <a:spcAft>
                 <a:spcPts val="0"/>
               </a:spcAft>
+              <a:buSzPts val="605"/>
               <a:buNone/>
             </a:pPr>
             <a:r>
-              <a:rPr lang="en" sz="1700"/>
-              <a:t>Two major packages/applications  to consider: Tensorflow vs. Pytorch</a:t>
-            </a:r>
-            <a:endParaRPr sz="1700"/>
+              <a:rPr b="1" lang="en" sz="1014">
+                <a:latin typeface="Calibri"/>
+                <a:ea typeface="Calibri"/>
+                <a:cs typeface="Calibri"/>
+                <a:sym typeface="Calibri"/>
+              </a:rPr>
+              <a:t>SciKit Learn</a:t>
+            </a:r>
+            <a:endParaRPr b="1" sz="1014">
+              <a:latin typeface="Calibri"/>
+              <a:ea typeface="Calibri"/>
+              <a:cs typeface="Calibri"/>
+              <a:sym typeface="Calibri"/>
+            </a:endParaRPr>
           </a:p>
           <a:p>
-            <a:pPr indent="-255587" lvl="0" marL="457200" rtl="0" algn="l">
+            <a:pPr indent="-286702" lvl="0" marL="457200" rtl="0" algn="l">
+              <a:lnSpc>
+                <a:spcPct val="95000"/>
+              </a:lnSpc>
               <a:spcBef>
                 <a:spcPts val="1200"/>
               </a:spcBef>
               <a:spcAft>
                 <a:spcPts val="0"/>
               </a:spcAft>
-              <a:buSzPct val="100000"/>
+              <a:buSzPts val="915"/>
+              <a:buFont typeface="Calibri"/>
               <a:buChar char="❖"/>
             </a:pPr>
             <a:r>
-              <a:rPr lang="en" sz="1700"/>
-              <a:t>Both are successful image classifiers</a:t>
-            </a:r>
-            <a:endParaRPr sz="1700"/>
-          </a:p>
-          <a:p>
-            <a:pPr indent="-255587" lvl="0" marL="457200" rtl="0" algn="l">
-              <a:spcBef>
-                <a:spcPts val="0"/>
-              </a:spcBef>
-              <a:spcAft>
-                <a:spcPts val="0"/>
-              </a:spcAft>
-              <a:buSzPct val="100000"/>
-              <a:buChar char="❖"/>
-            </a:pPr>
-            <a:r>
-              <a:rPr lang="en" sz="1700"/>
-              <a:t>Tensorflow </a:t>
-            </a:r>
-            <a:r>
-              <a:rPr lang="en" sz="1700"/>
-              <a:t> was the familiar choice</a:t>
-            </a:r>
-            <a:endParaRPr sz="1700"/>
-          </a:p>
-          <a:p>
-            <a:pPr indent="-255587" lvl="0" marL="457200" rtl="0" algn="l">
-              <a:spcBef>
-                <a:spcPts val="0"/>
-              </a:spcBef>
-              <a:spcAft>
-                <a:spcPts val="0"/>
-              </a:spcAft>
-              <a:buSzPct val="100000"/>
-              <a:buChar char="❖"/>
-            </a:pPr>
-            <a:r>
-              <a:rPr lang="en" sz="1700"/>
-              <a:t>Used to test Neural Networks Model</a:t>
-            </a:r>
-            <a:endParaRPr sz="1700"/>
+              <a:rPr lang="en" sz="914">
+                <a:latin typeface="Calibri"/>
+                <a:ea typeface="Calibri"/>
+                <a:cs typeface="Calibri"/>
+                <a:sym typeface="Calibri"/>
+              </a:rPr>
+              <a:t>ML library for creating classifier</a:t>
+            </a:r>
+            <a:endParaRPr sz="914">
+              <a:latin typeface="Calibri"/>
+              <a:ea typeface="Calibri"/>
+              <a:cs typeface="Calibri"/>
+              <a:sym typeface="Calibri"/>
+            </a:endParaRPr>
           </a:p>
           <a:p>
             <a:pPr indent="0" lvl="0" marL="0" rtl="0" algn="l">
+              <a:lnSpc>
+                <a:spcPct val="95000"/>
+              </a:lnSpc>
               <a:spcBef>
                 <a:spcPts val="1200"/>
               </a:spcBef>
@@ -13708,85 +14761,159 @@
               <a:buNone/>
             </a:pPr>
             <a:r>
-              <a:rPr lang="en" sz="1700"/>
-              <a:t>Put it into practice</a:t>
-            </a:r>
-            <a:endParaRPr sz="1700"/>
+              <a:rPr b="1" lang="en" sz="1014">
+                <a:latin typeface="Calibri"/>
+                <a:ea typeface="Calibri"/>
+                <a:cs typeface="Calibri"/>
+                <a:sym typeface="Calibri"/>
+              </a:rPr>
+              <a:t>Neural Networks</a:t>
+            </a:r>
+            <a:endParaRPr b="1" sz="1014">
+              <a:latin typeface="Calibri"/>
+              <a:ea typeface="Calibri"/>
+              <a:cs typeface="Calibri"/>
+              <a:sym typeface="Calibri"/>
+            </a:endParaRPr>
           </a:p>
           <a:p>
-            <a:pPr indent="-255587" lvl="0" marL="457200" rtl="0" algn="l">
+            <a:pPr indent="-286702" lvl="0" marL="457200" rtl="0" algn="l">
+              <a:lnSpc>
+                <a:spcPct val="95000"/>
+              </a:lnSpc>
               <a:spcBef>
                 <a:spcPts val="1200"/>
               </a:spcBef>
               <a:spcAft>
                 <a:spcPts val="0"/>
               </a:spcAft>
-              <a:buSzPct val="100000"/>
+              <a:buSzPts val="915"/>
+              <a:buFont typeface="Calibri"/>
               <a:buChar char="❖"/>
             </a:pPr>
             <a:r>
-              <a:rPr lang="en" sz="1700"/>
-              <a:t>Read database and create dataframe</a:t>
-            </a:r>
-            <a:endParaRPr sz="1700"/>
+              <a:rPr lang="en" sz="914">
+                <a:latin typeface="Calibri"/>
+                <a:ea typeface="Calibri"/>
+                <a:cs typeface="Calibri"/>
+                <a:sym typeface="Calibri"/>
+              </a:rPr>
+              <a:t>Popular choice for image processing in machine learning models</a:t>
+            </a:r>
+            <a:endParaRPr sz="914">
+              <a:latin typeface="Calibri"/>
+              <a:ea typeface="Calibri"/>
+              <a:cs typeface="Calibri"/>
+              <a:sym typeface="Calibri"/>
+            </a:endParaRPr>
           </a:p>
           <a:p>
-            <a:pPr indent="-255587" lvl="0" marL="457200" rtl="0" algn="l">
-              <a:spcBef>
-                <a:spcPts val="0"/>
-              </a:spcBef>
-              <a:spcAft>
-                <a:spcPts val="0"/>
-              </a:spcAft>
-              <a:buSzPct val="100000"/>
+            <a:pPr indent="-293052" lvl="0" marL="457200" rtl="0" algn="l">
+              <a:lnSpc>
+                <a:spcPct val="95000"/>
+              </a:lnSpc>
+              <a:spcBef>
+                <a:spcPts val="0"/>
+              </a:spcBef>
+              <a:spcAft>
+                <a:spcPts val="0"/>
+              </a:spcAft>
+              <a:buSzPts val="1015"/>
+              <a:buFont typeface="Calibri"/>
               <a:buChar char="❖"/>
             </a:pPr>
             <a:r>
-              <a:rPr lang="en" sz="1700"/>
-              <a:t>test model</a:t>
-            </a:r>
-            <a:endParaRPr sz="1700"/>
+              <a:rPr lang="en" sz="875">
+                <a:latin typeface="Calibri"/>
+                <a:ea typeface="Calibri"/>
+                <a:cs typeface="Calibri"/>
+                <a:sym typeface="Calibri"/>
+              </a:rPr>
+              <a:t>Other choices included  a Random Forest Classifier ML model</a:t>
+            </a:r>
+            <a:r>
+              <a:rPr lang="en" sz="914">
+                <a:latin typeface="Calibri"/>
+                <a:ea typeface="Calibri"/>
+                <a:cs typeface="Calibri"/>
+                <a:sym typeface="Calibri"/>
+              </a:rPr>
+              <a:t> </a:t>
+            </a:r>
+            <a:endParaRPr sz="914">
+              <a:latin typeface="Calibri"/>
+              <a:ea typeface="Calibri"/>
+              <a:cs typeface="Calibri"/>
+              <a:sym typeface="Calibri"/>
+            </a:endParaRPr>
           </a:p>
           <a:p>
-            <a:pPr indent="-255587" lvl="0" marL="457200" rtl="0" algn="l">
-              <a:spcBef>
-                <a:spcPts val="0"/>
-              </a:spcBef>
-              <a:spcAft>
-                <a:spcPts val="0"/>
-              </a:spcAft>
-              <a:buSzPct val="100000"/>
+            <a:pPr indent="-286702" lvl="0" marL="457200" rtl="0" algn="l">
+              <a:lnSpc>
+                <a:spcPct val="95000"/>
+              </a:lnSpc>
+              <a:spcBef>
+                <a:spcPts val="0"/>
+              </a:spcBef>
+              <a:spcAft>
+                <a:spcPts val="0"/>
+              </a:spcAft>
+              <a:buSzPts val="915"/>
+              <a:buFont typeface="Calibri"/>
               <a:buChar char="❖"/>
             </a:pPr>
             <a:r>
-              <a:rPr lang="en" sz="1700"/>
-              <a:t>update test image clas</a:t>
-            </a:r>
-            <a:r>
-              <a:rPr lang="en" sz="1700"/>
-              <a:t>s</a:t>
-            </a:r>
-            <a:endParaRPr sz="1700"/>
+              <a:rPr lang="en" sz="914">
+                <a:latin typeface="Calibri"/>
+                <a:ea typeface="Calibri"/>
+                <a:cs typeface="Calibri"/>
+                <a:sym typeface="Calibri"/>
+              </a:rPr>
+              <a:t>More consistent concerning image classification</a:t>
+            </a:r>
+            <a:endParaRPr sz="914">
+              <a:latin typeface="Calibri"/>
+              <a:ea typeface="Calibri"/>
+              <a:cs typeface="Calibri"/>
+              <a:sym typeface="Calibri"/>
+            </a:endParaRPr>
           </a:p>
           <a:p>
-            <a:pPr indent="-255587" lvl="0" marL="457200" rtl="0" algn="l">
-              <a:spcBef>
-                <a:spcPts val="0"/>
-              </a:spcBef>
-              <a:spcAft>
-                <a:spcPts val="0"/>
-              </a:spcAft>
-              <a:buSzPct val="100000"/>
+            <a:pPr indent="-286702" lvl="0" marL="457200" rtl="0" algn="l">
+              <a:lnSpc>
+                <a:spcPct val="95000"/>
+              </a:lnSpc>
+              <a:spcBef>
+                <a:spcPts val="0"/>
+              </a:spcBef>
+              <a:spcAft>
+                <a:spcPts val="0"/>
+              </a:spcAft>
+              <a:buSzPts val="915"/>
+              <a:buFont typeface="Calibri"/>
               <a:buChar char="❖"/>
             </a:pPr>
             <a:r>
-              <a:rPr lang="en" sz="1700"/>
-              <a:t>evaluate accuracy</a:t>
-            </a:r>
-            <a:endParaRPr sz="1700"/>
+              <a:rPr lang="en" sz="914">
+                <a:latin typeface="Calibri"/>
+                <a:ea typeface="Calibri"/>
+                <a:cs typeface="Calibri"/>
+                <a:sym typeface="Calibri"/>
+              </a:rPr>
+              <a:t>More flexible for feature processing </a:t>
+            </a:r>
+            <a:endParaRPr sz="914">
+              <a:latin typeface="Calibri"/>
+              <a:ea typeface="Calibri"/>
+              <a:cs typeface="Calibri"/>
+              <a:sym typeface="Calibri"/>
+            </a:endParaRPr>
           </a:p>
           <a:p>
             <a:pPr indent="0" lvl="0" marL="0" rtl="0" algn="l">
+              <a:lnSpc>
+                <a:spcPct val="95000"/>
+              </a:lnSpc>
               <a:spcBef>
                 <a:spcPts val="1200"/>
               </a:spcBef>
@@ -13796,62 +14923,142 @@
               <a:buNone/>
             </a:pPr>
             <a:r>
-              <a:rPr lang="en" sz="1700"/>
-              <a:t>How was data split into testing and training datasets?</a:t>
-            </a:r>
-            <a:endParaRPr sz="1700"/>
+              <a:rPr b="1" lang="en" sz="1000">
+                <a:latin typeface="Calibri"/>
+                <a:ea typeface="Calibri"/>
+                <a:cs typeface="Calibri"/>
+                <a:sym typeface="Calibri"/>
+              </a:rPr>
+              <a:t>Tested using cleaned data</a:t>
+            </a:r>
+            <a:endParaRPr sz="1000">
+              <a:latin typeface="Calibri"/>
+              <a:ea typeface="Calibri"/>
+              <a:cs typeface="Calibri"/>
+              <a:sym typeface="Calibri"/>
+            </a:endParaRPr>
           </a:p>
           <a:p>
-            <a:pPr indent="-255587" lvl="0" marL="457200" rtl="0" algn="l">
+            <a:pPr indent="-286702" lvl="0" marL="457200" rtl="0" algn="l">
+              <a:lnSpc>
+                <a:spcPct val="95000"/>
+              </a:lnSpc>
               <a:spcBef>
                 <a:spcPts val="1200"/>
               </a:spcBef>
               <a:spcAft>
                 <a:spcPts val="0"/>
               </a:spcAft>
-              <a:buSzPct val="100000"/>
-              <a:buChar char="●"/>
+              <a:buSzPts val="915"/>
+              <a:buFont typeface="Calibri"/>
+              <a:buChar char="❖"/>
             </a:pPr>
             <a:r>
-              <a:rPr lang="en" sz="1700"/>
-              <a:t>50/50 split</a:t>
-            </a:r>
-            <a:endParaRPr sz="1700"/>
+              <a:rPr lang="en" sz="914">
+                <a:latin typeface="Calibri"/>
+                <a:ea typeface="Calibri"/>
+                <a:cs typeface="Calibri"/>
+                <a:sym typeface="Calibri"/>
+              </a:rPr>
+              <a:t>Query merging images</a:t>
+            </a:r>
+            <a:endParaRPr sz="914">
+              <a:latin typeface="Calibri"/>
+              <a:ea typeface="Calibri"/>
+              <a:cs typeface="Calibri"/>
+              <a:sym typeface="Calibri"/>
+            </a:endParaRPr>
           </a:p>
           <a:p>
-            <a:pPr indent="-249237" lvl="0" marL="457200" rtl="0" algn="l">
-              <a:spcBef>
-                <a:spcPts val="0"/>
-              </a:spcBef>
-              <a:spcAft>
-                <a:spcPts val="0"/>
-              </a:spcAft>
-              <a:buSzPct val="100000"/>
-              <a:buChar char="●"/>
+            <a:pPr indent="-286702" lvl="0" marL="457200" rtl="0" algn="l">
+              <a:lnSpc>
+                <a:spcPct val="95000"/>
+              </a:lnSpc>
+              <a:spcBef>
+                <a:spcPts val="0"/>
+              </a:spcBef>
+              <a:spcAft>
+                <a:spcPts val="0"/>
+              </a:spcAft>
+              <a:buSzPts val="915"/>
+              <a:buFont typeface="Calibri"/>
+              <a:buChar char="❖"/>
             </a:pPr>
             <a:r>
-              <a:rPr lang="en"/>
-              <a:t>Adjusted as needed for the addition of future models</a:t>
-            </a:r>
-            <a:endParaRPr/>
+              <a:rPr lang="en" sz="914">
+                <a:latin typeface="Calibri"/>
+                <a:ea typeface="Calibri"/>
+                <a:cs typeface="Calibri"/>
+                <a:sym typeface="Calibri"/>
+              </a:rPr>
+              <a:t>IMport dataset into model through query merging</a:t>
+            </a:r>
+            <a:endParaRPr sz="905">
+              <a:latin typeface="Calibri"/>
+              <a:ea typeface="Calibri"/>
+              <a:cs typeface="Calibri"/>
+              <a:sym typeface="Calibri"/>
+            </a:endParaRPr>
           </a:p>
           <a:p>
-            <a:pPr indent="0" lvl="0" marL="0" rtl="0" algn="l">
-              <a:spcBef>
-                <a:spcPts val="1200"/>
-              </a:spcBef>
-              <a:spcAft>
-                <a:spcPts val="1200"/>
-              </a:spcAft>
-              <a:buNone/>
+            <a:pPr indent="-293052" lvl="0" marL="457200" rtl="0" algn="l">
+              <a:lnSpc>
+                <a:spcPct val="95000"/>
+              </a:lnSpc>
+              <a:spcBef>
+                <a:spcPts val="0"/>
+              </a:spcBef>
+              <a:spcAft>
+                <a:spcPts val="0"/>
+              </a:spcAft>
+              <a:buSzPts val="1015"/>
+              <a:buFont typeface="Calibri"/>
+              <a:buChar char="❖"/>
             </a:pPr>
             <a:r>
-              <a:t/>
-            </a:r>
-            <a:endParaRPr/>
+              <a:rPr lang="en" sz="1014">
+                <a:latin typeface="Calibri"/>
+                <a:ea typeface="Calibri"/>
+                <a:cs typeface="Calibri"/>
+                <a:sym typeface="Calibri"/>
+              </a:rPr>
+              <a:t>Images evaluated to determine what features will be captured</a:t>
+            </a:r>
+            <a:endParaRPr sz="1014">
+              <a:latin typeface="Calibri"/>
+              <a:ea typeface="Calibri"/>
+              <a:cs typeface="Calibri"/>
+              <a:sym typeface="Calibri"/>
+            </a:endParaRPr>
           </a:p>
         </p:txBody>
       </p:sp>
+      <p:cxnSp>
+        <p:nvCxnSpPr>
+          <p:cNvPr id="207" name="Google Shape;207;p20"/>
+          <p:cNvCxnSpPr/>
+          <p:nvPr/>
+        </p:nvCxnSpPr>
+        <p:spPr>
+          <a:xfrm>
+            <a:off x="4967125" y="977075"/>
+            <a:ext cx="23700" cy="3576300"/>
+          </a:xfrm>
+          <a:prstGeom prst="straightConnector1">
+            <a:avLst/>
+          </a:prstGeom>
+          <a:noFill/>
+          <a:ln cap="flat" cmpd="sng" w="28575">
+            <a:solidFill>
+              <a:schemeClr val="lt1"/>
+            </a:solidFill>
+            <a:prstDash val="solid"/>
+            <a:round/>
+            <a:headEnd len="med" w="med" type="none"/>
+            <a:tailEnd len="med" w="med" type="none"/>
+          </a:ln>
+        </p:spPr>
+      </p:cxnSp>
     </p:spTree>
   </p:cSld>
   <p:clrMapOvr>
@@ -13860,12 +15067,12 @@
 </p:sld>
 </file>
 
-<file path=ppt/slides/slide8.xml><?xml version="1.0" encoding="utf-8"?>
+<file path=ppt/slides/slide9.xml><?xml version="1.0" encoding="utf-8"?>
 <p:sld xmlns:a="http://schemas.openxmlformats.org/drawingml/2006/main" xmlns:r="http://schemas.openxmlformats.org/officeDocument/2006/relationships" xmlns:mc="http://schemas.openxmlformats.org/markup-compatibility/2006" xmlns:mv="urn:schemas-microsoft-com:mac:vml" xmlns:p="http://schemas.openxmlformats.org/presentationml/2006/main" xmlns:c="http://schemas.openxmlformats.org/drawingml/2006/chart" xmlns:dgm="http://schemas.openxmlformats.org/drawingml/2006/diagram" xmlns:o="urn:schemas-microsoft-com:office:office" xmlns:v="urn:schemas-microsoft-com:vml" xmlns:pvml="urn:schemas-microsoft-com:office:powerpoint" xmlns:com="http://schemas.openxmlformats.org/drawingml/2006/compatibility" xmlns:p14="http://schemas.microsoft.com/office/powerpoint/2010/main" xmlns:p15="http://schemas.microsoft.com/office/powerpoint/2012/main" xmlns:ahyp="http://schemas.microsoft.com/office/drawing/2018/hyperlinkcolor">
   <p:cSld>
     <p:spTree>
       <p:nvGrpSpPr>
-        <p:cNvPr id="202" name="Shape 202"/>
+        <p:cNvPr id="211" name="Shape 211"/>
         <p:cNvGrpSpPr/>
         <p:nvPr/>
       </p:nvGrpSpPr>
@@ -13879,7 +15086,7 @@
       </p:grpSpPr>
       <p:sp>
         <p:nvSpPr>
-          <p:cNvPr id="203" name="Google Shape;203;p20"/>
+          <p:cNvPr id="212" name="Google Shape;212;p21"/>
           <p:cNvSpPr txBox="1"/>
           <p:nvPr>
             <p:ph type="title"/>
@@ -13887,20 +15094,20 @@
         </p:nvSpPr>
         <p:spPr>
           <a:xfrm>
-            <a:off x="1297500" y="393750"/>
-            <a:ext cx="7038900" cy="914100"/>
+            <a:off x="1819950" y="297150"/>
+            <a:ext cx="5994000" cy="757200"/>
           </a:xfrm>
           <a:prstGeom prst="rect">
             <a:avLst/>
           </a:prstGeom>
         </p:spPr>
         <p:txBody>
-          <a:bodyPr anchorCtr="0" anchor="t" bIns="91425" lIns="91425" spcFirstLastPara="1" rIns="91425" wrap="square" tIns="91425">
+          <a:bodyPr anchorCtr="0" anchor="ctr" bIns="91425" lIns="91425" spcFirstLastPara="1" rIns="91425" wrap="square" tIns="91425">
             <a:normAutofit/>
           </a:bodyPr>
           <a:lstStyle/>
           <a:p>
-            <a:pPr indent="0" lvl="0" marL="0" rtl="0" algn="l">
+            <a:pPr indent="0" lvl="0" marL="0" rtl="0" algn="ctr">
               <a:spcBef>
                 <a:spcPts val="0"/>
               </a:spcBef>
@@ -13910,16 +15117,26 @@
               <a:buNone/>
             </a:pPr>
             <a:r>
-              <a:rPr lang="en"/>
-              <a:t>Front End</a:t>
-            </a:r>
-            <a:endParaRPr/>
+              <a:rPr lang="en">
+                <a:latin typeface="Calibri"/>
+                <a:ea typeface="Calibri"/>
+                <a:cs typeface="Calibri"/>
+                <a:sym typeface="Calibri"/>
+              </a:rPr>
+              <a:t>Looking ahead for final presentation…</a:t>
+            </a:r>
+            <a:endParaRPr>
+              <a:latin typeface="Calibri"/>
+              <a:ea typeface="Calibri"/>
+              <a:cs typeface="Calibri"/>
+              <a:sym typeface="Calibri"/>
+            </a:endParaRPr>
           </a:p>
         </p:txBody>
       </p:sp>
       <p:sp>
         <p:nvSpPr>
-          <p:cNvPr id="204" name="Google Shape;204;p20"/>
+          <p:cNvPr id="213" name="Google Shape;213;p21"/>
           <p:cNvSpPr txBox="1"/>
           <p:nvPr>
             <p:ph idx="1" type="body"/>
@@ -13927,7 +15144,7 @@
         </p:nvSpPr>
         <p:spPr>
           <a:xfrm>
-            <a:off x="1297500" y="1567550"/>
+            <a:off x="1297500" y="1116150"/>
             <a:ext cx="7038900" cy="2911200"/>
           </a:xfrm>
           <a:prstGeom prst="rect">
@@ -13950,10 +15167,20 @@
               <a:buNone/>
             </a:pPr>
             <a:r>
-              <a:rPr lang="en"/>
+              <a:rPr b="1" lang="en">
+                <a:latin typeface="Calibri"/>
+                <a:ea typeface="Calibri"/>
+                <a:cs typeface="Calibri"/>
+                <a:sym typeface="Calibri"/>
+              </a:rPr>
               <a:t>Flask Application</a:t>
             </a:r>
-            <a:endParaRPr/>
+            <a:endParaRPr b="1">
+              <a:latin typeface="Calibri"/>
+              <a:ea typeface="Calibri"/>
+              <a:cs typeface="Calibri"/>
+              <a:sym typeface="Calibri"/>
+            </a:endParaRPr>
           </a:p>
           <a:p>
             <a:pPr indent="-311150" lvl="0" marL="457200" rtl="0" algn="l">
@@ -13964,13 +15191,24 @@
                 <a:spcPts val="0"/>
               </a:spcAft>
               <a:buSzPts val="1300"/>
-              <a:buChar char="●"/>
+              <a:buFont typeface="Calibri"/>
+              <a:buChar char="❖"/>
             </a:pPr>
             <a:r>
-              <a:rPr lang="en"/>
-              <a:t>-created using pickle file of model</a:t>
-            </a:r>
-            <a:endParaRPr/>
+              <a:rPr lang="en">
+                <a:latin typeface="Calibri"/>
+                <a:ea typeface="Calibri"/>
+                <a:cs typeface="Calibri"/>
+                <a:sym typeface="Calibri"/>
+              </a:rPr>
+              <a:t>Created using pickle file of model</a:t>
+            </a:r>
+            <a:endParaRPr>
+              <a:latin typeface="Calibri"/>
+              <a:ea typeface="Calibri"/>
+              <a:cs typeface="Calibri"/>
+              <a:sym typeface="Calibri"/>
+            </a:endParaRPr>
           </a:p>
           <a:p>
             <a:pPr indent="-311150" lvl="0" marL="457200" rtl="0" algn="l">
@@ -13981,13 +15219,24 @@
                 <a:spcPts val="0"/>
               </a:spcAft>
               <a:buSzPts val="1300"/>
-              <a:buChar char="●"/>
+              <a:buFont typeface="Calibri"/>
+              <a:buChar char="❖"/>
             </a:pPr>
             <a:r>
-              <a:rPr lang="en"/>
-              <a:t>-final deployed application will take an uploaded image and return:  vehicle/ not vehicle</a:t>
-            </a:r>
-            <a:endParaRPr/>
+              <a:rPr lang="en">
+                <a:latin typeface="Calibri"/>
+                <a:ea typeface="Calibri"/>
+                <a:cs typeface="Calibri"/>
+                <a:sym typeface="Calibri"/>
+              </a:rPr>
+              <a:t>Final deployed application will take an uploaded image and return:  vehicle/ not vehicle</a:t>
+            </a:r>
+            <a:endParaRPr>
+              <a:latin typeface="Calibri"/>
+              <a:ea typeface="Calibri"/>
+              <a:cs typeface="Calibri"/>
+              <a:sym typeface="Calibri"/>
+            </a:endParaRPr>
           </a:p>
           <a:p>
             <a:pPr indent="0" lvl="0" marL="0" rtl="0" algn="l">
@@ -14000,10 +15249,20 @@
               <a:buNone/>
             </a:pPr>
             <a:r>
-              <a:rPr lang="en"/>
+              <a:rPr b="1" lang="en">
+                <a:latin typeface="Calibri"/>
+                <a:ea typeface="Calibri"/>
+                <a:cs typeface="Calibri"/>
+                <a:sym typeface="Calibri"/>
+              </a:rPr>
               <a:t>D3.js</a:t>
             </a:r>
-            <a:endParaRPr/>
+            <a:endParaRPr b="1">
+              <a:latin typeface="Calibri"/>
+              <a:ea typeface="Calibri"/>
+              <a:cs typeface="Calibri"/>
+              <a:sym typeface="Calibri"/>
+            </a:endParaRPr>
           </a:p>
           <a:p>
             <a:pPr indent="-311150" lvl="0" marL="457200" rtl="0" algn="l">
@@ -14014,13 +15273,24 @@
                 <a:spcPts val="0"/>
               </a:spcAft>
               <a:buSzPts val="1300"/>
-              <a:buChar char="●"/>
+              <a:buFont typeface="Calibri"/>
+              <a:buChar char="❖"/>
             </a:pPr>
             <a:r>
-              <a:rPr lang="en"/>
+              <a:rPr lang="en">
+                <a:latin typeface="Calibri"/>
+                <a:ea typeface="Calibri"/>
+                <a:cs typeface="Calibri"/>
+                <a:sym typeface="Calibri"/>
+              </a:rPr>
               <a:t>Fully functioning, interactive dashboard</a:t>
             </a:r>
-            <a:endParaRPr/>
+            <a:endParaRPr>
+              <a:latin typeface="Calibri"/>
+              <a:ea typeface="Calibri"/>
+              <a:cs typeface="Calibri"/>
+              <a:sym typeface="Calibri"/>
+            </a:endParaRPr>
           </a:p>
           <a:p>
             <a:pPr indent="0" lvl="0" marL="0" rtl="0" algn="l">
@@ -14033,10 +15303,20 @@
               <a:buNone/>
             </a:pPr>
             <a:r>
-              <a:rPr lang="en"/>
+              <a:rPr b="1" lang="en">
+                <a:latin typeface="Calibri"/>
+                <a:ea typeface="Calibri"/>
+                <a:cs typeface="Calibri"/>
+                <a:sym typeface="Calibri"/>
+              </a:rPr>
               <a:t>Tableau</a:t>
             </a:r>
-            <a:endParaRPr/>
+            <a:endParaRPr b="1">
+              <a:latin typeface="Calibri"/>
+              <a:ea typeface="Calibri"/>
+              <a:cs typeface="Calibri"/>
+              <a:sym typeface="Calibri"/>
+            </a:endParaRPr>
           </a:p>
           <a:p>
             <a:pPr indent="-311150" lvl="0" marL="457200" rtl="0" algn="l">
@@ -14047,13 +15327,24 @@
                 <a:spcPts val="0"/>
               </a:spcAft>
               <a:buSzPts val="1300"/>
-              <a:buChar char="●"/>
+              <a:buFont typeface="Calibri"/>
+              <a:buChar char="❖"/>
             </a:pPr>
             <a:r>
-              <a:rPr lang="en"/>
+              <a:rPr lang="en">
+                <a:latin typeface="Calibri"/>
+                <a:ea typeface="Calibri"/>
+                <a:cs typeface="Calibri"/>
+                <a:sym typeface="Calibri"/>
+              </a:rPr>
               <a:t>Final deliverable</a:t>
             </a:r>
-            <a:endParaRPr/>
+            <a:endParaRPr>
+              <a:latin typeface="Calibri"/>
+              <a:ea typeface="Calibri"/>
+              <a:cs typeface="Calibri"/>
+              <a:sym typeface="Calibri"/>
+            </a:endParaRPr>
           </a:p>
           <a:p>
             <a:pPr indent="-311150" lvl="0" marL="457200" rtl="0" algn="l">
@@ -14064,175 +15355,27 @@
                 <a:spcPts val="0"/>
               </a:spcAft>
               <a:buSzPts val="1300"/>
-              <a:buChar char="●"/>
+              <a:buFont typeface="Calibri"/>
+              <a:buChar char="❖"/>
             </a:pPr>
             <a:r>
-              <a:rPr lang="en"/>
+              <a:rPr lang="en">
+                <a:latin typeface="Calibri"/>
+                <a:ea typeface="Calibri"/>
+                <a:cs typeface="Calibri"/>
+                <a:sym typeface="Calibri"/>
+              </a:rPr>
               <a:t>Application hosted on Amazon Web Services</a:t>
             </a:r>
-            <a:endParaRPr/>
+            <a:endParaRPr>
+              <a:latin typeface="Calibri"/>
+              <a:ea typeface="Calibri"/>
+              <a:cs typeface="Calibri"/>
+              <a:sym typeface="Calibri"/>
+            </a:endParaRPr>
           </a:p>
         </p:txBody>
       </p:sp>
-    </p:spTree>
-  </p:cSld>
-  <p:clrMapOvr>
-    <a:masterClrMapping/>
-  </p:clrMapOvr>
-</p:sld>
-</file>
-
-<file path=ppt/slides/slide9.xml><?xml version="1.0" encoding="utf-8"?>
-<p:sld xmlns:a="http://schemas.openxmlformats.org/drawingml/2006/main" xmlns:r="http://schemas.openxmlformats.org/officeDocument/2006/relationships" xmlns:mc="http://schemas.openxmlformats.org/markup-compatibility/2006" xmlns:mv="urn:schemas-microsoft-com:mac:vml" xmlns:p="http://schemas.openxmlformats.org/presentationml/2006/main" xmlns:c="http://schemas.openxmlformats.org/drawingml/2006/chart" xmlns:dgm="http://schemas.openxmlformats.org/drawingml/2006/diagram" xmlns:o="urn:schemas-microsoft-com:office:office" xmlns:v="urn:schemas-microsoft-com:vml" xmlns:pvml="urn:schemas-microsoft-com:office:powerpoint" xmlns:com="http://schemas.openxmlformats.org/drawingml/2006/compatibility" xmlns:p14="http://schemas.microsoft.com/office/powerpoint/2010/main" xmlns:p15="http://schemas.microsoft.com/office/powerpoint/2012/main" xmlns:ahyp="http://schemas.microsoft.com/office/drawing/2018/hyperlinkcolor">
-  <p:cSld>
-    <p:spTree>
-      <p:nvGrpSpPr>
-        <p:cNvPr id="208" name="Shape 208"/>
-        <p:cNvGrpSpPr/>
-        <p:nvPr/>
-      </p:nvGrpSpPr>
-      <p:grpSpPr>
-        <a:xfrm>
-          <a:off x="0" y="0"/>
-          <a:ext cx="0" cy="0"/>
-          <a:chOff x="0" y="0"/>
-          <a:chExt cx="0" cy="0"/>
-        </a:xfrm>
-      </p:grpSpPr>
-      <p:sp>
-        <p:nvSpPr>
-          <p:cNvPr id="209" name="Google Shape;209;p21"/>
-          <p:cNvSpPr txBox="1"/>
-          <p:nvPr>
-            <p:ph type="title"/>
-          </p:nvPr>
-        </p:nvSpPr>
-        <p:spPr>
-          <a:xfrm>
-            <a:off x="1297500" y="393750"/>
-            <a:ext cx="7038900" cy="914100"/>
-          </a:xfrm>
-          <a:prstGeom prst="rect">
-            <a:avLst/>
-          </a:prstGeom>
-        </p:spPr>
-        <p:txBody>
-          <a:bodyPr anchorCtr="0" anchor="t" bIns="91425" lIns="91425" spcFirstLastPara="1" rIns="91425" wrap="square" tIns="91425">
-            <a:normAutofit/>
-          </a:bodyPr>
-          <a:lstStyle/>
-          <a:p>
-            <a:pPr indent="0" lvl="0" marL="0" rtl="0" algn="l">
-              <a:spcBef>
-                <a:spcPts val="0"/>
-              </a:spcBef>
-              <a:spcAft>
-                <a:spcPts val="0"/>
-              </a:spcAft>
-              <a:buNone/>
-            </a:pPr>
-            <a:r>
-              <a:t/>
-            </a:r>
-            <a:endParaRPr/>
-          </a:p>
-        </p:txBody>
-      </p:sp>
-      <p:sp>
-        <p:nvSpPr>
-          <p:cNvPr id="210" name="Google Shape;210;p21"/>
-          <p:cNvSpPr txBox="1"/>
-          <p:nvPr>
-            <p:ph idx="1" type="body"/>
-          </p:nvPr>
-        </p:nvSpPr>
-        <p:spPr>
-          <a:xfrm>
-            <a:off x="1297500" y="1567550"/>
-            <a:ext cx="7038900" cy="2911200"/>
-          </a:xfrm>
-          <a:prstGeom prst="rect">
-            <a:avLst/>
-          </a:prstGeom>
-        </p:spPr>
-        <p:txBody>
-          <a:bodyPr anchorCtr="0" anchor="t" bIns="91425" lIns="91425" spcFirstLastPara="1" rIns="91425" wrap="square" tIns="91425">
-            <a:normAutofit/>
-          </a:bodyPr>
-          <a:lstStyle/>
-          <a:p>
-            <a:pPr indent="0" lvl="0" marL="0" rtl="0" algn="l">
-              <a:spcBef>
-                <a:spcPts val="0"/>
-              </a:spcBef>
-              <a:spcAft>
-                <a:spcPts val="1200"/>
-              </a:spcAft>
-              <a:buNone/>
-            </a:pPr>
-            <a:r>
-              <a:t/>
-            </a:r>
-            <a:endParaRPr/>
-          </a:p>
-        </p:txBody>
-      </p:sp>
-      <p:pic>
-        <p:nvPicPr>
-          <p:cNvPr id="211" name="Google Shape;211;p21"/>
-          <p:cNvPicPr preferRelativeResize="0"/>
-          <p:nvPr/>
-        </p:nvPicPr>
-        <p:blipFill>
-          <a:blip r:embed="rId3">
-            <a:alphaModFix/>
-          </a:blip>
-          <a:stretch>
-            <a:fillRect/>
-          </a:stretch>
-        </p:blipFill>
-        <p:spPr>
-          <a:xfrm>
-            <a:off x="585154" y="1092062"/>
-            <a:ext cx="3452950" cy="3386675"/>
-          </a:xfrm>
-          <a:prstGeom prst="rect">
-            <a:avLst/>
-          </a:prstGeom>
-          <a:noFill/>
-          <a:ln>
-            <a:noFill/>
-          </a:ln>
-        </p:spPr>
-      </p:pic>
-      <p:pic>
-        <p:nvPicPr>
-          <p:cNvPr id="212" name="Google Shape;212;p21"/>
-          <p:cNvPicPr preferRelativeResize="0"/>
-          <p:nvPr/>
-        </p:nvPicPr>
-        <p:blipFill>
-          <a:blip r:embed="rId4">
-            <a:alphaModFix/>
-          </a:blip>
-          <a:stretch>
-            <a:fillRect/>
-          </a:stretch>
-        </p:blipFill>
-        <p:spPr>
-          <a:xfrm>
-            <a:off x="4631804" y="1307841"/>
-            <a:ext cx="3513875" cy="2247375"/>
-          </a:xfrm>
-          <a:prstGeom prst="rect">
-            <a:avLst/>
-          </a:prstGeom>
-          <a:noFill/>
-          <a:ln>
-            <a:noFill/>
-          </a:ln>
-        </p:spPr>
-      </p:pic>
     </p:spTree>
   </p:cSld>
   <p:clrMapOvr>
